--- a/frontend-cursus/ 10 - React.pptx
+++ b/frontend-cursus/ 10 - React.pptx
@@ -5,39 +5,35 @@
     <p:sldMasterId id="2147483660" r:id="rId1"/>
   </p:sldMasterIdLst>
   <p:notesMasterIdLst>
-    <p:notesMasterId r:id="rId32"/>
+    <p:notesMasterId r:id="rId28"/>
   </p:notesMasterIdLst>
   <p:sldIdLst>
-    <p:sldId id="256" r:id="rId2"/>
-    <p:sldId id="304" r:id="rId3"/>
-    <p:sldId id="257" r:id="rId4"/>
-    <p:sldId id="258" r:id="rId5"/>
-    <p:sldId id="259" r:id="rId6"/>
-    <p:sldId id="260" r:id="rId7"/>
-    <p:sldId id="291" r:id="rId8"/>
-    <p:sldId id="295" r:id="rId9"/>
-    <p:sldId id="296" r:id="rId10"/>
-    <p:sldId id="297" r:id="rId11"/>
-    <p:sldId id="298" r:id="rId12"/>
-    <p:sldId id="299" r:id="rId13"/>
-    <p:sldId id="300" r:id="rId14"/>
-    <p:sldId id="292" r:id="rId15"/>
-    <p:sldId id="284" r:id="rId16"/>
-    <p:sldId id="287" r:id="rId17"/>
-    <p:sldId id="302" r:id="rId18"/>
-    <p:sldId id="273" r:id="rId19"/>
-    <p:sldId id="263" r:id="rId20"/>
-    <p:sldId id="294" r:id="rId21"/>
-    <p:sldId id="301" r:id="rId22"/>
-    <p:sldId id="288" r:id="rId23"/>
-    <p:sldId id="289" r:id="rId24"/>
-    <p:sldId id="303" r:id="rId25"/>
-    <p:sldId id="274" r:id="rId26"/>
-    <p:sldId id="275" r:id="rId27"/>
-    <p:sldId id="276" r:id="rId28"/>
-    <p:sldId id="277" r:id="rId29"/>
-    <p:sldId id="278" r:id="rId30"/>
-    <p:sldId id="282" r:id="rId31"/>
+    <p:sldId id="305" r:id="rId2"/>
+    <p:sldId id="257" r:id="rId3"/>
+    <p:sldId id="306" r:id="rId4"/>
+    <p:sldId id="256" r:id="rId5"/>
+    <p:sldId id="291" r:id="rId6"/>
+    <p:sldId id="298" r:id="rId7"/>
+    <p:sldId id="299" r:id="rId8"/>
+    <p:sldId id="300" r:id="rId9"/>
+    <p:sldId id="287" r:id="rId10"/>
+    <p:sldId id="292" r:id="rId11"/>
+    <p:sldId id="284" r:id="rId12"/>
+    <p:sldId id="308" r:id="rId13"/>
+    <p:sldId id="302" r:id="rId14"/>
+    <p:sldId id="307" r:id="rId15"/>
+    <p:sldId id="273" r:id="rId16"/>
+    <p:sldId id="263" r:id="rId17"/>
+    <p:sldId id="294" r:id="rId18"/>
+    <p:sldId id="301" r:id="rId19"/>
+    <p:sldId id="288" r:id="rId20"/>
+    <p:sldId id="289" r:id="rId21"/>
+    <p:sldId id="303" r:id="rId22"/>
+    <p:sldId id="274" r:id="rId23"/>
+    <p:sldId id="275" r:id="rId24"/>
+    <p:sldId id="276" r:id="rId25"/>
+    <p:sldId id="277" r:id="rId26"/>
+    <p:sldId id="282" r:id="rId27"/>
   </p:sldIdLst>
   <p:sldSz cx="13004800" cy="9753600"/>
   <p:notesSz cx="6858000" cy="9144000"/>
@@ -602,7 +598,7 @@
   <p:cSld>
     <p:spTree>
       <p:nvGrpSpPr>
-        <p:cNvPr id="1" name="Shape 55"/>
+        <p:cNvPr id="1" name="Shape 60"/>
         <p:cNvGrpSpPr/>
         <p:nvPr/>
       </p:nvGrpSpPr>
@@ -616,202 +612,7 @@
       </p:grpSpPr>
       <p:sp>
         <p:nvSpPr>
-          <p:cNvPr id="56" name="Shape 56"/>
-          <p:cNvSpPr txBox="1">
-            <a:spLocks noGrp="1"/>
-          </p:cNvSpPr>
-          <p:nvPr>
-            <p:ph type="body" idx="1"/>
-          </p:nvPr>
-        </p:nvSpPr>
-        <p:spPr>
-          <a:xfrm>
-            <a:off x="914400" y="4343400"/>
-            <a:ext cx="5029199" cy="4114800"/>
-          </a:xfrm>
-          <a:prstGeom prst="rect">
-            <a:avLst/>
-          </a:prstGeom>
-        </p:spPr>
-        <p:txBody>
-          <a:bodyPr lIns="91425" tIns="91425" rIns="91425" bIns="91425" anchor="t" anchorCtr="0">
-            <a:noAutofit/>
-          </a:bodyPr>
-          <a:lstStyle/>
-          <a:p>
-            <a:pPr lvl="0">
-              <a:spcBef>
-                <a:spcPts val="0"/>
-              </a:spcBef>
-              <a:buNone/>
-            </a:pPr>
-            <a:r>
-              <a:rPr lang="en-US" dirty="0" smtClean="0"/>
-              <a:t>http://</a:t>
-            </a:r>
-            <a:r>
-              <a:rPr lang="en-US" dirty="0" err="1" smtClean="0"/>
-              <a:t>coenraets.org</a:t>
-            </a:r>
-            <a:r>
-              <a:rPr lang="en-US" dirty="0" smtClean="0"/>
-              <a:t>/present/react/#3</a:t>
-            </a:r>
-          </a:p>
-          <a:p>
-            <a:pPr lvl="0">
-              <a:spcBef>
-                <a:spcPts val="0"/>
-              </a:spcBef>
-              <a:buNone/>
-            </a:pPr>
-            <a:endParaRPr lang="en-US" dirty="0" smtClean="0"/>
-          </a:p>
-          <a:p>
-            <a:pPr lvl="0">
-              <a:spcBef>
-                <a:spcPts val="0"/>
-              </a:spcBef>
-              <a:buNone/>
-            </a:pPr>
-            <a:r>
-              <a:rPr lang="en-US" dirty="0" smtClean="0"/>
-              <a:t>http://</a:t>
-            </a:r>
-            <a:r>
-              <a:rPr lang="en-US" dirty="0" err="1" smtClean="0"/>
-              <a:t>slides.com</a:t>
-            </a:r>
-            <a:r>
-              <a:rPr lang="en-US" dirty="0" smtClean="0"/>
-              <a:t>/</a:t>
-            </a:r>
-            <a:r>
-              <a:rPr lang="en-US" dirty="0" err="1" smtClean="0"/>
-              <a:t>alexanderfarennikov</a:t>
-            </a:r>
-            <a:r>
-              <a:rPr lang="en-US" dirty="0" smtClean="0"/>
-              <a:t>/react-</a:t>
-            </a:r>
-            <a:r>
-              <a:rPr lang="en-US" dirty="0" err="1" smtClean="0"/>
-              <a:t>js</a:t>
-            </a:r>
-            <a:r>
-              <a:rPr lang="en-US" dirty="0" smtClean="0"/>
-              <a:t>-fundamentals/</a:t>
-            </a:r>
-            <a:r>
-              <a:rPr lang="en-US" dirty="0" err="1" smtClean="0"/>
-              <a:t>fullscreen</a:t>
-            </a:r>
-            <a:r>
-              <a:rPr lang="en-US" dirty="0" smtClean="0"/>
-              <a:t>#/20</a:t>
-            </a:r>
-          </a:p>
-          <a:p>
-            <a:pPr lvl="0">
-              <a:spcBef>
-                <a:spcPts val="0"/>
-              </a:spcBef>
-              <a:buNone/>
-            </a:pPr>
-            <a:endParaRPr lang="en-US" dirty="0" smtClean="0"/>
-          </a:p>
-          <a:p>
-            <a:pPr lvl="0">
-              <a:spcBef>
-                <a:spcPts val="0"/>
-              </a:spcBef>
-              <a:buNone/>
-            </a:pPr>
-            <a:r>
-              <a:rPr lang="en-US" dirty="0" smtClean="0"/>
-              <a:t>https://</a:t>
-            </a:r>
-            <a:r>
-              <a:rPr lang="en-US" dirty="0" err="1" smtClean="0"/>
-              <a:t>scotch.io</a:t>
-            </a:r>
-            <a:r>
-              <a:rPr lang="en-US" dirty="0" smtClean="0"/>
-              <a:t>/tutorials/learning-react-getting-started-and-concepts</a:t>
-            </a:r>
-            <a:endParaRPr dirty="0"/>
-          </a:p>
-        </p:txBody>
-      </p:sp>
-      <p:sp>
-        <p:nvSpPr>
-          <p:cNvPr id="57" name="Shape 57"/>
-          <p:cNvSpPr>
-            <a:spLocks noGrp="1" noRot="1" noChangeAspect="1"/>
-          </p:cNvSpPr>
-          <p:nvPr>
-            <p:ph type="sldImg" idx="2"/>
-          </p:nvPr>
-        </p:nvSpPr>
-        <p:spPr>
-          <a:xfrm>
-            <a:off x="1143000" y="685800"/>
-            <a:ext cx="4572000" cy="3429000"/>
-          </a:xfrm>
-          <a:custGeom>
-            <a:avLst/>
-            <a:gdLst/>
-            <a:ahLst/>
-            <a:cxnLst/>
-            <a:rect l="0" t="0" r="0" b="0"/>
-            <a:pathLst>
-              <a:path w="120000" h="120000" extrusionOk="0">
-                <a:moveTo>
-                  <a:pt x="0" y="0"/>
-                </a:moveTo>
-                <a:lnTo>
-                  <a:pt x="120000" y="0"/>
-                </a:lnTo>
-                <a:lnTo>
-                  <a:pt x="120000" y="120000"/>
-                </a:lnTo>
-                <a:lnTo>
-                  <a:pt x="0" y="120000"/>
-                </a:lnTo>
-                <a:close/>
-              </a:path>
-            </a:pathLst>
-          </a:custGeom>
-        </p:spPr>
-      </p:sp>
-    </p:spTree>
-  </p:cSld>
-  <p:clrMapOvr>
-    <a:masterClrMapping/>
-  </p:clrMapOvr>
-</p:notes>
-</file>
-
-<file path=ppt/notesSlides/notesSlide10.xml><?xml version="1.0" encoding="utf-8"?>
-<p:notes xmlns:a="http://schemas.openxmlformats.org/drawingml/2006/main" xmlns:r="http://schemas.openxmlformats.org/officeDocument/2006/relationships" xmlns:p="http://schemas.openxmlformats.org/presentationml/2006/main" showMasterSp="0" showMasterPhAnim="0">
-  <p:cSld>
-    <p:spTree>
-      <p:nvGrpSpPr>
-        <p:cNvPr id="1" name="Shape 132"/>
-        <p:cNvGrpSpPr/>
-        <p:nvPr/>
-      </p:nvGrpSpPr>
-      <p:grpSpPr>
-        <a:xfrm>
-          <a:off x="0" y="0"/>
-          <a:ext cx="0" cy="0"/>
-          <a:chOff x="0" y="0"/>
-          <a:chExt cx="0" cy="0"/>
-        </a:xfrm>
-      </p:grpSpPr>
-      <p:sp>
-        <p:nvSpPr>
-          <p:cNvPr id="133" name="Shape 133"/>
+          <p:cNvPr id="61" name="Shape 61"/>
           <p:cNvSpPr>
             <a:spLocks noGrp="1" noRot="1" noChangeAspect="1"/>
           </p:cNvSpPr>
@@ -852,7 +653,7 @@
       </p:sp>
       <p:sp>
         <p:nvSpPr>
-          <p:cNvPr id="134" name="Shape 134"/>
+          <p:cNvPr id="62" name="Shape 62"/>
           <p:cNvSpPr txBox="1">
             <a:spLocks noGrp="1"/>
           </p:cNvSpPr>
@@ -886,11 +687,6 @@
         </p:txBody>
       </p:sp>
     </p:spTree>
-    <p:extLst>
-      <p:ext uri="{BB962C8B-B14F-4D97-AF65-F5344CB8AC3E}">
-        <p14:creationId xmlns:p14="http://schemas.microsoft.com/office/powerpoint/2010/main" val="973291894"/>
-      </p:ext>
-    </p:extLst>
   </p:cSld>
   <p:clrMapOvr>
     <a:masterClrMapping/>
@@ -898,679 +694,7 @@
 </p:notes>
 </file>
 
-<file path=ppt/notesSlides/notesSlide11.xml><?xml version="1.0" encoding="utf-8"?>
-<p:notes xmlns:a="http://schemas.openxmlformats.org/drawingml/2006/main" xmlns:r="http://schemas.openxmlformats.org/officeDocument/2006/relationships" xmlns:p="http://schemas.openxmlformats.org/presentationml/2006/main" showMasterSp="0" showMasterPhAnim="0">
-  <p:cSld>
-    <p:spTree>
-      <p:nvGrpSpPr>
-        <p:cNvPr id="1" name="Shape 138"/>
-        <p:cNvGrpSpPr/>
-        <p:nvPr/>
-      </p:nvGrpSpPr>
-      <p:grpSpPr>
-        <a:xfrm>
-          <a:off x="0" y="0"/>
-          <a:ext cx="0" cy="0"/>
-          <a:chOff x="0" y="0"/>
-          <a:chExt cx="0" cy="0"/>
-        </a:xfrm>
-      </p:grpSpPr>
-      <p:sp>
-        <p:nvSpPr>
-          <p:cNvPr id="139" name="Shape 139"/>
-          <p:cNvSpPr>
-            <a:spLocks noGrp="1" noRot="1" noChangeAspect="1"/>
-          </p:cNvSpPr>
-          <p:nvPr>
-            <p:ph type="sldImg" idx="2"/>
-          </p:nvPr>
-        </p:nvSpPr>
-        <p:spPr>
-          <a:xfrm>
-            <a:off x="1143000" y="685800"/>
-            <a:ext cx="4572000" cy="3429000"/>
-          </a:xfrm>
-          <a:custGeom>
-            <a:avLst/>
-            <a:gdLst/>
-            <a:ahLst/>
-            <a:cxnLst/>
-            <a:rect l="0" t="0" r="0" b="0"/>
-            <a:pathLst>
-              <a:path w="120000" h="120000" extrusionOk="0">
-                <a:moveTo>
-                  <a:pt x="0" y="0"/>
-                </a:moveTo>
-                <a:lnTo>
-                  <a:pt x="120000" y="0"/>
-                </a:lnTo>
-                <a:lnTo>
-                  <a:pt x="120000" y="120000"/>
-                </a:lnTo>
-                <a:lnTo>
-                  <a:pt x="0" y="120000"/>
-                </a:lnTo>
-                <a:close/>
-              </a:path>
-            </a:pathLst>
-          </a:custGeom>
-        </p:spPr>
-      </p:sp>
-      <p:sp>
-        <p:nvSpPr>
-          <p:cNvPr id="140" name="Shape 140"/>
-          <p:cNvSpPr txBox="1">
-            <a:spLocks noGrp="1"/>
-          </p:cNvSpPr>
-          <p:nvPr>
-            <p:ph type="body" idx="1"/>
-          </p:nvPr>
-        </p:nvSpPr>
-        <p:spPr>
-          <a:xfrm>
-            <a:off x="914400" y="4343400"/>
-            <a:ext cx="5029200" cy="4114800"/>
-          </a:xfrm>
-          <a:prstGeom prst="rect">
-            <a:avLst/>
-          </a:prstGeom>
-        </p:spPr>
-        <p:txBody>
-          <a:bodyPr lIns="91425" tIns="91425" rIns="91425" bIns="91425" anchor="t" anchorCtr="0">
-            <a:noAutofit/>
-          </a:bodyPr>
-          <a:lstStyle/>
-          <a:p>
-            <a:pPr lvl="0">
-              <a:spcBef>
-                <a:spcPts val="0"/>
-              </a:spcBef>
-              <a:buNone/>
-            </a:pPr>
-            <a:r>
-              <a:rPr lang="nl-NL" dirty="0" smtClean="0"/>
-              <a:t>Export? </a:t>
-            </a:r>
-            <a:endParaRPr dirty="0"/>
-          </a:p>
-        </p:txBody>
-      </p:sp>
-    </p:spTree>
-    <p:extLst>
-      <p:ext uri="{BB962C8B-B14F-4D97-AF65-F5344CB8AC3E}">
-        <p14:creationId xmlns:p14="http://schemas.microsoft.com/office/powerpoint/2010/main" val="532328622"/>
-      </p:ext>
-    </p:extLst>
-  </p:cSld>
-  <p:clrMapOvr>
-    <a:masterClrMapping/>
-  </p:clrMapOvr>
-</p:notes>
-</file>
-
-<file path=ppt/notesSlides/notesSlide12.xml><?xml version="1.0" encoding="utf-8"?>
-<p:notes xmlns:a="http://schemas.openxmlformats.org/drawingml/2006/main" xmlns:r="http://schemas.openxmlformats.org/officeDocument/2006/relationships" xmlns:p="http://schemas.openxmlformats.org/presentationml/2006/main" showMasterSp="0" showMasterPhAnim="0">
-  <p:cSld>
-    <p:spTree>
-      <p:nvGrpSpPr>
-        <p:cNvPr id="1" name="Shape 144"/>
-        <p:cNvGrpSpPr/>
-        <p:nvPr/>
-      </p:nvGrpSpPr>
-      <p:grpSpPr>
-        <a:xfrm>
-          <a:off x="0" y="0"/>
-          <a:ext cx="0" cy="0"/>
-          <a:chOff x="0" y="0"/>
-          <a:chExt cx="0" cy="0"/>
-        </a:xfrm>
-      </p:grpSpPr>
-      <p:sp>
-        <p:nvSpPr>
-          <p:cNvPr id="145" name="Shape 145"/>
-          <p:cNvSpPr>
-            <a:spLocks noGrp="1" noRot="1" noChangeAspect="1"/>
-          </p:cNvSpPr>
-          <p:nvPr>
-            <p:ph type="sldImg" idx="2"/>
-          </p:nvPr>
-        </p:nvSpPr>
-        <p:spPr>
-          <a:xfrm>
-            <a:off x="1143000" y="685800"/>
-            <a:ext cx="4572000" cy="3429000"/>
-          </a:xfrm>
-          <a:custGeom>
-            <a:avLst/>
-            <a:gdLst/>
-            <a:ahLst/>
-            <a:cxnLst/>
-            <a:rect l="0" t="0" r="0" b="0"/>
-            <a:pathLst>
-              <a:path w="120000" h="120000" extrusionOk="0">
-                <a:moveTo>
-                  <a:pt x="0" y="0"/>
-                </a:moveTo>
-                <a:lnTo>
-                  <a:pt x="120000" y="0"/>
-                </a:lnTo>
-                <a:lnTo>
-                  <a:pt x="120000" y="120000"/>
-                </a:lnTo>
-                <a:lnTo>
-                  <a:pt x="0" y="120000"/>
-                </a:lnTo>
-                <a:close/>
-              </a:path>
-            </a:pathLst>
-          </a:custGeom>
-        </p:spPr>
-      </p:sp>
-      <p:sp>
-        <p:nvSpPr>
-          <p:cNvPr id="146" name="Shape 146"/>
-          <p:cNvSpPr txBox="1">
-            <a:spLocks noGrp="1"/>
-          </p:cNvSpPr>
-          <p:nvPr>
-            <p:ph type="body" idx="1"/>
-          </p:nvPr>
-        </p:nvSpPr>
-        <p:spPr>
-          <a:xfrm>
-            <a:off x="914400" y="4343400"/>
-            <a:ext cx="5029200" cy="4114800"/>
-          </a:xfrm>
-          <a:prstGeom prst="rect">
-            <a:avLst/>
-          </a:prstGeom>
-        </p:spPr>
-        <p:txBody>
-          <a:bodyPr lIns="91425" tIns="91425" rIns="91425" bIns="91425" anchor="t" anchorCtr="0">
-            <a:noAutofit/>
-          </a:bodyPr>
-          <a:lstStyle/>
-          <a:p>
-            <a:pPr lvl="0">
-              <a:spcBef>
-                <a:spcPts val="0"/>
-              </a:spcBef>
-              <a:buNone/>
-            </a:pPr>
-            <a:endParaRPr/>
-          </a:p>
-        </p:txBody>
-      </p:sp>
-    </p:spTree>
-    <p:extLst>
-      <p:ext uri="{BB962C8B-B14F-4D97-AF65-F5344CB8AC3E}">
-        <p14:creationId xmlns:p14="http://schemas.microsoft.com/office/powerpoint/2010/main" val="42061605"/>
-      </p:ext>
-    </p:extLst>
-  </p:cSld>
-  <p:clrMapOvr>
-    <a:masterClrMapping/>
-  </p:clrMapOvr>
-</p:notes>
-</file>
-
-<file path=ppt/notesSlides/notesSlide13.xml><?xml version="1.0" encoding="utf-8"?>
-<p:notes xmlns:a="http://schemas.openxmlformats.org/drawingml/2006/main" xmlns:r="http://schemas.openxmlformats.org/officeDocument/2006/relationships" xmlns:p="http://schemas.openxmlformats.org/presentationml/2006/main">
-  <p:cSld>
-    <p:spTree>
-      <p:nvGrpSpPr>
-        <p:cNvPr id="1" name=""/>
-        <p:cNvGrpSpPr/>
-        <p:nvPr/>
-      </p:nvGrpSpPr>
-      <p:grpSpPr>
-        <a:xfrm>
-          <a:off x="0" y="0"/>
-          <a:ext cx="0" cy="0"/>
-          <a:chOff x="0" y="0"/>
-          <a:chExt cx="0" cy="0"/>
-        </a:xfrm>
-      </p:grpSpPr>
-      <p:sp>
-        <p:nvSpPr>
-          <p:cNvPr id="2" name="Slide Image Placeholder 1"/>
-          <p:cNvSpPr>
-            <a:spLocks noGrp="1" noRot="1" noChangeAspect="1"/>
-          </p:cNvSpPr>
-          <p:nvPr>
-            <p:ph type="sldImg"/>
-          </p:nvPr>
-        </p:nvSpPr>
-        <p:spPr/>
-      </p:sp>
-      <p:sp>
-        <p:nvSpPr>
-          <p:cNvPr id="3" name="Notes Placeholder 2"/>
-          <p:cNvSpPr>
-            <a:spLocks noGrp="1"/>
-          </p:cNvSpPr>
-          <p:nvPr>
-            <p:ph type="body" idx="1"/>
-          </p:nvPr>
-        </p:nvSpPr>
-        <p:spPr/>
-        <p:txBody>
-          <a:bodyPr/>
-          <a:lstStyle/>
-          <a:p>
-            <a:pPr lvl="0">
-              <a:spcBef>
-                <a:spcPts val="0"/>
-              </a:spcBef>
-              <a:buNone/>
-            </a:pPr>
-            <a:r>
-              <a:rPr lang="en-US" b="1" dirty="0" smtClean="0"/>
-              <a:t>Set</a:t>
-            </a:r>
-            <a:r>
-              <a:rPr lang="en-US" b="1" baseline="0" dirty="0" smtClean="0"/>
-              <a:t> State!</a:t>
-            </a:r>
-          </a:p>
-          <a:p>
-            <a:pPr lvl="0">
-              <a:spcBef>
-                <a:spcPts val="0"/>
-              </a:spcBef>
-              <a:buNone/>
-            </a:pPr>
-            <a:endParaRPr lang="en-US" dirty="0" smtClean="0"/>
-          </a:p>
-          <a:p>
-            <a:pPr lvl="0">
-              <a:spcBef>
-                <a:spcPts val="0"/>
-              </a:spcBef>
-              <a:buNone/>
-            </a:pPr>
-            <a:r>
-              <a:rPr lang="en-US" dirty="0" smtClean="0"/>
-              <a:t>Use</a:t>
-            </a:r>
-            <a:r>
-              <a:rPr lang="en-US" baseline="0" dirty="0" smtClean="0"/>
-              <a:t> AXIOS: </a:t>
-            </a:r>
-            <a:r>
-              <a:rPr lang="en-US" sz="2200" b="0" i="0" u="none" strike="noStrike" kern="1200" cap="none" dirty="0" smtClean="0">
-                <a:solidFill>
-                  <a:schemeClr val="tx1"/>
-                </a:solidFill>
-                <a:effectLst/>
-                <a:latin typeface="Helvetica Neue"/>
-                <a:ea typeface="Helvetica Neue"/>
-                <a:cs typeface="Helvetica Neue"/>
-                <a:sym typeface="Helvetica Neue"/>
-              </a:rPr>
-              <a:t>Promise based HTTP client for </a:t>
-            </a:r>
-            <a:r>
-              <a:rPr lang="en-US" sz="2200" b="0" i="0" u="none" strike="noStrike" kern="1200" cap="none" dirty="0" err="1" smtClean="0">
-                <a:solidFill>
-                  <a:schemeClr val="tx1"/>
-                </a:solidFill>
-                <a:effectLst/>
-                <a:latin typeface="Helvetica Neue"/>
-                <a:ea typeface="Helvetica Neue"/>
-                <a:cs typeface="Helvetica Neue"/>
-                <a:sym typeface="Helvetica Neue"/>
-              </a:rPr>
-              <a:t>node.js</a:t>
-            </a:r>
-            <a:endParaRPr lang="en-US" dirty="0" smtClean="0"/>
-          </a:p>
-          <a:p>
-            <a:pPr lvl="0">
-              <a:spcBef>
-                <a:spcPts val="0"/>
-              </a:spcBef>
-              <a:buNone/>
-            </a:pPr>
-            <a:endParaRPr lang="en-US" dirty="0" smtClean="0"/>
-          </a:p>
-          <a:p>
-            <a:pPr lvl="0">
-              <a:spcBef>
-                <a:spcPts val="0"/>
-              </a:spcBef>
-              <a:buNone/>
-            </a:pPr>
-            <a:r>
-              <a:rPr lang="en-US" dirty="0" smtClean="0"/>
-              <a:t>Use ES6</a:t>
-            </a:r>
-            <a:r>
-              <a:rPr lang="en-US" baseline="0" dirty="0" smtClean="0"/>
-              <a:t> </a:t>
-            </a:r>
-            <a:r>
-              <a:rPr lang="en-US" dirty="0" smtClean="0"/>
-              <a:t>arrow functions</a:t>
-            </a:r>
-          </a:p>
-          <a:p>
-            <a:pPr lvl="0">
-              <a:spcBef>
-                <a:spcPts val="0"/>
-              </a:spcBef>
-              <a:buNone/>
-            </a:pPr>
-            <a:endParaRPr lang="en-US" dirty="0" smtClean="0"/>
-          </a:p>
-          <a:p>
-            <a:pPr lvl="0">
-              <a:spcBef>
-                <a:spcPts val="0"/>
-              </a:spcBef>
-              <a:buNone/>
-            </a:pPr>
-            <a:r>
-              <a:rPr lang="en-US" sz="2200" b="0" i="0" u="none" strike="noStrike" kern="1200" cap="none" dirty="0" smtClean="0">
-                <a:solidFill>
-                  <a:schemeClr val="tx1"/>
-                </a:solidFill>
-                <a:effectLst/>
-                <a:latin typeface="Helvetica Neue"/>
-                <a:ea typeface="Helvetica Neue"/>
-                <a:cs typeface="Helvetica Neue"/>
-                <a:sym typeface="Helvetica Neue"/>
-              </a:rPr>
-              <a:t>An </a:t>
-            </a:r>
-            <a:r>
-              <a:rPr lang="en-US" sz="2200" b="1" i="0" u="none" strike="noStrike" kern="1200" cap="none" dirty="0" smtClean="0">
-                <a:solidFill>
-                  <a:schemeClr val="tx1"/>
-                </a:solidFill>
-                <a:effectLst/>
-                <a:latin typeface="Helvetica Neue"/>
-                <a:ea typeface="Helvetica Neue"/>
-                <a:cs typeface="Helvetica Neue"/>
-                <a:sym typeface="Helvetica Neue"/>
-              </a:rPr>
-              <a:t>arrow function expression</a:t>
-            </a:r>
-            <a:r>
-              <a:rPr lang="en-US" sz="2200" b="0" i="0" u="none" strike="noStrike" kern="1200" cap="none" dirty="0" smtClean="0">
-                <a:solidFill>
-                  <a:schemeClr val="tx1"/>
-                </a:solidFill>
-                <a:effectLst/>
-                <a:latin typeface="Helvetica Neue"/>
-                <a:ea typeface="Helvetica Neue"/>
-                <a:cs typeface="Helvetica Neue"/>
-                <a:sym typeface="Helvetica Neue"/>
-              </a:rPr>
-              <a:t> has a shorter syntax than a </a:t>
-            </a:r>
-            <a:r>
-              <a:rPr lang="en-US" sz="2200" b="0" i="0" u="none" strike="noStrike" kern="1200" cap="none" dirty="0" smtClean="0">
-                <a:solidFill>
-                  <a:schemeClr val="tx1"/>
-                </a:solidFill>
-                <a:effectLst/>
-                <a:latin typeface="Helvetica Neue"/>
-                <a:ea typeface="Helvetica Neue"/>
-                <a:cs typeface="Helvetica Neue"/>
-                <a:sym typeface="Helvetica Neue"/>
-                <a:hlinkClick r:id="rId3"/>
-              </a:rPr>
-              <a:t>function expression</a:t>
-            </a:r>
-            <a:r>
-              <a:rPr lang="en-US" sz="2200" b="0" i="0" u="none" strike="noStrike" kern="1200" cap="none" dirty="0" smtClean="0">
-                <a:solidFill>
-                  <a:schemeClr val="tx1"/>
-                </a:solidFill>
-                <a:effectLst/>
-                <a:latin typeface="Helvetica Neue"/>
-                <a:ea typeface="Helvetica Neue"/>
-                <a:cs typeface="Helvetica Neue"/>
-                <a:sym typeface="Helvetica Neue"/>
-              </a:rPr>
-              <a:t> and does not bind its own </a:t>
-            </a:r>
-            <a:r>
-              <a:rPr lang="en-US" sz="2200" b="0" i="0" u="none" strike="noStrike" kern="1200" cap="none" dirty="0" smtClean="0">
-                <a:solidFill>
-                  <a:schemeClr val="tx1"/>
-                </a:solidFill>
-                <a:effectLst/>
-                <a:latin typeface="Helvetica Neue"/>
-                <a:ea typeface="Helvetica Neue"/>
-                <a:cs typeface="Helvetica Neue"/>
-                <a:sym typeface="Helvetica Neue"/>
-                <a:hlinkClick r:id="rId4"/>
-              </a:rPr>
-              <a:t>this</a:t>
-            </a:r>
-            <a:r>
-              <a:rPr lang="en-US" sz="2200" b="0" i="0" u="none" strike="noStrike" kern="1200" cap="none" dirty="0" smtClean="0">
-                <a:solidFill>
-                  <a:schemeClr val="tx1"/>
-                </a:solidFill>
-                <a:effectLst/>
-                <a:latin typeface="Helvetica Neue"/>
-                <a:ea typeface="Helvetica Neue"/>
-                <a:cs typeface="Helvetica Neue"/>
-                <a:sym typeface="Helvetica Neue"/>
-              </a:rPr>
-              <a:t>.</a:t>
-            </a:r>
-          </a:p>
-          <a:p>
-            <a:pPr lvl="0">
-              <a:spcBef>
-                <a:spcPts val="0"/>
-              </a:spcBef>
-              <a:buNone/>
-            </a:pPr>
-            <a:r>
-              <a:rPr lang="en-US" sz="2200" b="0" i="0" u="none" strike="noStrike" kern="1200" cap="none" dirty="0" smtClean="0">
-                <a:solidFill>
-                  <a:schemeClr val="tx1"/>
-                </a:solidFill>
-                <a:effectLst/>
-                <a:latin typeface="Helvetica Neue"/>
-                <a:ea typeface="Helvetica Neue"/>
-                <a:cs typeface="Helvetica Neue"/>
-                <a:sym typeface="Helvetica Neue"/>
-              </a:rPr>
-              <a:t>You can program</a:t>
-            </a:r>
-            <a:r>
-              <a:rPr lang="en-US" sz="2200" b="0" i="0" u="none" strike="noStrike" kern="1200" cap="none" baseline="0" dirty="0" smtClean="0">
-                <a:solidFill>
-                  <a:schemeClr val="tx1"/>
-                </a:solidFill>
-                <a:effectLst/>
-                <a:latin typeface="Helvetica Neue"/>
-                <a:ea typeface="Helvetica Neue"/>
-                <a:cs typeface="Helvetica Neue"/>
-                <a:sym typeface="Helvetica Neue"/>
-              </a:rPr>
-              <a:t> in</a:t>
-            </a:r>
-            <a:r>
-              <a:rPr lang="en-US" sz="2200" b="0" i="0" u="none" strike="noStrike" kern="1200" cap="none" dirty="0" smtClean="0">
-                <a:solidFill>
-                  <a:schemeClr val="tx1"/>
-                </a:solidFill>
-                <a:effectLst/>
-                <a:latin typeface="Helvetica Neue"/>
-                <a:ea typeface="Helvetica Neue"/>
-                <a:cs typeface="Helvetica Neue"/>
-                <a:sym typeface="Helvetica Neue"/>
-              </a:rPr>
-              <a:t> an object oriented OR </a:t>
-            </a:r>
-            <a:r>
-              <a:rPr lang="en-US" sz="2200" b="1" i="0" u="none" strike="noStrike" kern="1200" cap="none" dirty="0" smtClean="0">
-                <a:solidFill>
-                  <a:schemeClr val="tx1"/>
-                </a:solidFill>
-                <a:effectLst/>
-                <a:latin typeface="Helvetica Neue"/>
-                <a:ea typeface="Helvetica Neue"/>
-                <a:cs typeface="Helvetica Neue"/>
-                <a:sym typeface="Helvetica Neue"/>
-              </a:rPr>
-              <a:t>functional way </a:t>
-            </a:r>
-            <a:r>
-              <a:rPr lang="en-US" sz="2200" b="0" i="0" u="none" strike="noStrike" kern="1200" cap="none" dirty="0" smtClean="0">
-                <a:solidFill>
-                  <a:schemeClr val="tx1"/>
-                </a:solidFill>
-                <a:effectLst/>
-                <a:latin typeface="Helvetica Neue"/>
-                <a:ea typeface="Helvetica Neue"/>
-                <a:cs typeface="Helvetica Neue"/>
-                <a:sym typeface="Helvetica Neue"/>
-              </a:rPr>
-              <a:t>with</a:t>
-            </a:r>
-            <a:r>
-              <a:rPr lang="en-US" sz="2200" b="0" i="0" u="none" strike="noStrike" kern="1200" cap="none" baseline="0" dirty="0" smtClean="0">
-                <a:solidFill>
-                  <a:schemeClr val="tx1"/>
-                </a:solidFill>
-                <a:effectLst/>
-                <a:latin typeface="Helvetica Neue"/>
-                <a:ea typeface="Helvetica Neue"/>
-                <a:cs typeface="Helvetica Neue"/>
-                <a:sym typeface="Helvetica Neue"/>
-              </a:rPr>
-              <a:t> Arrow functions.</a:t>
-            </a:r>
-            <a:endParaRPr lang="en-US" dirty="0" smtClean="0"/>
-          </a:p>
-          <a:p>
-            <a:endParaRPr lang="en-US" dirty="0"/>
-          </a:p>
-        </p:txBody>
-      </p:sp>
-    </p:spTree>
-    <p:extLst>
-      <p:ext uri="{BB962C8B-B14F-4D97-AF65-F5344CB8AC3E}">
-        <p14:creationId xmlns:p14="http://schemas.microsoft.com/office/powerpoint/2010/main" val="479909486"/>
-      </p:ext>
-    </p:extLst>
-  </p:cSld>
-  <p:clrMapOvr>
-    <a:masterClrMapping/>
-  </p:clrMapOvr>
-</p:notes>
-</file>
-
-<file path=ppt/notesSlides/notesSlide14.xml><?xml version="1.0" encoding="utf-8"?>
-<p:notes xmlns:a="http://schemas.openxmlformats.org/drawingml/2006/main" xmlns:r="http://schemas.openxmlformats.org/officeDocument/2006/relationships" xmlns:p="http://schemas.openxmlformats.org/presentationml/2006/main" showMasterSp="0" showMasterPhAnim="0">
-  <p:cSld>
-    <p:spTree>
-      <p:nvGrpSpPr>
-        <p:cNvPr id="1" name="Shape 156"/>
-        <p:cNvGrpSpPr/>
-        <p:nvPr/>
-      </p:nvGrpSpPr>
-      <p:grpSpPr>
-        <a:xfrm>
-          <a:off x="0" y="0"/>
-          <a:ext cx="0" cy="0"/>
-          <a:chOff x="0" y="0"/>
-          <a:chExt cx="0" cy="0"/>
-        </a:xfrm>
-      </p:grpSpPr>
-      <p:sp>
-        <p:nvSpPr>
-          <p:cNvPr id="157" name="Shape 157"/>
-          <p:cNvSpPr>
-            <a:spLocks noGrp="1" noRot="1" noChangeAspect="1"/>
-          </p:cNvSpPr>
-          <p:nvPr>
-            <p:ph type="sldImg" idx="2"/>
-          </p:nvPr>
-        </p:nvSpPr>
-        <p:spPr>
-          <a:xfrm>
-            <a:off x="1143000" y="685800"/>
-            <a:ext cx="4572000" cy="3429000"/>
-          </a:xfrm>
-          <a:custGeom>
-            <a:avLst/>
-            <a:gdLst/>
-            <a:ahLst/>
-            <a:cxnLst/>
-            <a:rect l="0" t="0" r="0" b="0"/>
-            <a:pathLst>
-              <a:path w="120000" h="120000" extrusionOk="0">
-                <a:moveTo>
-                  <a:pt x="0" y="0"/>
-                </a:moveTo>
-                <a:lnTo>
-                  <a:pt x="120000" y="0"/>
-                </a:lnTo>
-                <a:lnTo>
-                  <a:pt x="120000" y="120000"/>
-                </a:lnTo>
-                <a:lnTo>
-                  <a:pt x="0" y="120000"/>
-                </a:lnTo>
-                <a:close/>
-              </a:path>
-            </a:pathLst>
-          </a:custGeom>
-        </p:spPr>
-      </p:sp>
-      <p:sp>
-        <p:nvSpPr>
-          <p:cNvPr id="158" name="Shape 158"/>
-          <p:cNvSpPr txBox="1">
-            <a:spLocks noGrp="1"/>
-          </p:cNvSpPr>
-          <p:nvPr>
-            <p:ph type="body" idx="1"/>
-          </p:nvPr>
-        </p:nvSpPr>
-        <p:spPr>
-          <a:xfrm>
-            <a:off x="914400" y="4343400"/>
-            <a:ext cx="5029200" cy="4114800"/>
-          </a:xfrm>
-          <a:prstGeom prst="rect">
-            <a:avLst/>
-          </a:prstGeom>
-        </p:spPr>
-        <p:txBody>
-          <a:bodyPr lIns="91425" tIns="91425" rIns="91425" bIns="91425" anchor="t" anchorCtr="0">
-            <a:noAutofit/>
-          </a:bodyPr>
-          <a:lstStyle/>
-          <a:p>
-            <a:pPr lvl="0">
-              <a:spcBef>
-                <a:spcPts val="0"/>
-              </a:spcBef>
-              <a:buNone/>
-            </a:pPr>
-            <a:endParaRPr/>
-          </a:p>
-        </p:txBody>
-      </p:sp>
-    </p:spTree>
-  </p:cSld>
-  <p:clrMapOvr>
-    <a:masterClrMapping/>
-  </p:clrMapOvr>
-</p:notes>
-</file>
-
-<file path=ppt/notesSlides/notesSlide15.xml><?xml version="1.0" encoding="utf-8"?>
+<file path=ppt/notesSlides/notesSlide10.xml><?xml version="1.0" encoding="utf-8"?>
 <p:notes xmlns:a="http://schemas.openxmlformats.org/drawingml/2006/main" xmlns:r="http://schemas.openxmlformats.org/officeDocument/2006/relationships" xmlns:p="http://schemas.openxmlformats.org/presentationml/2006/main" showMasterSp="0" showMasterPhAnim="0">
   <p:cSld>
     <p:spTree>
@@ -1879,7 +1003,7 @@
 </p:notes>
 </file>
 
-<file path=ppt/notesSlides/notesSlide16.xml><?xml version="1.0" encoding="utf-8"?>
+<file path=ppt/notesSlides/notesSlide11.xml><?xml version="1.0" encoding="utf-8"?>
 <p:notes xmlns:a="http://schemas.openxmlformats.org/drawingml/2006/main" xmlns:r="http://schemas.openxmlformats.org/officeDocument/2006/relationships" xmlns:p="http://schemas.openxmlformats.org/presentationml/2006/main" showMasterSp="0" showMasterPhAnim="0">
   <p:cSld>
     <p:spTree>
@@ -2042,7 +1166,7 @@
 </p:notes>
 </file>
 
-<file path=ppt/notesSlides/notesSlide17.xml><?xml version="1.0" encoding="utf-8"?>
+<file path=ppt/notesSlides/notesSlide12.xml><?xml version="1.0" encoding="utf-8"?>
 <p:notes xmlns:a="http://schemas.openxmlformats.org/drawingml/2006/main" xmlns:r="http://schemas.openxmlformats.org/officeDocument/2006/relationships" xmlns:p="http://schemas.openxmlformats.org/presentationml/2006/main">
   <p:cSld>
     <p:spTree>
@@ -2363,7 +1487,7 @@
 </p:notes>
 </file>
 
-<file path=ppt/notesSlides/notesSlide18.xml><?xml version="1.0" encoding="utf-8"?>
+<file path=ppt/notesSlides/notesSlide13.xml><?xml version="1.0" encoding="utf-8"?>
 <p:notes xmlns:a="http://schemas.openxmlformats.org/drawingml/2006/main" xmlns:r="http://schemas.openxmlformats.org/officeDocument/2006/relationships" xmlns:p="http://schemas.openxmlformats.org/presentationml/2006/main" showMasterSp="0" showMasterPhAnim="0">
   <p:cSld>
     <p:spTree>
@@ -2467,7 +1591,7 @@
 </p:notes>
 </file>
 
-<file path=ppt/notesSlides/notesSlide19.xml><?xml version="1.0" encoding="utf-8"?>
+<file path=ppt/notesSlides/notesSlide14.xml><?xml version="1.0" encoding="utf-8"?>
 <p:notes xmlns:a="http://schemas.openxmlformats.org/drawingml/2006/main" xmlns:r="http://schemas.openxmlformats.org/officeDocument/2006/relationships" xmlns:p="http://schemas.openxmlformats.org/presentationml/2006/main" showMasterSp="0" showMasterPhAnim="0">
   <p:cSld>
     <p:spTree>
@@ -2571,108 +1695,7 @@
 </p:notes>
 </file>
 
-<file path=ppt/notesSlides/notesSlide2.xml><?xml version="1.0" encoding="utf-8"?>
-<p:notes xmlns:a="http://schemas.openxmlformats.org/drawingml/2006/main" xmlns:r="http://schemas.openxmlformats.org/officeDocument/2006/relationships" xmlns:p="http://schemas.openxmlformats.org/presentationml/2006/main" showMasterSp="0" showMasterPhAnim="0">
-  <p:cSld>
-    <p:spTree>
-      <p:nvGrpSpPr>
-        <p:cNvPr id="1" name="Shape 60"/>
-        <p:cNvGrpSpPr/>
-        <p:nvPr/>
-      </p:nvGrpSpPr>
-      <p:grpSpPr>
-        <a:xfrm>
-          <a:off x="0" y="0"/>
-          <a:ext cx="0" cy="0"/>
-          <a:chOff x="0" y="0"/>
-          <a:chExt cx="0" cy="0"/>
-        </a:xfrm>
-      </p:grpSpPr>
-      <p:sp>
-        <p:nvSpPr>
-          <p:cNvPr id="61" name="Shape 61"/>
-          <p:cNvSpPr>
-            <a:spLocks noGrp="1" noRot="1" noChangeAspect="1"/>
-          </p:cNvSpPr>
-          <p:nvPr>
-            <p:ph type="sldImg" idx="2"/>
-          </p:nvPr>
-        </p:nvSpPr>
-        <p:spPr>
-          <a:xfrm>
-            <a:off x="1143000" y="685800"/>
-            <a:ext cx="4572000" cy="3429000"/>
-          </a:xfrm>
-          <a:custGeom>
-            <a:avLst/>
-            <a:gdLst/>
-            <a:ahLst/>
-            <a:cxnLst/>
-            <a:rect l="0" t="0" r="0" b="0"/>
-            <a:pathLst>
-              <a:path w="120000" h="120000" extrusionOk="0">
-                <a:moveTo>
-                  <a:pt x="0" y="0"/>
-                </a:moveTo>
-                <a:lnTo>
-                  <a:pt x="120000" y="0"/>
-                </a:lnTo>
-                <a:lnTo>
-                  <a:pt x="120000" y="120000"/>
-                </a:lnTo>
-                <a:lnTo>
-                  <a:pt x="0" y="120000"/>
-                </a:lnTo>
-                <a:close/>
-              </a:path>
-            </a:pathLst>
-          </a:custGeom>
-        </p:spPr>
-      </p:sp>
-      <p:sp>
-        <p:nvSpPr>
-          <p:cNvPr id="62" name="Shape 62"/>
-          <p:cNvSpPr txBox="1">
-            <a:spLocks noGrp="1"/>
-          </p:cNvSpPr>
-          <p:nvPr>
-            <p:ph type="body" idx="1"/>
-          </p:nvPr>
-        </p:nvSpPr>
-        <p:spPr>
-          <a:xfrm>
-            <a:off x="914400" y="4343400"/>
-            <a:ext cx="5029200" cy="4114800"/>
-          </a:xfrm>
-          <a:prstGeom prst="rect">
-            <a:avLst/>
-          </a:prstGeom>
-        </p:spPr>
-        <p:txBody>
-          <a:bodyPr lIns="91425" tIns="91425" rIns="91425" bIns="91425" anchor="t" anchorCtr="0">
-            <a:noAutofit/>
-          </a:bodyPr>
-          <a:lstStyle/>
-          <a:p>
-            <a:pPr lvl="0">
-              <a:spcBef>
-                <a:spcPts val="0"/>
-              </a:spcBef>
-              <a:buNone/>
-            </a:pPr>
-            <a:endParaRPr/>
-          </a:p>
-        </p:txBody>
-      </p:sp>
-    </p:spTree>
-  </p:cSld>
-  <p:clrMapOvr>
-    <a:masterClrMapping/>
-  </p:clrMapOvr>
-</p:notes>
-</file>
-
-<file path=ppt/notesSlides/notesSlide20.xml><?xml version="1.0" encoding="utf-8"?>
+<file path=ppt/notesSlides/notesSlide15.xml><?xml version="1.0" encoding="utf-8"?>
 <p:notes xmlns:a="http://schemas.openxmlformats.org/drawingml/2006/main" xmlns:r="http://schemas.openxmlformats.org/officeDocument/2006/relationships" xmlns:p="http://schemas.openxmlformats.org/presentationml/2006/main" showMasterSp="0" showMasterPhAnim="0">
   <p:cSld>
     <p:spTree>
@@ -2776,7 +1799,7 @@
 </p:notes>
 </file>
 
-<file path=ppt/notesSlides/notesSlide21.xml><?xml version="1.0" encoding="utf-8"?>
+<file path=ppt/notesSlides/notesSlide16.xml><?xml version="1.0" encoding="utf-8"?>
 <p:notes xmlns:a="http://schemas.openxmlformats.org/drawingml/2006/main" xmlns:r="http://schemas.openxmlformats.org/officeDocument/2006/relationships" xmlns:p="http://schemas.openxmlformats.org/presentationml/2006/main" showMasterSp="0" showMasterPhAnim="0">
   <p:cSld>
     <p:spTree>
@@ -2880,108 +1903,7 @@
 </p:notes>
 </file>
 
-<file path=ppt/notesSlides/notesSlide22.xml><?xml version="1.0" encoding="utf-8"?>
-<p:notes xmlns:a="http://schemas.openxmlformats.org/drawingml/2006/main" xmlns:r="http://schemas.openxmlformats.org/officeDocument/2006/relationships" xmlns:p="http://schemas.openxmlformats.org/presentationml/2006/main" showMasterSp="0" showMasterPhAnim="0">
-  <p:cSld>
-    <p:spTree>
-      <p:nvGrpSpPr>
-        <p:cNvPr id="1" name="Shape 186"/>
-        <p:cNvGrpSpPr/>
-        <p:nvPr/>
-      </p:nvGrpSpPr>
-      <p:grpSpPr>
-        <a:xfrm>
-          <a:off x="0" y="0"/>
-          <a:ext cx="0" cy="0"/>
-          <a:chOff x="0" y="0"/>
-          <a:chExt cx="0" cy="0"/>
-        </a:xfrm>
-      </p:grpSpPr>
-      <p:sp>
-        <p:nvSpPr>
-          <p:cNvPr id="187" name="Shape 187"/>
-          <p:cNvSpPr>
-            <a:spLocks noGrp="1" noRot="1" noChangeAspect="1"/>
-          </p:cNvSpPr>
-          <p:nvPr>
-            <p:ph type="sldImg" idx="2"/>
-          </p:nvPr>
-        </p:nvSpPr>
-        <p:spPr>
-          <a:xfrm>
-            <a:off x="1143000" y="685800"/>
-            <a:ext cx="4572000" cy="3429000"/>
-          </a:xfrm>
-          <a:custGeom>
-            <a:avLst/>
-            <a:gdLst/>
-            <a:ahLst/>
-            <a:cxnLst/>
-            <a:rect l="0" t="0" r="0" b="0"/>
-            <a:pathLst>
-              <a:path w="120000" h="120000" extrusionOk="0">
-                <a:moveTo>
-                  <a:pt x="0" y="0"/>
-                </a:moveTo>
-                <a:lnTo>
-                  <a:pt x="120000" y="0"/>
-                </a:lnTo>
-                <a:lnTo>
-                  <a:pt x="120000" y="120000"/>
-                </a:lnTo>
-                <a:lnTo>
-                  <a:pt x="0" y="120000"/>
-                </a:lnTo>
-                <a:close/>
-              </a:path>
-            </a:pathLst>
-          </a:custGeom>
-        </p:spPr>
-      </p:sp>
-      <p:sp>
-        <p:nvSpPr>
-          <p:cNvPr id="188" name="Shape 188"/>
-          <p:cNvSpPr txBox="1">
-            <a:spLocks noGrp="1"/>
-          </p:cNvSpPr>
-          <p:nvPr>
-            <p:ph type="body" idx="1"/>
-          </p:nvPr>
-        </p:nvSpPr>
-        <p:spPr>
-          <a:xfrm>
-            <a:off x="914400" y="4343400"/>
-            <a:ext cx="5029200" cy="4114800"/>
-          </a:xfrm>
-          <a:prstGeom prst="rect">
-            <a:avLst/>
-          </a:prstGeom>
-        </p:spPr>
-        <p:txBody>
-          <a:bodyPr lIns="91425" tIns="91425" rIns="91425" bIns="91425" anchor="t" anchorCtr="0">
-            <a:noAutofit/>
-          </a:bodyPr>
-          <a:lstStyle/>
-          <a:p>
-            <a:pPr lvl="0">
-              <a:spcBef>
-                <a:spcPts val="0"/>
-              </a:spcBef>
-              <a:buNone/>
-            </a:pPr>
-            <a:endParaRPr/>
-          </a:p>
-        </p:txBody>
-      </p:sp>
-    </p:spTree>
-  </p:cSld>
-  <p:clrMapOvr>
-    <a:masterClrMapping/>
-  </p:clrMapOvr>
-</p:notes>
-</file>
-
-<file path=ppt/notesSlides/notesSlide23.xml><?xml version="1.0" encoding="utf-8"?>
+<file path=ppt/notesSlides/notesSlide17.xml><?xml version="1.0" encoding="utf-8"?>
 <p:notes xmlns:a="http://schemas.openxmlformats.org/drawingml/2006/main" xmlns:r="http://schemas.openxmlformats.org/officeDocument/2006/relationships" xmlns:p="http://schemas.openxmlformats.org/presentationml/2006/main" showMasterSp="0" showMasterPhAnim="0">
   <p:cSld>
     <p:spTree>
@@ -3073,6 +1995,201 @@
             <a:endParaRPr/>
           </a:p>
         </p:txBody>
+      </p:sp>
+    </p:spTree>
+  </p:cSld>
+  <p:clrMapOvr>
+    <a:masterClrMapping/>
+  </p:clrMapOvr>
+</p:notes>
+</file>
+
+<file path=ppt/notesSlides/notesSlide2.xml><?xml version="1.0" encoding="utf-8"?>
+<p:notes xmlns:a="http://schemas.openxmlformats.org/drawingml/2006/main" xmlns:r="http://schemas.openxmlformats.org/officeDocument/2006/relationships" xmlns:p="http://schemas.openxmlformats.org/presentationml/2006/main" showMasterSp="0" showMasterPhAnim="0">
+  <p:cSld>
+    <p:spTree>
+      <p:nvGrpSpPr>
+        <p:cNvPr id="1" name="Shape 55"/>
+        <p:cNvGrpSpPr/>
+        <p:nvPr/>
+      </p:nvGrpSpPr>
+      <p:grpSpPr>
+        <a:xfrm>
+          <a:off x="0" y="0"/>
+          <a:ext cx="0" cy="0"/>
+          <a:chOff x="0" y="0"/>
+          <a:chExt cx="0" cy="0"/>
+        </a:xfrm>
+      </p:grpSpPr>
+      <p:sp>
+        <p:nvSpPr>
+          <p:cNvPr id="56" name="Shape 56"/>
+          <p:cNvSpPr txBox="1">
+            <a:spLocks noGrp="1"/>
+          </p:cNvSpPr>
+          <p:nvPr>
+            <p:ph type="body" idx="1"/>
+          </p:nvPr>
+        </p:nvSpPr>
+        <p:spPr>
+          <a:xfrm>
+            <a:off x="914400" y="4343400"/>
+            <a:ext cx="5029199" cy="4114800"/>
+          </a:xfrm>
+          <a:prstGeom prst="rect">
+            <a:avLst/>
+          </a:prstGeom>
+        </p:spPr>
+        <p:txBody>
+          <a:bodyPr lIns="91425" tIns="91425" rIns="91425" bIns="91425" anchor="t" anchorCtr="0">
+            <a:noAutofit/>
+          </a:bodyPr>
+          <a:lstStyle/>
+          <a:p>
+            <a:pPr lvl="0">
+              <a:spcBef>
+                <a:spcPts val="0"/>
+              </a:spcBef>
+              <a:buNone/>
+            </a:pPr>
+            <a:r>
+              <a:rPr lang="en-US" dirty="0" smtClean="0"/>
+              <a:t>http://</a:t>
+            </a:r>
+            <a:r>
+              <a:rPr lang="en-US" dirty="0" err="1" smtClean="0"/>
+              <a:t>coenraets.org</a:t>
+            </a:r>
+            <a:r>
+              <a:rPr lang="en-US" dirty="0" smtClean="0"/>
+              <a:t>/present/react/#3</a:t>
+            </a:r>
+          </a:p>
+          <a:p>
+            <a:pPr lvl="0">
+              <a:spcBef>
+                <a:spcPts val="0"/>
+              </a:spcBef>
+              <a:buNone/>
+            </a:pPr>
+            <a:endParaRPr lang="en-US" dirty="0" smtClean="0"/>
+          </a:p>
+          <a:p>
+            <a:pPr lvl="0">
+              <a:spcBef>
+                <a:spcPts val="0"/>
+              </a:spcBef>
+              <a:buNone/>
+            </a:pPr>
+            <a:r>
+              <a:rPr lang="en-US" dirty="0" smtClean="0"/>
+              <a:t>http://</a:t>
+            </a:r>
+            <a:r>
+              <a:rPr lang="en-US" dirty="0" err="1" smtClean="0"/>
+              <a:t>slides.com</a:t>
+            </a:r>
+            <a:r>
+              <a:rPr lang="en-US" dirty="0" smtClean="0"/>
+              <a:t>/</a:t>
+            </a:r>
+            <a:r>
+              <a:rPr lang="en-US" dirty="0" err="1" smtClean="0"/>
+              <a:t>alexanderfarennikov</a:t>
+            </a:r>
+            <a:r>
+              <a:rPr lang="en-US" dirty="0" smtClean="0"/>
+              <a:t>/react-</a:t>
+            </a:r>
+            <a:r>
+              <a:rPr lang="en-US" dirty="0" err="1" smtClean="0"/>
+              <a:t>js</a:t>
+            </a:r>
+            <a:r>
+              <a:rPr lang="en-US" dirty="0" smtClean="0"/>
+              <a:t>-fundamentals/</a:t>
+            </a:r>
+            <a:r>
+              <a:rPr lang="en-US" dirty="0" err="1" smtClean="0"/>
+              <a:t>fullscreen</a:t>
+            </a:r>
+            <a:r>
+              <a:rPr lang="en-US" dirty="0" smtClean="0"/>
+              <a:t>#/20</a:t>
+            </a:r>
+          </a:p>
+          <a:p>
+            <a:pPr lvl="0">
+              <a:spcBef>
+                <a:spcPts val="0"/>
+              </a:spcBef>
+              <a:buNone/>
+            </a:pPr>
+            <a:endParaRPr lang="en-US" dirty="0" smtClean="0"/>
+          </a:p>
+          <a:p>
+            <a:pPr lvl="0">
+              <a:spcBef>
+                <a:spcPts val="0"/>
+              </a:spcBef>
+              <a:buNone/>
+            </a:pPr>
+            <a:r>
+              <a:rPr lang="en-US" dirty="0" smtClean="0"/>
+              <a:t>https://</a:t>
+            </a:r>
+            <a:r>
+              <a:rPr lang="en-US" dirty="0" err="1" smtClean="0"/>
+              <a:t>scotch.io</a:t>
+            </a:r>
+            <a:r>
+              <a:rPr lang="en-US" dirty="0" smtClean="0"/>
+              <a:t>/tutorials/learning-react-getting-started-and-concepts</a:t>
+            </a:r>
+            <a:endParaRPr dirty="0"/>
+          </a:p>
+        </p:txBody>
+      </p:sp>
+      <p:sp>
+        <p:nvSpPr>
+          <p:cNvPr id="57" name="Shape 57"/>
+          <p:cNvSpPr>
+            <a:spLocks noGrp="1" noRot="1" noChangeAspect="1"/>
+          </p:cNvSpPr>
+          <p:nvPr>
+            <p:ph type="sldImg" idx="2"/>
+          </p:nvPr>
+        </p:nvSpPr>
+        <p:spPr>
+          <a:xfrm>
+            <a:off x="1143000" y="685800"/>
+            <a:ext cx="4572000" cy="3429000"/>
+          </a:xfrm>
+          <a:custGeom>
+            <a:avLst/>
+            <a:gdLst/>
+            <a:ahLst/>
+            <a:cxnLst/>
+            <a:rect l="0" t="0" r="0" b="0"/>
+            <a:pathLst>
+              <a:path w="120000" h="120000" extrusionOk="0">
+                <a:moveTo>
+                  <a:pt x="0" y="0"/>
+                </a:moveTo>
+                <a:lnTo>
+                  <a:pt x="120000" y="0"/>
+                </a:lnTo>
+                <a:lnTo>
+                  <a:pt x="120000" y="120000"/>
+                </a:lnTo>
+                <a:lnTo>
+                  <a:pt x="0" y="120000"/>
+                </a:lnTo>
+                <a:close/>
+              </a:path>
+            </a:pathLst>
+          </a:custGeom>
+        </p:spPr>
       </p:sp>
     </p:spTree>
   </p:cSld>
@@ -3172,13 +2289,158 @@
               <a:buNone/>
             </a:pPr>
             <a:r>
-              <a:rPr lang="en-US"/>
-              <a:t>https://facebook.github.io/react/blog/2013/06/05/why-react.html</a:t>
-            </a:r>
+              <a:rPr lang="en-US" sz="2200" b="0" i="0" u="none" strike="noStrike" kern="1200" cap="none" dirty="0" smtClean="0">
+                <a:solidFill>
+                  <a:schemeClr val="tx1"/>
+                </a:solidFill>
+                <a:effectLst/>
+                <a:latin typeface="Helvetica Neue"/>
+                <a:ea typeface="Helvetica Neue"/>
+                <a:cs typeface="Helvetica Neue"/>
+                <a:sym typeface="Helvetica Neue"/>
+              </a:rPr>
+              <a:t>You can embed any </a:t>
+            </a:r>
+            <a:r>
+              <a:rPr lang="en-US" sz="2200" b="0" i="0" u="none" strike="noStrike" kern="1200" cap="none" dirty="0" smtClean="0">
+                <a:solidFill>
+                  <a:schemeClr val="tx1"/>
+                </a:solidFill>
+                <a:effectLst/>
+                <a:latin typeface="Helvetica Neue"/>
+                <a:ea typeface="Helvetica Neue"/>
+                <a:cs typeface="Helvetica Neue"/>
+                <a:sym typeface="Helvetica Neue"/>
+                <a:hlinkClick r:id="rId3"/>
+              </a:rPr>
+              <a:t>JavaScript expression</a:t>
+            </a:r>
+            <a:r>
+              <a:rPr lang="en-US" sz="2200" b="0" i="0" u="none" strike="noStrike" kern="1200" cap="none" dirty="0" smtClean="0">
+                <a:solidFill>
+                  <a:schemeClr val="tx1"/>
+                </a:solidFill>
+                <a:effectLst/>
+                <a:latin typeface="Helvetica Neue"/>
+                <a:ea typeface="Helvetica Neue"/>
+                <a:cs typeface="Helvetica Neue"/>
+                <a:sym typeface="Helvetica Neue"/>
+              </a:rPr>
+              <a:t> in JSX by wrapping it in </a:t>
+            </a:r>
+            <a:r>
+              <a:rPr lang="en-US" sz="2200" b="1" i="0" u="none" strike="noStrike" kern="1200" cap="none" dirty="0" smtClean="0">
+                <a:solidFill>
+                  <a:schemeClr val="tx1"/>
+                </a:solidFill>
+                <a:effectLst/>
+                <a:latin typeface="Helvetica Neue"/>
+                <a:ea typeface="Helvetica Neue"/>
+                <a:cs typeface="Helvetica Neue"/>
+                <a:sym typeface="Helvetica Neue"/>
+              </a:rPr>
+              <a:t>curly braces</a:t>
+            </a:r>
+            <a:r>
+              <a:rPr lang="en-US" sz="2200" b="0" i="0" u="none" strike="noStrike" kern="1200" cap="none" dirty="0" smtClean="0">
+                <a:solidFill>
+                  <a:schemeClr val="tx1"/>
+                </a:solidFill>
+                <a:effectLst/>
+                <a:latin typeface="Helvetica Neue"/>
+                <a:ea typeface="Helvetica Neue"/>
+                <a:cs typeface="Helvetica Neue"/>
+                <a:sym typeface="Helvetica Neue"/>
+              </a:rPr>
+              <a:t>.</a:t>
+            </a:r>
+          </a:p>
+          <a:p>
+            <a:pPr lvl="0" rtl="0">
+              <a:spcBef>
+                <a:spcPts val="0"/>
+              </a:spcBef>
+              <a:buNone/>
+            </a:pPr>
+            <a:r>
+              <a:rPr lang="en-US" sz="2200" b="0" i="0" u="none" strike="noStrike" kern="1200" cap="none" dirty="0" smtClean="0">
+                <a:solidFill>
+                  <a:schemeClr val="tx1"/>
+                </a:solidFill>
+                <a:effectLst/>
+                <a:latin typeface="Helvetica Neue"/>
+                <a:ea typeface="Helvetica Neue"/>
+                <a:cs typeface="Helvetica Neue"/>
+                <a:sym typeface="Helvetica Neue"/>
+              </a:rPr>
+              <a:t>Conceptually, components are like JavaScript functions. They accept arbitrary inputs (called "props") and return React elements describing what should appear on the screen.</a:t>
+            </a:r>
+          </a:p>
+          <a:p>
+            <a:pPr lvl="0" rtl="0">
+              <a:spcBef>
+                <a:spcPts val="0"/>
+              </a:spcBef>
+              <a:buNone/>
+            </a:pPr>
+            <a:endParaRPr lang="en-US" sz="2200" b="0" i="0" u="none" strike="noStrike" kern="1200" cap="none" dirty="0" smtClean="0">
+              <a:solidFill>
+                <a:schemeClr val="tx1"/>
+              </a:solidFill>
+              <a:effectLst/>
+              <a:latin typeface="Helvetica Neue"/>
+              <a:ea typeface="Helvetica Neue"/>
+              <a:cs typeface="Helvetica Neue"/>
+              <a:sym typeface="Helvetica Neue"/>
+            </a:endParaRPr>
+          </a:p>
+          <a:p>
+            <a:r>
+              <a:rPr lang="en-US" sz="2200" b="0" i="0" u="none" strike="noStrike" kern="1200" cap="none" dirty="0" smtClean="0">
+                <a:solidFill>
+                  <a:schemeClr val="tx1"/>
+                </a:solidFill>
+                <a:effectLst/>
+                <a:latin typeface="Helvetica Neue"/>
+                <a:ea typeface="Helvetica Neue"/>
+                <a:cs typeface="Helvetica Neue"/>
+                <a:sym typeface="Helvetica Neue"/>
+              </a:rPr>
+              <a:t>Always start component names with a capital letter.</a:t>
+            </a:r>
+          </a:p>
+          <a:p>
+            <a:r>
+              <a:rPr lang="en-US" sz="2200" b="0" i="0" u="none" strike="noStrike" kern="1200" cap="none" dirty="0" smtClean="0">
+                <a:solidFill>
+                  <a:schemeClr val="tx1"/>
+                </a:solidFill>
+                <a:effectLst/>
+                <a:latin typeface="Helvetica Neue"/>
+                <a:ea typeface="Helvetica Neue"/>
+                <a:cs typeface="Helvetica Neue"/>
+                <a:sym typeface="Helvetica Neue"/>
+              </a:rPr>
+              <a:t>For example, &lt;div /&gt; represents a DOM tag, but &lt;Welcome /&gt; represents a component and requires Welcome to be in scope.</a:t>
+            </a:r>
+          </a:p>
+          <a:p>
+            <a:pPr lvl="0" rtl="0">
+              <a:spcBef>
+                <a:spcPts val="0"/>
+              </a:spcBef>
+              <a:buNone/>
+            </a:pPr>
+            <a:endParaRPr lang="en-US" dirty="0"/>
           </a:p>
         </p:txBody>
       </p:sp>
     </p:spTree>
+    <p:extLst>
+      <p:ext uri="{BB962C8B-B14F-4D97-AF65-F5344CB8AC3E}">
+        <p14:creationId xmlns:p14="http://schemas.microsoft.com/office/powerpoint/2010/main" val="806234217"/>
+      </p:ext>
+    </p:extLst>
   </p:cSld>
   <p:clrMapOvr>
     <a:masterClrMapping/>
@@ -3191,7 +2453,7 @@
   <p:cSld>
     <p:spTree>
       <p:nvGrpSpPr>
-        <p:cNvPr id="1" name="Shape 72"/>
+        <p:cNvPr id="1" name="Shape 132"/>
         <p:cNvGrpSpPr/>
         <p:nvPr/>
       </p:nvGrpSpPr>
@@ -3205,209 +2467,7 @@
       </p:grpSpPr>
       <p:sp>
         <p:nvSpPr>
-          <p:cNvPr id="73" name="Shape 73"/>
-          <p:cNvSpPr txBox="1">
-            <a:spLocks noGrp="1"/>
-          </p:cNvSpPr>
-          <p:nvPr>
-            <p:ph type="body" idx="1"/>
-          </p:nvPr>
-        </p:nvSpPr>
-        <p:spPr>
-          <a:xfrm>
-            <a:off x="914400" y="4343400"/>
-            <a:ext cx="5029199" cy="4114800"/>
-          </a:xfrm>
-          <a:prstGeom prst="rect">
-            <a:avLst/>
-          </a:prstGeom>
-        </p:spPr>
-        <p:txBody>
-          <a:bodyPr lIns="91425" tIns="91425" rIns="91425" bIns="91425" anchor="t" anchorCtr="0">
-            <a:noAutofit/>
-          </a:bodyPr>
-          <a:lstStyle/>
-          <a:p>
-            <a:pPr lvl="0">
-              <a:spcBef>
-                <a:spcPts val="0"/>
-              </a:spcBef>
-              <a:buNone/>
-            </a:pPr>
-            <a:endParaRPr/>
-          </a:p>
-        </p:txBody>
-      </p:sp>
-      <p:sp>
-        <p:nvSpPr>
-          <p:cNvPr id="74" name="Shape 74"/>
-          <p:cNvSpPr>
-            <a:spLocks noGrp="1" noRot="1" noChangeAspect="1"/>
-          </p:cNvSpPr>
-          <p:nvPr>
-            <p:ph type="sldImg" idx="2"/>
-          </p:nvPr>
-        </p:nvSpPr>
-        <p:spPr>
-          <a:xfrm>
-            <a:off x="1143000" y="685800"/>
-            <a:ext cx="4572000" cy="3429000"/>
-          </a:xfrm>
-          <a:custGeom>
-            <a:avLst/>
-            <a:gdLst/>
-            <a:ahLst/>
-            <a:cxnLst/>
-            <a:rect l="0" t="0" r="0" b="0"/>
-            <a:pathLst>
-              <a:path w="120000" h="120000" extrusionOk="0">
-                <a:moveTo>
-                  <a:pt x="0" y="0"/>
-                </a:moveTo>
-                <a:lnTo>
-                  <a:pt x="120000" y="0"/>
-                </a:lnTo>
-                <a:lnTo>
-                  <a:pt x="120000" y="120000"/>
-                </a:lnTo>
-                <a:lnTo>
-                  <a:pt x="0" y="120000"/>
-                </a:lnTo>
-                <a:close/>
-              </a:path>
-            </a:pathLst>
-          </a:custGeom>
-        </p:spPr>
-      </p:sp>
-    </p:spTree>
-  </p:cSld>
-  <p:clrMapOvr>
-    <a:masterClrMapping/>
-  </p:clrMapOvr>
-</p:notes>
-</file>
-
-<file path=ppt/notesSlides/notesSlide5.xml><?xml version="1.0" encoding="utf-8"?>
-<p:notes xmlns:a="http://schemas.openxmlformats.org/drawingml/2006/main" xmlns:r="http://schemas.openxmlformats.org/officeDocument/2006/relationships" xmlns:p="http://schemas.openxmlformats.org/presentationml/2006/main" showMasterSp="0" showMasterPhAnim="0">
-  <p:cSld>
-    <p:spTree>
-      <p:nvGrpSpPr>
-        <p:cNvPr id="1" name="Shape 78"/>
-        <p:cNvGrpSpPr/>
-        <p:nvPr/>
-      </p:nvGrpSpPr>
-      <p:grpSpPr>
-        <a:xfrm>
-          <a:off x="0" y="0"/>
-          <a:ext cx="0" cy="0"/>
-          <a:chOff x="0" y="0"/>
-          <a:chExt cx="0" cy="0"/>
-        </a:xfrm>
-      </p:grpSpPr>
-      <p:sp>
-        <p:nvSpPr>
-          <p:cNvPr id="79" name="Shape 79"/>
-          <p:cNvSpPr txBox="1">
-            <a:spLocks noGrp="1"/>
-          </p:cNvSpPr>
-          <p:nvPr>
-            <p:ph type="body" idx="1"/>
-          </p:nvPr>
-        </p:nvSpPr>
-        <p:spPr>
-          <a:xfrm>
-            <a:off x="914400" y="4343400"/>
-            <a:ext cx="5029199" cy="4114800"/>
-          </a:xfrm>
-          <a:prstGeom prst="rect">
-            <a:avLst/>
-          </a:prstGeom>
-        </p:spPr>
-        <p:txBody>
-          <a:bodyPr lIns="91425" tIns="91425" rIns="91425" bIns="91425" anchor="t" anchorCtr="0">
-            <a:noAutofit/>
-          </a:bodyPr>
-          <a:lstStyle/>
-          <a:p>
-            <a:pPr lvl="0">
-              <a:spcBef>
-                <a:spcPts val="0"/>
-              </a:spcBef>
-              <a:buNone/>
-            </a:pPr>
-            <a:endParaRPr/>
-          </a:p>
-        </p:txBody>
-      </p:sp>
-      <p:sp>
-        <p:nvSpPr>
-          <p:cNvPr id="80" name="Shape 80"/>
-          <p:cNvSpPr>
-            <a:spLocks noGrp="1" noRot="1" noChangeAspect="1"/>
-          </p:cNvSpPr>
-          <p:nvPr>
-            <p:ph type="sldImg" idx="2"/>
-          </p:nvPr>
-        </p:nvSpPr>
-        <p:spPr>
-          <a:xfrm>
-            <a:off x="1143000" y="685800"/>
-            <a:ext cx="4572000" cy="3429000"/>
-          </a:xfrm>
-          <a:custGeom>
-            <a:avLst/>
-            <a:gdLst/>
-            <a:ahLst/>
-            <a:cxnLst/>
-            <a:rect l="0" t="0" r="0" b="0"/>
-            <a:pathLst>
-              <a:path w="120000" h="120000" extrusionOk="0">
-                <a:moveTo>
-                  <a:pt x="0" y="0"/>
-                </a:moveTo>
-                <a:lnTo>
-                  <a:pt x="120000" y="0"/>
-                </a:lnTo>
-                <a:lnTo>
-                  <a:pt x="120000" y="120000"/>
-                </a:lnTo>
-                <a:lnTo>
-                  <a:pt x="0" y="120000"/>
-                </a:lnTo>
-                <a:close/>
-              </a:path>
-            </a:pathLst>
-          </a:custGeom>
-        </p:spPr>
-      </p:sp>
-    </p:spTree>
-  </p:cSld>
-  <p:clrMapOvr>
-    <a:masterClrMapping/>
-  </p:clrMapOvr>
-</p:notes>
-</file>
-
-<file path=ppt/notesSlides/notesSlide6.xml><?xml version="1.0" encoding="utf-8"?>
-<p:notes xmlns:a="http://schemas.openxmlformats.org/drawingml/2006/main" xmlns:r="http://schemas.openxmlformats.org/officeDocument/2006/relationships" xmlns:p="http://schemas.openxmlformats.org/presentationml/2006/main" showMasterSp="0" showMasterPhAnim="0">
-  <p:cSld>
-    <p:spTree>
-      <p:nvGrpSpPr>
-        <p:cNvPr id="1" name="Shape 66"/>
-        <p:cNvGrpSpPr/>
-        <p:nvPr/>
-      </p:nvGrpSpPr>
-      <p:grpSpPr>
-        <a:xfrm>
-          <a:off x="0" y="0"/>
-          <a:ext cx="0" cy="0"/>
-          <a:chOff x="0" y="0"/>
-          <a:chExt cx="0" cy="0"/>
-        </a:xfrm>
-      </p:grpSpPr>
-      <p:sp>
-        <p:nvSpPr>
-          <p:cNvPr id="67" name="Shape 67"/>
+          <p:cNvPr id="133" name="Shape 133"/>
           <p:cNvSpPr>
             <a:spLocks noGrp="1" noRot="1" noChangeAspect="1"/>
           </p:cNvSpPr>
@@ -3448,7 +2508,7 @@
       </p:sp>
       <p:sp>
         <p:nvSpPr>
-          <p:cNvPr id="68" name="Shape 68"/>
+          <p:cNvPr id="134" name="Shape 134"/>
           <p:cNvSpPr txBox="1">
             <a:spLocks noGrp="1"/>
           </p:cNvSpPr>
@@ -3471,163 +2531,236 @@
           </a:bodyPr>
           <a:lstStyle/>
           <a:p>
-            <a:pPr lvl="0" rtl="0">
+            <a:pPr lvl="0">
               <a:spcBef>
                 <a:spcPts val="0"/>
               </a:spcBef>
               <a:buNone/>
             </a:pPr>
-            <a:r>
-              <a:rPr lang="en-US" sz="2200" b="0" i="0" u="none" strike="noStrike" kern="1200" cap="none" dirty="0" smtClean="0">
-                <a:solidFill>
-                  <a:schemeClr val="tx1"/>
-                </a:solidFill>
-                <a:effectLst/>
-                <a:latin typeface="Helvetica Neue"/>
-                <a:ea typeface="Helvetica Neue"/>
-                <a:cs typeface="Helvetica Neue"/>
-                <a:sym typeface="Helvetica Neue"/>
-              </a:rPr>
-              <a:t>You can embed any </a:t>
-            </a:r>
-            <a:r>
-              <a:rPr lang="en-US" sz="2200" b="0" i="0" u="none" strike="noStrike" kern="1200" cap="none" dirty="0" smtClean="0">
-                <a:solidFill>
-                  <a:schemeClr val="tx1"/>
-                </a:solidFill>
-                <a:effectLst/>
-                <a:latin typeface="Helvetica Neue"/>
-                <a:ea typeface="Helvetica Neue"/>
-                <a:cs typeface="Helvetica Neue"/>
-                <a:sym typeface="Helvetica Neue"/>
-                <a:hlinkClick r:id="rId3"/>
-              </a:rPr>
-              <a:t>JavaScript expression</a:t>
-            </a:r>
-            <a:r>
-              <a:rPr lang="en-US" sz="2200" b="0" i="0" u="none" strike="noStrike" kern="1200" cap="none" dirty="0" smtClean="0">
-                <a:solidFill>
-                  <a:schemeClr val="tx1"/>
-                </a:solidFill>
-                <a:effectLst/>
-                <a:latin typeface="Helvetica Neue"/>
-                <a:ea typeface="Helvetica Neue"/>
-                <a:cs typeface="Helvetica Neue"/>
-                <a:sym typeface="Helvetica Neue"/>
-              </a:rPr>
-              <a:t> in JSX by wrapping it in </a:t>
-            </a:r>
-            <a:r>
-              <a:rPr lang="en-US" sz="2200" b="1" i="0" u="none" strike="noStrike" kern="1200" cap="none" dirty="0" smtClean="0">
-                <a:solidFill>
-                  <a:schemeClr val="tx1"/>
-                </a:solidFill>
-                <a:effectLst/>
-                <a:latin typeface="Helvetica Neue"/>
-                <a:ea typeface="Helvetica Neue"/>
-                <a:cs typeface="Helvetica Neue"/>
-                <a:sym typeface="Helvetica Neue"/>
-              </a:rPr>
-              <a:t>curly braces</a:t>
-            </a:r>
-            <a:r>
-              <a:rPr lang="en-US" sz="2200" b="0" i="0" u="none" strike="noStrike" kern="1200" cap="none" dirty="0" smtClean="0">
-                <a:solidFill>
-                  <a:schemeClr val="tx1"/>
-                </a:solidFill>
-                <a:effectLst/>
-                <a:latin typeface="Helvetica Neue"/>
-                <a:ea typeface="Helvetica Neue"/>
-                <a:cs typeface="Helvetica Neue"/>
-                <a:sym typeface="Helvetica Neue"/>
-              </a:rPr>
-              <a:t>.</a:t>
-            </a:r>
-          </a:p>
-          <a:p>
-            <a:pPr lvl="0" rtl="0">
-              <a:spcBef>
-                <a:spcPts val="0"/>
-              </a:spcBef>
-              <a:buNone/>
-            </a:pPr>
-            <a:r>
-              <a:rPr lang="en-US" sz="2200" b="0" i="0" u="none" strike="noStrike" kern="1200" cap="none" dirty="0" smtClean="0">
-                <a:solidFill>
-                  <a:schemeClr val="tx1"/>
-                </a:solidFill>
-                <a:effectLst/>
-                <a:latin typeface="Helvetica Neue"/>
-                <a:ea typeface="Helvetica Neue"/>
-                <a:cs typeface="Helvetica Neue"/>
-                <a:sym typeface="Helvetica Neue"/>
-              </a:rPr>
-              <a:t>Conceptually, components are like JavaScript functions. They accept arbitrary inputs (called "props") and return React elements describing what should appear on the screen.</a:t>
-            </a:r>
-          </a:p>
-          <a:p>
-            <a:pPr lvl="0" rtl="0">
-              <a:spcBef>
-                <a:spcPts val="0"/>
-              </a:spcBef>
-              <a:buNone/>
-            </a:pPr>
-            <a:endParaRPr lang="en-US" sz="2200" b="0" i="0" u="none" strike="noStrike" kern="1200" cap="none" dirty="0" smtClean="0">
-              <a:solidFill>
-                <a:schemeClr val="tx1"/>
-              </a:solidFill>
-              <a:effectLst/>
-              <a:latin typeface="Helvetica Neue"/>
-              <a:ea typeface="Helvetica Neue"/>
-              <a:cs typeface="Helvetica Neue"/>
-              <a:sym typeface="Helvetica Neue"/>
-            </a:endParaRPr>
-          </a:p>
-          <a:p>
-            <a:r>
-              <a:rPr lang="en-US" sz="2200" b="0" i="0" u="none" strike="noStrike" kern="1200" cap="none" dirty="0" smtClean="0">
-                <a:solidFill>
-                  <a:schemeClr val="tx1"/>
-                </a:solidFill>
-                <a:effectLst/>
-                <a:latin typeface="Helvetica Neue"/>
-                <a:ea typeface="Helvetica Neue"/>
-                <a:cs typeface="Helvetica Neue"/>
-                <a:sym typeface="Helvetica Neue"/>
-              </a:rPr>
-              <a:t>Always start component names with a capital letter.</a:t>
-            </a:r>
-          </a:p>
-          <a:p>
-            <a:r>
-              <a:rPr lang="en-US" sz="2200" b="0" i="0" u="none" strike="noStrike" kern="1200" cap="none" dirty="0" smtClean="0">
-                <a:solidFill>
-                  <a:schemeClr val="tx1"/>
-                </a:solidFill>
-                <a:effectLst/>
-                <a:latin typeface="Helvetica Neue"/>
-                <a:ea typeface="Helvetica Neue"/>
-                <a:cs typeface="Helvetica Neue"/>
-                <a:sym typeface="Helvetica Neue"/>
-              </a:rPr>
-              <a:t>For example, &lt;div /&gt; represents a DOM tag, but &lt;Welcome /&gt; represents a component and requires Welcome to be in scope.</a:t>
-            </a:r>
-          </a:p>
-          <a:p>
-            <a:pPr lvl="0" rtl="0">
-              <a:spcBef>
-                <a:spcPts val="0"/>
-              </a:spcBef>
-              <a:buNone/>
-            </a:pPr>
-            <a:endParaRPr lang="en-US" dirty="0"/>
+            <a:endParaRPr/>
           </a:p>
         </p:txBody>
       </p:sp>
     </p:spTree>
     <p:extLst>
       <p:ext uri="{BB962C8B-B14F-4D97-AF65-F5344CB8AC3E}">
-        <p14:creationId xmlns:p14="http://schemas.microsoft.com/office/powerpoint/2010/main" val="806234217"/>
+        <p14:creationId xmlns:p14="http://schemas.microsoft.com/office/powerpoint/2010/main" val="973291894"/>
+      </p:ext>
+    </p:extLst>
+  </p:cSld>
+  <p:clrMapOvr>
+    <a:masterClrMapping/>
+  </p:clrMapOvr>
+</p:notes>
+</file>
+
+<file path=ppt/notesSlides/notesSlide5.xml><?xml version="1.0" encoding="utf-8"?>
+<p:notes xmlns:a="http://schemas.openxmlformats.org/drawingml/2006/main" xmlns:r="http://schemas.openxmlformats.org/officeDocument/2006/relationships" xmlns:p="http://schemas.openxmlformats.org/presentationml/2006/main" showMasterSp="0" showMasterPhAnim="0">
+  <p:cSld>
+    <p:spTree>
+      <p:nvGrpSpPr>
+        <p:cNvPr id="1" name="Shape 138"/>
+        <p:cNvGrpSpPr/>
+        <p:nvPr/>
+      </p:nvGrpSpPr>
+      <p:grpSpPr>
+        <a:xfrm>
+          <a:off x="0" y="0"/>
+          <a:ext cx="0" cy="0"/>
+          <a:chOff x="0" y="0"/>
+          <a:chExt cx="0" cy="0"/>
+        </a:xfrm>
+      </p:grpSpPr>
+      <p:sp>
+        <p:nvSpPr>
+          <p:cNvPr id="139" name="Shape 139"/>
+          <p:cNvSpPr>
+            <a:spLocks noGrp="1" noRot="1" noChangeAspect="1"/>
+          </p:cNvSpPr>
+          <p:nvPr>
+            <p:ph type="sldImg" idx="2"/>
+          </p:nvPr>
+        </p:nvSpPr>
+        <p:spPr>
+          <a:xfrm>
+            <a:off x="1143000" y="685800"/>
+            <a:ext cx="4572000" cy="3429000"/>
+          </a:xfrm>
+          <a:custGeom>
+            <a:avLst/>
+            <a:gdLst/>
+            <a:ahLst/>
+            <a:cxnLst/>
+            <a:rect l="0" t="0" r="0" b="0"/>
+            <a:pathLst>
+              <a:path w="120000" h="120000" extrusionOk="0">
+                <a:moveTo>
+                  <a:pt x="0" y="0"/>
+                </a:moveTo>
+                <a:lnTo>
+                  <a:pt x="120000" y="0"/>
+                </a:lnTo>
+                <a:lnTo>
+                  <a:pt x="120000" y="120000"/>
+                </a:lnTo>
+                <a:lnTo>
+                  <a:pt x="0" y="120000"/>
+                </a:lnTo>
+                <a:close/>
+              </a:path>
+            </a:pathLst>
+          </a:custGeom>
+        </p:spPr>
+      </p:sp>
+      <p:sp>
+        <p:nvSpPr>
+          <p:cNvPr id="140" name="Shape 140"/>
+          <p:cNvSpPr txBox="1">
+            <a:spLocks noGrp="1"/>
+          </p:cNvSpPr>
+          <p:nvPr>
+            <p:ph type="body" idx="1"/>
+          </p:nvPr>
+        </p:nvSpPr>
+        <p:spPr>
+          <a:xfrm>
+            <a:off x="914400" y="4343400"/>
+            <a:ext cx="5029200" cy="4114800"/>
+          </a:xfrm>
+          <a:prstGeom prst="rect">
+            <a:avLst/>
+          </a:prstGeom>
+        </p:spPr>
+        <p:txBody>
+          <a:bodyPr lIns="91425" tIns="91425" rIns="91425" bIns="91425" anchor="t" anchorCtr="0">
+            <a:noAutofit/>
+          </a:bodyPr>
+          <a:lstStyle/>
+          <a:p>
+            <a:pPr lvl="0">
+              <a:spcBef>
+                <a:spcPts val="0"/>
+              </a:spcBef>
+              <a:buNone/>
+            </a:pPr>
+            <a:r>
+              <a:rPr lang="nl-NL" dirty="0" smtClean="0"/>
+              <a:t>Export? </a:t>
+            </a:r>
+            <a:endParaRPr dirty="0"/>
+          </a:p>
+        </p:txBody>
+      </p:sp>
+    </p:spTree>
+    <p:extLst>
+      <p:ext uri="{BB962C8B-B14F-4D97-AF65-F5344CB8AC3E}">
+        <p14:creationId xmlns:p14="http://schemas.microsoft.com/office/powerpoint/2010/main" val="532328622"/>
+      </p:ext>
+    </p:extLst>
+  </p:cSld>
+  <p:clrMapOvr>
+    <a:masterClrMapping/>
+  </p:clrMapOvr>
+</p:notes>
+</file>
+
+<file path=ppt/notesSlides/notesSlide6.xml><?xml version="1.0" encoding="utf-8"?>
+<p:notes xmlns:a="http://schemas.openxmlformats.org/drawingml/2006/main" xmlns:r="http://schemas.openxmlformats.org/officeDocument/2006/relationships" xmlns:p="http://schemas.openxmlformats.org/presentationml/2006/main" showMasterSp="0" showMasterPhAnim="0">
+  <p:cSld>
+    <p:spTree>
+      <p:nvGrpSpPr>
+        <p:cNvPr id="1" name="Shape 144"/>
+        <p:cNvGrpSpPr/>
+        <p:nvPr/>
+      </p:nvGrpSpPr>
+      <p:grpSpPr>
+        <a:xfrm>
+          <a:off x="0" y="0"/>
+          <a:ext cx="0" cy="0"/>
+          <a:chOff x="0" y="0"/>
+          <a:chExt cx="0" cy="0"/>
+        </a:xfrm>
+      </p:grpSpPr>
+      <p:sp>
+        <p:nvSpPr>
+          <p:cNvPr id="145" name="Shape 145"/>
+          <p:cNvSpPr>
+            <a:spLocks noGrp="1" noRot="1" noChangeAspect="1"/>
+          </p:cNvSpPr>
+          <p:nvPr>
+            <p:ph type="sldImg" idx="2"/>
+          </p:nvPr>
+        </p:nvSpPr>
+        <p:spPr>
+          <a:xfrm>
+            <a:off x="1143000" y="685800"/>
+            <a:ext cx="4572000" cy="3429000"/>
+          </a:xfrm>
+          <a:custGeom>
+            <a:avLst/>
+            <a:gdLst/>
+            <a:ahLst/>
+            <a:cxnLst/>
+            <a:rect l="0" t="0" r="0" b="0"/>
+            <a:pathLst>
+              <a:path w="120000" h="120000" extrusionOk="0">
+                <a:moveTo>
+                  <a:pt x="0" y="0"/>
+                </a:moveTo>
+                <a:lnTo>
+                  <a:pt x="120000" y="0"/>
+                </a:lnTo>
+                <a:lnTo>
+                  <a:pt x="120000" y="120000"/>
+                </a:lnTo>
+                <a:lnTo>
+                  <a:pt x="0" y="120000"/>
+                </a:lnTo>
+                <a:close/>
+              </a:path>
+            </a:pathLst>
+          </a:custGeom>
+        </p:spPr>
+      </p:sp>
+      <p:sp>
+        <p:nvSpPr>
+          <p:cNvPr id="146" name="Shape 146"/>
+          <p:cNvSpPr txBox="1">
+            <a:spLocks noGrp="1"/>
+          </p:cNvSpPr>
+          <p:nvPr>
+            <p:ph type="body" idx="1"/>
+          </p:nvPr>
+        </p:nvSpPr>
+        <p:spPr>
+          <a:xfrm>
+            <a:off x="914400" y="4343400"/>
+            <a:ext cx="5029200" cy="4114800"/>
+          </a:xfrm>
+          <a:prstGeom prst="rect">
+            <a:avLst/>
+          </a:prstGeom>
+        </p:spPr>
+        <p:txBody>
+          <a:bodyPr lIns="91425" tIns="91425" rIns="91425" bIns="91425" anchor="t" anchorCtr="0">
+            <a:noAutofit/>
+          </a:bodyPr>
+          <a:lstStyle/>
+          <a:p>
+            <a:pPr lvl="0">
+              <a:spcBef>
+                <a:spcPts val="0"/>
+              </a:spcBef>
+              <a:buNone/>
+            </a:pPr>
+            <a:endParaRPr/>
+          </a:p>
+        </p:txBody>
+      </p:sp>
+    </p:spTree>
+    <p:extLst>
+      <p:ext uri="{BB962C8B-B14F-4D97-AF65-F5344CB8AC3E}">
+        <p14:creationId xmlns:p14="http://schemas.microsoft.com/office/powerpoint/2010/main" val="42061605"/>
       </p:ext>
     </p:extLst>
   </p:cSld>
@@ -3681,6 +2814,45 @@
           <a:bodyPr/>
           <a:lstStyle/>
           <a:p>
+            <a:pPr lvl="0">
+              <a:spcBef>
+                <a:spcPts val="0"/>
+              </a:spcBef>
+              <a:buNone/>
+            </a:pPr>
+            <a:r>
+              <a:rPr lang="en-US" b="1" dirty="0" smtClean="0"/>
+              <a:t>Set</a:t>
+            </a:r>
+            <a:r>
+              <a:rPr lang="en-US" b="1" baseline="0" dirty="0" smtClean="0"/>
+              <a:t> State!</a:t>
+            </a:r>
+          </a:p>
+          <a:p>
+            <a:pPr lvl="0">
+              <a:spcBef>
+                <a:spcPts val="0"/>
+              </a:spcBef>
+              <a:buNone/>
+            </a:pPr>
+            <a:endParaRPr lang="en-US" dirty="0" smtClean="0"/>
+          </a:p>
+          <a:p>
+            <a:pPr lvl="0">
+              <a:spcBef>
+                <a:spcPts val="0"/>
+              </a:spcBef>
+              <a:buNone/>
+            </a:pPr>
+            <a:r>
+              <a:rPr lang="en-US" dirty="0" smtClean="0"/>
+              <a:t>Use</a:t>
+            </a:r>
+            <a:r>
+              <a:rPr lang="en-US" baseline="0" dirty="0" smtClean="0"/>
+              <a:t> AXIOS: </a:t>
+            </a:r>
             <a:r>
               <a:rPr lang="en-US" sz="2200" b="0" i="0" u="none" strike="noStrike" kern="1200" cap="none" dirty="0" smtClean="0">
                 <a:solidFill>
@@ -3692,8 +2864,250 @@
                 <a:cs typeface="Helvetica Neue"/>
                 <a:sym typeface="Helvetica Neue"/>
               </a:rPr>
-              <a:t>These objects are called "React elements". You can think of them as descriptions of what you want to see on the screen. React reads these objects and uses them to construct the DOM and keep it up to date.</a:t>
-            </a:r>
+              <a:t>Promise based HTTP client for </a:t>
+            </a:r>
+            <a:r>
+              <a:rPr lang="en-US" sz="2200" b="0" i="0" u="none" strike="noStrike" kern="1200" cap="none" dirty="0" err="1" smtClean="0">
+                <a:solidFill>
+                  <a:schemeClr val="tx1"/>
+                </a:solidFill>
+                <a:effectLst/>
+                <a:latin typeface="Helvetica Neue"/>
+                <a:ea typeface="Helvetica Neue"/>
+                <a:cs typeface="Helvetica Neue"/>
+                <a:sym typeface="Helvetica Neue"/>
+              </a:rPr>
+              <a:t>node.js</a:t>
+            </a:r>
+            <a:endParaRPr lang="en-US" dirty="0" smtClean="0"/>
+          </a:p>
+          <a:p>
+            <a:pPr lvl="0">
+              <a:spcBef>
+                <a:spcPts val="0"/>
+              </a:spcBef>
+              <a:buNone/>
+            </a:pPr>
+            <a:endParaRPr lang="en-US" dirty="0" smtClean="0"/>
+          </a:p>
+          <a:p>
+            <a:pPr lvl="0">
+              <a:spcBef>
+                <a:spcPts val="0"/>
+              </a:spcBef>
+              <a:buNone/>
+            </a:pPr>
+            <a:r>
+              <a:rPr lang="en-US" dirty="0" smtClean="0"/>
+              <a:t>Use ES6</a:t>
+            </a:r>
+            <a:r>
+              <a:rPr lang="en-US" baseline="0" dirty="0" smtClean="0"/>
+              <a:t> </a:t>
+            </a:r>
+            <a:r>
+              <a:rPr lang="en-US" dirty="0" smtClean="0"/>
+              <a:t>arrow functions</a:t>
+            </a:r>
+          </a:p>
+          <a:p>
+            <a:pPr lvl="0">
+              <a:spcBef>
+                <a:spcPts val="0"/>
+              </a:spcBef>
+              <a:buNone/>
+            </a:pPr>
+            <a:endParaRPr lang="en-US" dirty="0" smtClean="0"/>
+          </a:p>
+          <a:p>
+            <a:pPr lvl="0">
+              <a:spcBef>
+                <a:spcPts val="0"/>
+              </a:spcBef>
+              <a:buNone/>
+            </a:pPr>
+            <a:r>
+              <a:rPr lang="en-US" sz="2200" b="0" i="0" u="none" strike="noStrike" kern="1200" cap="none" dirty="0" smtClean="0">
+                <a:solidFill>
+                  <a:schemeClr val="tx1"/>
+                </a:solidFill>
+                <a:effectLst/>
+                <a:latin typeface="Helvetica Neue"/>
+                <a:ea typeface="Helvetica Neue"/>
+                <a:cs typeface="Helvetica Neue"/>
+                <a:sym typeface="Helvetica Neue"/>
+              </a:rPr>
+              <a:t>An </a:t>
+            </a:r>
+            <a:r>
+              <a:rPr lang="en-US" sz="2200" b="1" i="0" u="none" strike="noStrike" kern="1200" cap="none" dirty="0" smtClean="0">
+                <a:solidFill>
+                  <a:schemeClr val="tx1"/>
+                </a:solidFill>
+                <a:effectLst/>
+                <a:latin typeface="Helvetica Neue"/>
+                <a:ea typeface="Helvetica Neue"/>
+                <a:cs typeface="Helvetica Neue"/>
+                <a:sym typeface="Helvetica Neue"/>
+              </a:rPr>
+              <a:t>arrow function expression</a:t>
+            </a:r>
+            <a:r>
+              <a:rPr lang="en-US" sz="2200" b="0" i="0" u="none" strike="noStrike" kern="1200" cap="none" dirty="0" smtClean="0">
+                <a:solidFill>
+                  <a:schemeClr val="tx1"/>
+                </a:solidFill>
+                <a:effectLst/>
+                <a:latin typeface="Helvetica Neue"/>
+                <a:ea typeface="Helvetica Neue"/>
+                <a:cs typeface="Helvetica Neue"/>
+                <a:sym typeface="Helvetica Neue"/>
+              </a:rPr>
+              <a:t> has a shorter syntax than a </a:t>
+            </a:r>
+            <a:r>
+              <a:rPr lang="en-US" sz="2200" b="0" i="0" u="none" strike="noStrike" kern="1200" cap="none" dirty="0" smtClean="0">
+                <a:solidFill>
+                  <a:schemeClr val="tx1"/>
+                </a:solidFill>
+                <a:effectLst/>
+                <a:latin typeface="Helvetica Neue"/>
+                <a:ea typeface="Helvetica Neue"/>
+                <a:cs typeface="Helvetica Neue"/>
+                <a:sym typeface="Helvetica Neue"/>
+                <a:hlinkClick r:id="rId3"/>
+              </a:rPr>
+              <a:t>function expression</a:t>
+            </a:r>
+            <a:r>
+              <a:rPr lang="en-US" sz="2200" b="0" i="0" u="none" strike="noStrike" kern="1200" cap="none" dirty="0" smtClean="0">
+                <a:solidFill>
+                  <a:schemeClr val="tx1"/>
+                </a:solidFill>
+                <a:effectLst/>
+                <a:latin typeface="Helvetica Neue"/>
+                <a:ea typeface="Helvetica Neue"/>
+                <a:cs typeface="Helvetica Neue"/>
+                <a:sym typeface="Helvetica Neue"/>
+              </a:rPr>
+              <a:t> and does not bind its own </a:t>
+            </a:r>
+            <a:r>
+              <a:rPr lang="en-US" sz="2200" b="0" i="0" u="none" strike="noStrike" kern="1200" cap="none" dirty="0" smtClean="0">
+                <a:solidFill>
+                  <a:schemeClr val="tx1"/>
+                </a:solidFill>
+                <a:effectLst/>
+                <a:latin typeface="Helvetica Neue"/>
+                <a:ea typeface="Helvetica Neue"/>
+                <a:cs typeface="Helvetica Neue"/>
+                <a:sym typeface="Helvetica Neue"/>
+                <a:hlinkClick r:id="rId4"/>
+              </a:rPr>
+              <a:t>this</a:t>
+            </a:r>
+            <a:r>
+              <a:rPr lang="en-US" sz="2200" b="0" i="0" u="none" strike="noStrike" kern="1200" cap="none" dirty="0" smtClean="0">
+                <a:solidFill>
+                  <a:schemeClr val="tx1"/>
+                </a:solidFill>
+                <a:effectLst/>
+                <a:latin typeface="Helvetica Neue"/>
+                <a:ea typeface="Helvetica Neue"/>
+                <a:cs typeface="Helvetica Neue"/>
+                <a:sym typeface="Helvetica Neue"/>
+              </a:rPr>
+              <a:t>.</a:t>
+            </a:r>
+          </a:p>
+          <a:p>
+            <a:pPr lvl="0">
+              <a:spcBef>
+                <a:spcPts val="0"/>
+              </a:spcBef>
+              <a:buNone/>
+            </a:pPr>
+            <a:r>
+              <a:rPr lang="en-US" sz="2200" b="0" i="0" u="none" strike="noStrike" kern="1200" cap="none" dirty="0" smtClean="0">
+                <a:solidFill>
+                  <a:schemeClr val="tx1"/>
+                </a:solidFill>
+                <a:effectLst/>
+                <a:latin typeface="Helvetica Neue"/>
+                <a:ea typeface="Helvetica Neue"/>
+                <a:cs typeface="Helvetica Neue"/>
+                <a:sym typeface="Helvetica Neue"/>
+              </a:rPr>
+              <a:t>You can program</a:t>
+            </a:r>
+            <a:r>
+              <a:rPr lang="en-US" sz="2200" b="0" i="0" u="none" strike="noStrike" kern="1200" cap="none" baseline="0" dirty="0" smtClean="0">
+                <a:solidFill>
+                  <a:schemeClr val="tx1"/>
+                </a:solidFill>
+                <a:effectLst/>
+                <a:latin typeface="Helvetica Neue"/>
+                <a:ea typeface="Helvetica Neue"/>
+                <a:cs typeface="Helvetica Neue"/>
+                <a:sym typeface="Helvetica Neue"/>
+              </a:rPr>
+              <a:t> in</a:t>
+            </a:r>
+            <a:r>
+              <a:rPr lang="en-US" sz="2200" b="0" i="0" u="none" strike="noStrike" kern="1200" cap="none" dirty="0" smtClean="0">
+                <a:solidFill>
+                  <a:schemeClr val="tx1"/>
+                </a:solidFill>
+                <a:effectLst/>
+                <a:latin typeface="Helvetica Neue"/>
+                <a:ea typeface="Helvetica Neue"/>
+                <a:cs typeface="Helvetica Neue"/>
+                <a:sym typeface="Helvetica Neue"/>
+              </a:rPr>
+              <a:t> an object oriented OR </a:t>
+            </a:r>
+            <a:r>
+              <a:rPr lang="en-US" sz="2200" b="1" i="0" u="none" strike="noStrike" kern="1200" cap="none" dirty="0" smtClean="0">
+                <a:solidFill>
+                  <a:schemeClr val="tx1"/>
+                </a:solidFill>
+                <a:effectLst/>
+                <a:latin typeface="Helvetica Neue"/>
+                <a:ea typeface="Helvetica Neue"/>
+                <a:cs typeface="Helvetica Neue"/>
+                <a:sym typeface="Helvetica Neue"/>
+              </a:rPr>
+              <a:t>functional way </a:t>
+            </a:r>
+            <a:r>
+              <a:rPr lang="en-US" sz="2200" b="0" i="0" u="none" strike="noStrike" kern="1200" cap="none" dirty="0" smtClean="0">
+                <a:solidFill>
+                  <a:schemeClr val="tx1"/>
+                </a:solidFill>
+                <a:effectLst/>
+                <a:latin typeface="Helvetica Neue"/>
+                <a:ea typeface="Helvetica Neue"/>
+                <a:cs typeface="Helvetica Neue"/>
+                <a:sym typeface="Helvetica Neue"/>
+              </a:rPr>
+              <a:t>with</a:t>
+            </a:r>
+            <a:r>
+              <a:rPr lang="en-US" sz="2200" b="0" i="0" u="none" strike="noStrike" kern="1200" cap="none" baseline="0" dirty="0" smtClean="0">
+                <a:solidFill>
+                  <a:schemeClr val="tx1"/>
+                </a:solidFill>
+                <a:effectLst/>
+                <a:latin typeface="Helvetica Neue"/>
+                <a:ea typeface="Helvetica Neue"/>
+                <a:cs typeface="Helvetica Neue"/>
+                <a:sym typeface="Helvetica Neue"/>
+              </a:rPr>
+              <a:t> Arrow functions.</a:t>
+            </a:r>
+            <a:endParaRPr lang="en-US" dirty="0" smtClean="0"/>
+          </a:p>
+          <a:p>
             <a:endParaRPr lang="en-US" dirty="0"/>
           </a:p>
         </p:txBody>
@@ -3701,7 +3115,7 @@
     </p:spTree>
     <p:extLst>
       <p:ext uri="{BB962C8B-B14F-4D97-AF65-F5344CB8AC3E}">
-        <p14:creationId xmlns:p14="http://schemas.microsoft.com/office/powerpoint/2010/main" val="1421196344"/>
+        <p14:creationId xmlns:p14="http://schemas.microsoft.com/office/powerpoint/2010/main" val="479909486"/>
       </p:ext>
     </p:extLst>
   </p:cSld>
@@ -3712,11 +3126,11 @@
 </file>
 
 <file path=ppt/notesSlides/notesSlide8.xml><?xml version="1.0" encoding="utf-8"?>
-<p:notes xmlns:a="http://schemas.openxmlformats.org/drawingml/2006/main" xmlns:r="http://schemas.openxmlformats.org/officeDocument/2006/relationships" xmlns:p="http://schemas.openxmlformats.org/presentationml/2006/main" showMasterSp="0" showMasterPhAnim="0">
+<p:notes xmlns:a="http://schemas.openxmlformats.org/drawingml/2006/main" xmlns:r="http://schemas.openxmlformats.org/officeDocument/2006/relationships" xmlns:p="http://schemas.openxmlformats.org/presentationml/2006/main">
   <p:cSld>
     <p:spTree>
       <p:nvGrpSpPr>
-        <p:cNvPr id="1" name="Shape 102"/>
+        <p:cNvPr id="1" name=""/>
         <p:cNvGrpSpPr/>
         <p:nvPr/>
       </p:nvGrpSpPr>
@@ -3730,7 +3144,192 @@
       </p:grpSpPr>
       <p:sp>
         <p:nvSpPr>
-          <p:cNvPr id="103" name="Shape 103"/>
+          <p:cNvPr id="2" name="Slide Image Placeholder 1"/>
+          <p:cNvSpPr>
+            <a:spLocks noGrp="1" noRot="1" noChangeAspect="1"/>
+          </p:cNvSpPr>
+          <p:nvPr>
+            <p:ph type="sldImg"/>
+          </p:nvPr>
+        </p:nvSpPr>
+        <p:spPr/>
+      </p:sp>
+      <p:sp>
+        <p:nvSpPr>
+          <p:cNvPr id="3" name="Notes Placeholder 2"/>
+          <p:cNvSpPr>
+            <a:spLocks noGrp="1"/>
+          </p:cNvSpPr>
+          <p:nvPr>
+            <p:ph type="body" idx="1"/>
+          </p:nvPr>
+        </p:nvSpPr>
+        <p:spPr/>
+        <p:txBody>
+          <a:bodyPr/>
+          <a:lstStyle/>
+          <a:p>
+            <a:r>
+              <a:rPr lang="en-US" baseline="0" dirty="0" smtClean="0"/>
+              <a:t>AXIOS?  = Op </a:t>
+            </a:r>
+            <a:r>
+              <a:rPr lang="en-US" baseline="0" dirty="0" err="1" smtClean="0"/>
+              <a:t>async</a:t>
+            </a:r>
+            <a:r>
+              <a:rPr lang="en-US" baseline="0" dirty="0" smtClean="0"/>
+              <a:t> </a:t>
+            </a:r>
+            <a:r>
+              <a:rPr lang="en-US" baseline="0" dirty="0" err="1" smtClean="0"/>
+              <a:t>wijze</a:t>
+            </a:r>
+            <a:r>
+              <a:rPr lang="en-US" baseline="0" dirty="0" smtClean="0"/>
+              <a:t> </a:t>
+            </a:r>
+            <a:r>
+              <a:rPr lang="en-US" baseline="0" dirty="0" err="1" smtClean="0"/>
+              <a:t>ophalen</a:t>
+            </a:r>
+            <a:r>
+              <a:rPr lang="en-US" baseline="0" dirty="0" smtClean="0"/>
+              <a:t> van data</a:t>
+            </a:r>
+          </a:p>
+          <a:p>
+            <a:endParaRPr lang="en-US" dirty="0" smtClean="0"/>
+          </a:p>
+          <a:p>
+            <a:pPr marL="0" marR="0" lvl="0" indent="0" algn="l" defTabSz="914400" rtl="0" eaLnBrk="1" fontAlgn="auto" latinLnBrk="0" hangingPunct="1">
+              <a:lnSpc>
+                <a:spcPct val="117999"/>
+              </a:lnSpc>
+              <a:spcBef>
+                <a:spcPts val="0"/>
+              </a:spcBef>
+              <a:spcAft>
+                <a:spcPts val="0"/>
+              </a:spcAft>
+              <a:buClrTx/>
+              <a:buSzTx/>
+              <a:buFontTx/>
+              <a:buNone/>
+              <a:tabLst/>
+              <a:defRPr/>
+            </a:pPr>
+            <a:r>
+              <a:rPr lang="en-US" dirty="0" smtClean="0"/>
+              <a:t>Use ES6</a:t>
+            </a:r>
+            <a:r>
+              <a:rPr lang="en-US" baseline="0" dirty="0" smtClean="0"/>
+              <a:t> </a:t>
+            </a:r>
+            <a:r>
+              <a:rPr lang="en-US" dirty="0" smtClean="0"/>
+              <a:t>arrow functions? Je </a:t>
+            </a:r>
+            <a:r>
+              <a:rPr lang="en-US" dirty="0" err="1" smtClean="0"/>
+              <a:t>kan</a:t>
+            </a:r>
+            <a:r>
+              <a:rPr lang="en-US" dirty="0" smtClean="0"/>
+              <a:t> op </a:t>
+            </a:r>
+            <a:r>
+              <a:rPr lang="en-US" dirty="0" err="1" smtClean="0"/>
+              <a:t>een</a:t>
+            </a:r>
+            <a:r>
+              <a:rPr lang="en-US" dirty="0" smtClean="0"/>
+              <a:t> </a:t>
+            </a:r>
+            <a:r>
+              <a:rPr lang="en-US" dirty="0" err="1" smtClean="0"/>
+              <a:t>functionele</a:t>
+            </a:r>
+            <a:r>
+              <a:rPr lang="en-US" dirty="0" smtClean="0"/>
+              <a:t> </a:t>
+            </a:r>
+            <a:r>
+              <a:rPr lang="en-US" dirty="0" err="1" smtClean="0"/>
+              <a:t>manier</a:t>
+            </a:r>
+            <a:r>
+              <a:rPr lang="en-US" dirty="0" smtClean="0"/>
+              <a:t> </a:t>
+            </a:r>
+            <a:r>
+              <a:rPr lang="en-US" dirty="0" err="1" smtClean="0"/>
+              <a:t>programmeren</a:t>
+            </a:r>
+            <a:r>
+              <a:rPr lang="en-US" dirty="0" smtClean="0"/>
+              <a:t>.</a:t>
+            </a:r>
+          </a:p>
+          <a:p>
+            <a:pPr marL="0" marR="0" lvl="0" indent="0" algn="l" defTabSz="914400" rtl="0" eaLnBrk="1" fontAlgn="auto" latinLnBrk="0" hangingPunct="1">
+              <a:lnSpc>
+                <a:spcPct val="117999"/>
+              </a:lnSpc>
+              <a:spcBef>
+                <a:spcPts val="0"/>
+              </a:spcBef>
+              <a:spcAft>
+                <a:spcPts val="0"/>
+              </a:spcAft>
+              <a:buClrTx/>
+              <a:buSzTx/>
+              <a:buFontTx/>
+              <a:buNone/>
+              <a:tabLst/>
+              <a:defRPr/>
+            </a:pPr>
+            <a:endParaRPr lang="en-US" dirty="0" smtClean="0"/>
+          </a:p>
+          <a:p>
+            <a:endParaRPr lang="en-US" dirty="0"/>
+          </a:p>
+        </p:txBody>
+      </p:sp>
+    </p:spTree>
+    <p:extLst>
+      <p:ext uri="{BB962C8B-B14F-4D97-AF65-F5344CB8AC3E}">
+        <p14:creationId xmlns:p14="http://schemas.microsoft.com/office/powerpoint/2010/main" val="1562051565"/>
+      </p:ext>
+    </p:extLst>
+  </p:cSld>
+  <p:clrMapOvr>
+    <a:masterClrMapping/>
+  </p:clrMapOvr>
+</p:notes>
+</file>
+
+<file path=ppt/notesSlides/notesSlide9.xml><?xml version="1.0" encoding="utf-8"?>
+<p:notes xmlns:a="http://schemas.openxmlformats.org/drawingml/2006/main" xmlns:r="http://schemas.openxmlformats.org/officeDocument/2006/relationships" xmlns:p="http://schemas.openxmlformats.org/presentationml/2006/main" showMasterSp="0" showMasterPhAnim="0">
+  <p:cSld>
+    <p:spTree>
+      <p:nvGrpSpPr>
+        <p:cNvPr id="1" name="Shape 156"/>
+        <p:cNvGrpSpPr/>
+        <p:nvPr/>
+      </p:nvGrpSpPr>
+      <p:grpSpPr>
+        <a:xfrm>
+          <a:off x="0" y="0"/>
+          <a:ext cx="0" cy="0"/>
+          <a:chOff x="0" y="0"/>
+          <a:chExt cx="0" cy="0"/>
+        </a:xfrm>
+      </p:grpSpPr>
+      <p:sp>
+        <p:nvSpPr>
+          <p:cNvPr id="157" name="Shape 157"/>
           <p:cNvSpPr>
             <a:spLocks noGrp="1" noRot="1" noChangeAspect="1"/>
           </p:cNvSpPr>
@@ -3771,7 +3370,7 @@
       </p:sp>
       <p:sp>
         <p:nvSpPr>
-          <p:cNvPr id="104" name="Shape 104"/>
+          <p:cNvPr id="158" name="Shape 158"/>
           <p:cNvSpPr txBox="1">
             <a:spLocks noGrp="1"/>
           </p:cNvSpPr>
@@ -3805,117 +3404,6 @@
         </p:txBody>
       </p:sp>
     </p:spTree>
-    <p:extLst>
-      <p:ext uri="{BB962C8B-B14F-4D97-AF65-F5344CB8AC3E}">
-        <p14:creationId xmlns:p14="http://schemas.microsoft.com/office/powerpoint/2010/main" val="818463286"/>
-      </p:ext>
-    </p:extLst>
-  </p:cSld>
-  <p:clrMapOvr>
-    <a:masterClrMapping/>
-  </p:clrMapOvr>
-</p:notes>
-</file>
-
-<file path=ppt/notesSlides/notesSlide9.xml><?xml version="1.0" encoding="utf-8"?>
-<p:notes xmlns:a="http://schemas.openxmlformats.org/drawingml/2006/main" xmlns:r="http://schemas.openxmlformats.org/officeDocument/2006/relationships" xmlns:p="http://schemas.openxmlformats.org/presentationml/2006/main" showMasterSp="0" showMasterPhAnim="0">
-  <p:cSld>
-    <p:spTree>
-      <p:nvGrpSpPr>
-        <p:cNvPr id="1" name="Shape 108"/>
-        <p:cNvGrpSpPr/>
-        <p:nvPr/>
-      </p:nvGrpSpPr>
-      <p:grpSpPr>
-        <a:xfrm>
-          <a:off x="0" y="0"/>
-          <a:ext cx="0" cy="0"/>
-          <a:chOff x="0" y="0"/>
-          <a:chExt cx="0" cy="0"/>
-        </a:xfrm>
-      </p:grpSpPr>
-      <p:sp>
-        <p:nvSpPr>
-          <p:cNvPr id="109" name="Shape 109"/>
-          <p:cNvSpPr>
-            <a:spLocks noGrp="1" noRot="1" noChangeAspect="1"/>
-          </p:cNvSpPr>
-          <p:nvPr>
-            <p:ph type="sldImg" idx="2"/>
-          </p:nvPr>
-        </p:nvSpPr>
-        <p:spPr>
-          <a:xfrm>
-            <a:off x="1143000" y="685800"/>
-            <a:ext cx="4572000" cy="3429000"/>
-          </a:xfrm>
-          <a:custGeom>
-            <a:avLst/>
-            <a:gdLst/>
-            <a:ahLst/>
-            <a:cxnLst/>
-            <a:rect l="0" t="0" r="0" b="0"/>
-            <a:pathLst>
-              <a:path w="120000" h="120000" extrusionOk="0">
-                <a:moveTo>
-                  <a:pt x="0" y="0"/>
-                </a:moveTo>
-                <a:lnTo>
-                  <a:pt x="120000" y="0"/>
-                </a:lnTo>
-                <a:lnTo>
-                  <a:pt x="120000" y="120000"/>
-                </a:lnTo>
-                <a:lnTo>
-                  <a:pt x="0" y="120000"/>
-                </a:lnTo>
-                <a:close/>
-              </a:path>
-            </a:pathLst>
-          </a:custGeom>
-        </p:spPr>
-      </p:sp>
-      <p:sp>
-        <p:nvSpPr>
-          <p:cNvPr id="110" name="Shape 110"/>
-          <p:cNvSpPr txBox="1">
-            <a:spLocks noGrp="1"/>
-          </p:cNvSpPr>
-          <p:nvPr>
-            <p:ph type="body" idx="1"/>
-          </p:nvPr>
-        </p:nvSpPr>
-        <p:spPr>
-          <a:xfrm>
-            <a:off x="914400" y="4343400"/>
-            <a:ext cx="5029200" cy="4114800"/>
-          </a:xfrm>
-          <a:prstGeom prst="rect">
-            <a:avLst/>
-          </a:prstGeom>
-        </p:spPr>
-        <p:txBody>
-          <a:bodyPr lIns="91425" tIns="91425" rIns="91425" bIns="91425" anchor="t" anchorCtr="0">
-            <a:noAutofit/>
-          </a:bodyPr>
-          <a:lstStyle/>
-          <a:p>
-            <a:pPr lvl="0" rtl="0">
-              <a:spcBef>
-                <a:spcPts val="0"/>
-              </a:spcBef>
-              <a:buNone/>
-            </a:pPr>
-            <a:endParaRPr/>
-          </a:p>
-        </p:txBody>
-      </p:sp>
-    </p:spTree>
-    <p:extLst>
-      <p:ext uri="{BB962C8B-B14F-4D97-AF65-F5344CB8AC3E}">
-        <p14:creationId xmlns:p14="http://schemas.microsoft.com/office/powerpoint/2010/main" val="48974954"/>
-      </p:ext>
-    </p:extLst>
   </p:cSld>
   <p:clrMapOvr>
     <a:masterClrMapping/>
@@ -11557,66 +11045,7 @@
   <p:cSld>
     <p:spTree>
       <p:nvGrpSpPr>
-        <p:cNvPr id="1" name="Shape 58"/>
-        <p:cNvGrpSpPr/>
-        <p:nvPr/>
-      </p:nvGrpSpPr>
-      <p:grpSpPr>
-        <a:xfrm>
-          <a:off x="0" y="0"/>
-          <a:ext cx="0" cy="0"/>
-          <a:chOff x="0" y="0"/>
-          <a:chExt cx="0" cy="0"/>
-        </a:xfrm>
-      </p:grpSpPr>
-      <p:pic>
-        <p:nvPicPr>
-          <p:cNvPr id="59" name="Shape 59"/>
-          <p:cNvPicPr preferRelativeResize="0"/>
-          <p:nvPr/>
-        </p:nvPicPr>
-        <p:blipFill rotWithShape="1">
-          <a:blip r:embed="rId3">
-            <a:alphaModFix/>
-          </a:blip>
-          <a:srcRect/>
-          <a:stretch/>
-        </p:blipFill>
-        <p:spPr>
-          <a:xfrm>
-            <a:off x="0" y="2763519"/>
-            <a:ext cx="13004799" cy="4226559"/>
-          </a:xfrm>
-          <a:prstGeom prst="rect">
-            <a:avLst/>
-          </a:prstGeom>
-          <a:noFill/>
-          <a:ln>
-            <a:noFill/>
-          </a:ln>
-        </p:spPr>
-      </p:pic>
-    </p:spTree>
-  </p:cSld>
-  <p:clrMapOvr>
-    <a:masterClrMapping/>
-  </p:clrMapOvr>
-  <p:timing>
-    <p:tnLst>
-      <p:par>
-        <p:cTn id="1" dur="indefinite" restart="never" nodeType="tmRoot"/>
-      </p:par>
-    </p:tnLst>
-  </p:timing>
-</p:sld>
-</file>
-
-<file path=ppt/slides/slide10.xml><?xml version="1.0" encoding="utf-8"?>
-<p:sld xmlns:a="http://schemas.openxmlformats.org/drawingml/2006/main" xmlns:r="http://schemas.openxmlformats.org/officeDocument/2006/relationships" xmlns:p="http://schemas.openxmlformats.org/presentationml/2006/main">
-  <p:cSld>
-    <p:spTree>
-      <p:nvGrpSpPr>
-        <p:cNvPr id="1" name="Shape 111"/>
+        <p:cNvPr id="1" name=""/>
         <p:cNvGrpSpPr/>
         <p:nvPr/>
       </p:nvGrpSpPr>
@@ -11630,8 +11059,8 @@
       </p:grpSpPr>
       <p:sp>
         <p:nvSpPr>
-          <p:cNvPr id="112" name="Shape 112"/>
-          <p:cNvSpPr txBox="1">
+          <p:cNvPr id="2" name="Title 1"/>
+          <p:cNvSpPr>
             <a:spLocks noGrp="1"/>
           </p:cNvSpPr>
           <p:nvPr>
@@ -11641,35 +11070,21 @@
         <p:spPr>
           <a:xfrm>
             <a:off x="952500" y="254000"/>
-            <a:ext cx="11099700" cy="2159100"/>
+            <a:ext cx="11099799" cy="1199243"/>
           </a:xfrm>
-          <a:prstGeom prst="rect">
-            <a:avLst/>
-          </a:prstGeom>
         </p:spPr>
         <p:txBody>
-          <a:bodyPr lIns="91425" tIns="91425" rIns="91425" bIns="91425" anchor="ctr" anchorCtr="0">
-            <a:noAutofit/>
-          </a:bodyPr>
+          <a:bodyPr/>
           <a:lstStyle/>
           <a:p>
-            <a:pPr lvl="0" rtl="0">
-              <a:spcBef>
-                <a:spcPts val="0"/>
-              </a:spcBef>
-              <a:buNone/>
-            </a:pPr>
-            <a:r>
-              <a:rPr lang="en-US"/>
-              <a:t>JSX</a:t>
-            </a:r>
+            <a:endParaRPr lang="en-US" dirty="0"/>
           </a:p>
         </p:txBody>
       </p:sp>
       <p:sp>
         <p:nvSpPr>
-          <p:cNvPr id="113" name="Shape 113"/>
-          <p:cNvSpPr txBox="1">
+          <p:cNvPr id="3" name="Text Placeholder 2"/>
+          <p:cNvSpPr>
             <a:spLocks noGrp="1"/>
           </p:cNvSpPr>
           <p:nvPr>
@@ -11678,92 +11093,76 @@
         </p:nvSpPr>
         <p:spPr>
           <a:xfrm>
-            <a:off x="952500" y="2590800"/>
-            <a:ext cx="11099700" cy="6286500"/>
+            <a:off x="952500" y="1730830"/>
+            <a:ext cx="11099799" cy="7146470"/>
+          </a:xfrm>
+        </p:spPr>
+        <p:txBody>
+          <a:bodyPr/>
+          <a:lstStyle/>
+          <a:p>
+            <a:endParaRPr lang="en-US" dirty="0" smtClean="0"/>
+          </a:p>
+        </p:txBody>
+      </p:sp>
+      <p:pic>
+        <p:nvPicPr>
+          <p:cNvPr id="5" name="Picture 4"/>
+          <p:cNvPicPr>
+            <a:picLocks noChangeAspect="1"/>
+          </p:cNvPicPr>
+          <p:nvPr/>
+        </p:nvPicPr>
+        <p:blipFill>
+          <a:blip r:embed="rId2"/>
+          <a:stretch>
+            <a:fillRect/>
+          </a:stretch>
+        </p:blipFill>
+        <p:spPr>
+          <a:xfrm>
+            <a:off x="1126672" y="1916341"/>
+            <a:ext cx="5208813" cy="3906610"/>
           </a:xfrm>
           <a:prstGeom prst="rect">
             <a:avLst/>
           </a:prstGeom>
         </p:spPr>
-        <p:txBody>
-          <a:bodyPr lIns="91425" tIns="91425" rIns="91425" bIns="91425" anchor="ctr" anchorCtr="0">
-            <a:noAutofit/>
-          </a:bodyPr>
-          <a:lstStyle/>
-          <a:p>
-            <a:pPr lvl="0">
-              <a:spcBef>
-                <a:spcPts val="0"/>
-              </a:spcBef>
-              <a:buNone/>
-            </a:pPr>
-            <a:r>
-              <a:rPr lang="en-US" dirty="0"/>
-              <a:t>Since JSX is closer to JavaScript than HTML, React DOM uses </a:t>
-            </a:r>
-            <a:r>
-              <a:rPr lang="en-US" dirty="0" err="1"/>
-              <a:t>camelCase</a:t>
-            </a:r>
-            <a:r>
-              <a:rPr lang="en-US" dirty="0"/>
-              <a:t> property naming convention instead of HTML attribute names</a:t>
-            </a:r>
-            <a:r>
-              <a:rPr lang="en-US" dirty="0" smtClean="0"/>
-              <a:t>. (</a:t>
-            </a:r>
-            <a:r>
-              <a:rPr lang="en-US" dirty="0" err="1" smtClean="0">
-                <a:solidFill>
-                  <a:srgbClr val="FFC000"/>
-                </a:solidFill>
-              </a:rPr>
-              <a:t>onClick</a:t>
-            </a:r>
-            <a:r>
-              <a:rPr lang="en-US" dirty="0" smtClean="0">
-                <a:solidFill>
-                  <a:srgbClr val="FFC000"/>
-                </a:solidFill>
-              </a:rPr>
-              <a:t>, </a:t>
-            </a:r>
-            <a:r>
-              <a:rPr lang="en-US" dirty="0" err="1" smtClean="0">
-                <a:solidFill>
-                  <a:srgbClr val="FFC000"/>
-                </a:solidFill>
-              </a:rPr>
-              <a:t>className</a:t>
-            </a:r>
-            <a:r>
-              <a:rPr lang="en-US" dirty="0" smtClean="0">
-                <a:solidFill>
-                  <a:srgbClr val="FFC000"/>
-                </a:solidFill>
-              </a:rPr>
-              <a:t>, style</a:t>
-            </a:r>
-            <a:r>
-              <a:rPr lang="en-US" dirty="0"/>
-              <a:t>, </a:t>
-            </a:r>
-            <a:r>
-              <a:rPr lang="en-US" dirty="0" err="1"/>
-              <a:t>etc</a:t>
-            </a:r>
-            <a:r>
-              <a:rPr lang="en-US" dirty="0"/>
-              <a:t>)</a:t>
-            </a:r>
-          </a:p>
-        </p:txBody>
-      </p:sp>
+      </p:pic>
+      <p:pic>
+        <p:nvPicPr>
+          <p:cNvPr id="6" name="Afbeelding 3"/>
+          <p:cNvPicPr>
+            <a:picLocks noChangeAspect="1"/>
+          </p:cNvPicPr>
+          <p:nvPr/>
+        </p:nvPicPr>
+        <p:blipFill>
+          <a:blip r:embed="rId3">
+            <a:extLst>
+              <a:ext uri="{28A0092B-C50C-407E-A947-70E740481C1C}">
+                <a14:useLocalDpi xmlns:a14="http://schemas.microsoft.com/office/drawing/2010/main" val="0"/>
+              </a:ext>
+            </a:extLst>
+          </a:blip>
+          <a:stretch>
+            <a:fillRect/>
+          </a:stretch>
+        </p:blipFill>
+        <p:spPr>
+          <a:xfrm>
+            <a:off x="8135709" y="4996543"/>
+            <a:ext cx="3454400" cy="3454400"/>
+          </a:xfrm>
+          <a:prstGeom prst="rect">
+            <a:avLst/>
+          </a:prstGeom>
+        </p:spPr>
+      </p:pic>
     </p:spTree>
     <p:extLst>
       <p:ext uri="{BB962C8B-B14F-4D97-AF65-F5344CB8AC3E}">
-        <p14:creationId xmlns:p14="http://schemas.microsoft.com/office/powerpoint/2010/main" val="1841597595"/>
+        <p14:creationId xmlns:p14="http://schemas.microsoft.com/office/powerpoint/2010/main" val="1088739857"/>
       </p:ext>
     </p:extLst>
   </p:cSld>
@@ -11780,918 +11179,7 @@
 </p:sld>
 </file>
 
-<file path=ppt/slides/slide11.xml><?xml version="1.0" encoding="utf-8"?>
-<p:sld xmlns:a="http://schemas.openxmlformats.org/drawingml/2006/main" xmlns:r="http://schemas.openxmlformats.org/officeDocument/2006/relationships" xmlns:p="http://schemas.openxmlformats.org/presentationml/2006/main">
-  <p:cSld>
-    <p:spTree>
-      <p:nvGrpSpPr>
-        <p:cNvPr id="1" name="Shape 135"/>
-        <p:cNvGrpSpPr/>
-        <p:nvPr/>
-      </p:nvGrpSpPr>
-      <p:grpSpPr>
-        <a:xfrm>
-          <a:off x="0" y="0"/>
-          <a:ext cx="0" cy="0"/>
-          <a:chOff x="0" y="0"/>
-          <a:chExt cx="0" cy="0"/>
-        </a:xfrm>
-      </p:grpSpPr>
-      <p:sp>
-        <p:nvSpPr>
-          <p:cNvPr id="136" name="Shape 136"/>
-          <p:cNvSpPr txBox="1">
-            <a:spLocks noGrp="1"/>
-          </p:cNvSpPr>
-          <p:nvPr>
-            <p:ph type="title"/>
-          </p:nvPr>
-        </p:nvSpPr>
-        <p:spPr>
-          <a:xfrm>
-            <a:off x="952500" y="254000"/>
-            <a:ext cx="11099700" cy="2159100"/>
-          </a:xfrm>
-          <a:prstGeom prst="rect">
-            <a:avLst/>
-          </a:prstGeom>
-        </p:spPr>
-        <p:txBody>
-          <a:bodyPr lIns="91425" tIns="91425" rIns="91425" bIns="91425" anchor="ctr" anchorCtr="0">
-            <a:noAutofit/>
-          </a:bodyPr>
-          <a:lstStyle/>
-          <a:p>
-            <a:pPr lvl="0">
-              <a:spcBef>
-                <a:spcPts val="0"/>
-              </a:spcBef>
-              <a:buNone/>
-            </a:pPr>
-            <a:r>
-              <a:rPr lang="en-US"/>
-              <a:t>Component: class</a:t>
-            </a:r>
-          </a:p>
-        </p:txBody>
-      </p:sp>
-      <p:sp>
-        <p:nvSpPr>
-          <p:cNvPr id="137" name="Shape 137"/>
-          <p:cNvSpPr txBox="1">
-            <a:spLocks noGrp="1"/>
-          </p:cNvSpPr>
-          <p:nvPr>
-            <p:ph type="body" idx="1"/>
-          </p:nvPr>
-        </p:nvSpPr>
-        <p:spPr>
-          <a:xfrm>
-            <a:off x="952500" y="2590800"/>
-            <a:ext cx="11099700" cy="6286500"/>
-          </a:xfrm>
-          <a:prstGeom prst="rect">
-            <a:avLst/>
-          </a:prstGeom>
-        </p:spPr>
-        <p:txBody>
-          <a:bodyPr lIns="91425" tIns="91425" rIns="91425" bIns="91425" anchor="t" anchorCtr="0">
-            <a:noAutofit/>
-          </a:bodyPr>
-          <a:lstStyle/>
-          <a:p>
-            <a:pPr marL="0" lvl="0" indent="0">
-              <a:spcBef>
-                <a:spcPts val="0"/>
-              </a:spcBef>
-              <a:buNone/>
-            </a:pPr>
-            <a:r>
-              <a:rPr lang="en-US" dirty="0"/>
-              <a:t>2 types of </a:t>
-            </a:r>
-            <a:r>
-              <a:rPr lang="en-US"/>
-              <a:t>state</a:t>
-            </a:r>
-            <a:r>
-              <a:rPr lang="en-US" smtClean="0"/>
-              <a:t>:</a:t>
-            </a:r>
-          </a:p>
-          <a:p>
-            <a:pPr marL="0" lvl="0" indent="0">
-              <a:spcBef>
-                <a:spcPts val="0"/>
-              </a:spcBef>
-              <a:buNone/>
-            </a:pPr>
-            <a:endParaRPr lang="en-US" dirty="0"/>
-          </a:p>
-          <a:p>
-            <a:pPr marL="457200" lvl="0" indent="-228600" rtl="0">
-              <a:spcBef>
-                <a:spcPts val="0"/>
-              </a:spcBef>
-            </a:pPr>
-            <a:r>
-              <a:rPr lang="en-US" dirty="0" err="1">
-                <a:solidFill>
-                  <a:srgbClr val="FFFF00"/>
-                </a:solidFill>
-              </a:rPr>
-              <a:t>this.props</a:t>
-            </a:r>
-            <a:endParaRPr lang="en-US" dirty="0">
-              <a:solidFill>
-                <a:srgbClr val="FFFF00"/>
-              </a:solidFill>
-            </a:endParaRPr>
-          </a:p>
-          <a:p>
-            <a:pPr marL="914400" lvl="1" indent="-228600" rtl="0">
-              <a:spcBef>
-                <a:spcPts val="0"/>
-              </a:spcBef>
-            </a:pPr>
-            <a:r>
-              <a:rPr lang="en-US" dirty="0"/>
-              <a:t>Get properties from parent</a:t>
-            </a:r>
-          </a:p>
-          <a:p>
-            <a:pPr marL="457200" lvl="0" indent="-228600" rtl="0">
-              <a:spcBef>
-                <a:spcPts val="0"/>
-              </a:spcBef>
-            </a:pPr>
-            <a:r>
-              <a:rPr lang="en-US" dirty="0" err="1">
-                <a:solidFill>
-                  <a:srgbClr val="FFC000"/>
-                </a:solidFill>
-              </a:rPr>
-              <a:t>this.state</a:t>
-            </a:r>
-            <a:endParaRPr lang="en-US" dirty="0">
-              <a:solidFill>
-                <a:srgbClr val="FFC000"/>
-              </a:solidFill>
-            </a:endParaRPr>
-          </a:p>
-          <a:p>
-            <a:pPr marL="914400" lvl="1" indent="-228600">
-              <a:spcBef>
-                <a:spcPts val="0"/>
-              </a:spcBef>
-            </a:pPr>
-            <a:r>
-              <a:rPr lang="en-US" dirty="0" smtClean="0"/>
-              <a:t>Local state within components</a:t>
-            </a:r>
-            <a:endParaRPr lang="en-US" dirty="0"/>
-          </a:p>
-        </p:txBody>
-      </p:sp>
-    </p:spTree>
-    <p:extLst>
-      <p:ext uri="{BB962C8B-B14F-4D97-AF65-F5344CB8AC3E}">
-        <p14:creationId xmlns:p14="http://schemas.microsoft.com/office/powerpoint/2010/main" val="1032976206"/>
-      </p:ext>
-    </p:extLst>
-  </p:cSld>
-  <p:clrMapOvr>
-    <a:masterClrMapping/>
-  </p:clrMapOvr>
-  <p:timing>
-    <p:tnLst>
-      <p:par>
-        <p:cTn id="1" dur="indefinite" restart="never" nodeType="tmRoot"/>
-      </p:par>
-    </p:tnLst>
-  </p:timing>
-</p:sld>
-</file>
-
-<file path=ppt/slides/slide12.xml><?xml version="1.0" encoding="utf-8"?>
-<p:sld xmlns:a="http://schemas.openxmlformats.org/drawingml/2006/main" xmlns:r="http://schemas.openxmlformats.org/officeDocument/2006/relationships" xmlns:p="http://schemas.openxmlformats.org/presentationml/2006/main">
-  <p:cSld>
-    <p:spTree>
-      <p:nvGrpSpPr>
-        <p:cNvPr id="1" name="Shape 141"/>
-        <p:cNvGrpSpPr/>
-        <p:nvPr/>
-      </p:nvGrpSpPr>
-      <p:grpSpPr>
-        <a:xfrm>
-          <a:off x="0" y="0"/>
-          <a:ext cx="0" cy="0"/>
-          <a:chOff x="0" y="0"/>
-          <a:chExt cx="0" cy="0"/>
-        </a:xfrm>
-      </p:grpSpPr>
-      <p:sp>
-        <p:nvSpPr>
-          <p:cNvPr id="143" name="Shape 143"/>
-          <p:cNvSpPr txBox="1">
-            <a:spLocks noGrp="1"/>
-          </p:cNvSpPr>
-          <p:nvPr>
-            <p:ph type="body" idx="1"/>
-          </p:nvPr>
-        </p:nvSpPr>
-        <p:spPr>
-          <a:xfrm>
-            <a:off x="2079221" y="2282471"/>
-            <a:ext cx="11099700" cy="6286500"/>
-          </a:xfrm>
-          <a:prstGeom prst="rect">
-            <a:avLst/>
-          </a:prstGeom>
-        </p:spPr>
-        <p:txBody>
-          <a:bodyPr lIns="91425" tIns="91425" rIns="91425" bIns="91425" anchor="ctr" anchorCtr="0">
-            <a:noAutofit/>
-          </a:bodyPr>
-          <a:lstStyle/>
-          <a:p>
-            <a:pPr marL="180975" indent="0">
-              <a:spcBef>
-                <a:spcPts val="600"/>
-              </a:spcBef>
-              <a:buNone/>
-            </a:pPr>
-            <a:r>
-              <a:rPr lang="en-US" sz="2000" dirty="0" smtClean="0"/>
-              <a:t>export class </a:t>
-            </a:r>
-            <a:r>
-              <a:rPr lang="en-US" sz="2000" b="1" dirty="0">
-                <a:solidFill>
-                  <a:srgbClr val="FFC000"/>
-                </a:solidFill>
-              </a:rPr>
-              <a:t>Welcome</a:t>
-            </a:r>
-            <a:r>
-              <a:rPr lang="en-US" sz="2000" dirty="0"/>
-              <a:t> extends </a:t>
-            </a:r>
-            <a:r>
-              <a:rPr lang="en-US" sz="2000" dirty="0" err="1" smtClean="0"/>
-              <a:t>React.Component</a:t>
-            </a:r>
-            <a:r>
-              <a:rPr lang="en-US" sz="2000" dirty="0" smtClean="0"/>
-              <a:t> </a:t>
-            </a:r>
-            <a:r>
-              <a:rPr lang="en-US" sz="2000" dirty="0"/>
-              <a:t>{</a:t>
-            </a:r>
-          </a:p>
-          <a:p>
-            <a:pPr marL="180975" indent="0">
-              <a:spcBef>
-                <a:spcPts val="600"/>
-              </a:spcBef>
-              <a:buNone/>
-            </a:pPr>
-            <a:r>
-              <a:rPr lang="en-US" sz="2000" dirty="0"/>
-              <a:t>	</a:t>
-            </a:r>
-            <a:r>
-              <a:rPr lang="en-US" sz="2000" dirty="0" smtClean="0"/>
-              <a:t>render</a:t>
-            </a:r>
-            <a:r>
-              <a:rPr lang="en-US" sz="2000" dirty="0"/>
-              <a:t>() {</a:t>
-            </a:r>
-          </a:p>
-          <a:p>
-            <a:pPr marL="180975" indent="0">
-              <a:spcBef>
-                <a:spcPts val="600"/>
-              </a:spcBef>
-              <a:buNone/>
-            </a:pPr>
-            <a:r>
-              <a:rPr lang="en-US" sz="2000" dirty="0"/>
-              <a:t> 	</a:t>
-            </a:r>
-            <a:r>
-              <a:rPr lang="en-US" sz="2000" dirty="0" smtClean="0"/>
-              <a:t>	return </a:t>
-            </a:r>
-            <a:r>
-              <a:rPr lang="en-US" sz="2000" dirty="0"/>
-              <a:t>&lt;h1&gt;Hello, </a:t>
-            </a:r>
-            <a:r>
-              <a:rPr lang="en-US" sz="2000" b="1" dirty="0">
-                <a:solidFill>
-                  <a:srgbClr val="FF0000"/>
-                </a:solidFill>
-              </a:rPr>
-              <a:t>{</a:t>
-            </a:r>
-            <a:r>
-              <a:rPr lang="en-US" sz="2000" b="1" dirty="0" err="1">
-                <a:solidFill>
-                  <a:srgbClr val="FF0000"/>
-                </a:solidFill>
-              </a:rPr>
-              <a:t>this.props.name</a:t>
-            </a:r>
-            <a:r>
-              <a:rPr lang="en-US" sz="2000" b="1" dirty="0">
-                <a:solidFill>
-                  <a:srgbClr val="FF0000"/>
-                </a:solidFill>
-              </a:rPr>
-              <a:t>}</a:t>
-            </a:r>
-            <a:r>
-              <a:rPr lang="en-US" sz="2000" dirty="0"/>
-              <a:t>&lt;/h1&gt;;</a:t>
-            </a:r>
-          </a:p>
-          <a:p>
-            <a:pPr marL="180975" indent="0">
-              <a:spcBef>
-                <a:spcPts val="600"/>
-              </a:spcBef>
-              <a:buNone/>
-            </a:pPr>
-            <a:r>
-              <a:rPr lang="en-US" sz="2000" dirty="0"/>
-              <a:t>	</a:t>
-            </a:r>
-            <a:r>
-              <a:rPr lang="en-US" sz="2000" dirty="0" smtClean="0"/>
-              <a:t>}</a:t>
-            </a:r>
-            <a:endParaRPr lang="en-US" sz="2000" dirty="0"/>
-          </a:p>
-          <a:p>
-            <a:pPr marL="180975" indent="0">
-              <a:spcBef>
-                <a:spcPts val="600"/>
-              </a:spcBef>
-              <a:buNone/>
-            </a:pPr>
-            <a:r>
-              <a:rPr lang="en-US" sz="2000" dirty="0"/>
-              <a:t>}</a:t>
-            </a:r>
-          </a:p>
-          <a:p>
-            <a:pPr marL="180975" indent="0">
-              <a:spcBef>
-                <a:spcPts val="1200"/>
-              </a:spcBef>
-              <a:buNone/>
-            </a:pPr>
-            <a:endParaRPr lang="en-US" sz="2000" dirty="0" smtClean="0"/>
-          </a:p>
-          <a:p>
-            <a:pPr marL="180975" indent="0">
-              <a:spcBef>
-                <a:spcPts val="1200"/>
-              </a:spcBef>
-              <a:buNone/>
-            </a:pPr>
-            <a:r>
-              <a:rPr lang="en-US" sz="2000" dirty="0" smtClean="0"/>
-              <a:t>class </a:t>
-            </a:r>
-            <a:r>
-              <a:rPr lang="en-US" sz="2000" b="1" dirty="0" smtClean="0">
-                <a:solidFill>
-                  <a:srgbClr val="FFC000"/>
-                </a:solidFill>
-              </a:rPr>
-              <a:t>App </a:t>
-            </a:r>
-            <a:r>
-              <a:rPr lang="en-US" sz="2000" dirty="0"/>
-              <a:t>extends </a:t>
-            </a:r>
-            <a:r>
-              <a:rPr lang="en-US" sz="2000" dirty="0" err="1" smtClean="0"/>
-              <a:t>React.Component</a:t>
-            </a:r>
-            <a:r>
-              <a:rPr lang="en-US" sz="2000" dirty="0" smtClean="0"/>
-              <a:t> </a:t>
-            </a:r>
-            <a:r>
-              <a:rPr lang="en-US" sz="2000" dirty="0"/>
-              <a:t>{</a:t>
-            </a:r>
-          </a:p>
-          <a:p>
-            <a:pPr marL="180975" indent="0">
-              <a:spcBef>
-                <a:spcPts val="1200"/>
-              </a:spcBef>
-              <a:buNone/>
-            </a:pPr>
-            <a:r>
-              <a:rPr lang="en-US" sz="2000" dirty="0" smtClean="0"/>
-              <a:t>	render</a:t>
-            </a:r>
-            <a:r>
-              <a:rPr lang="en-US" sz="2000" dirty="0"/>
-              <a:t>() </a:t>
-            </a:r>
-            <a:r>
-              <a:rPr lang="en-US" sz="2000" dirty="0" smtClean="0"/>
-              <a:t>{</a:t>
-            </a:r>
-            <a:r>
-              <a:rPr lang="en-US" sz="2000" dirty="0"/>
-              <a:t>  </a:t>
-            </a:r>
-            <a:endParaRPr lang="en-US" sz="2000" dirty="0" smtClean="0"/>
-          </a:p>
-          <a:p>
-            <a:pPr marL="180975" indent="0">
-              <a:spcBef>
-                <a:spcPts val="1200"/>
-              </a:spcBef>
-              <a:buNone/>
-            </a:pPr>
-            <a:r>
-              <a:rPr lang="en-US" sz="2000" dirty="0" smtClean="0"/>
-              <a:t>		return </a:t>
-            </a:r>
-            <a:r>
-              <a:rPr lang="en-US" sz="2000" dirty="0"/>
-              <a:t>(</a:t>
-            </a:r>
-          </a:p>
-          <a:p>
-            <a:pPr marL="180975" indent="0">
-              <a:spcBef>
-                <a:spcPts val="1200"/>
-              </a:spcBef>
-              <a:buNone/>
-            </a:pPr>
-            <a:r>
-              <a:rPr lang="en-US" sz="2000" dirty="0"/>
-              <a:t>   </a:t>
-            </a:r>
-            <a:r>
-              <a:rPr lang="en-US" sz="2000" dirty="0" smtClean="0"/>
-              <a:t>		 </a:t>
-            </a:r>
-            <a:r>
-              <a:rPr lang="en-US" sz="2000" dirty="0"/>
-              <a:t>&lt;div&gt;</a:t>
-            </a:r>
-          </a:p>
-          <a:p>
-            <a:pPr marL="180975" indent="0">
-              <a:spcBef>
-                <a:spcPts val="1200"/>
-              </a:spcBef>
-              <a:buNone/>
-            </a:pPr>
-            <a:r>
-              <a:rPr lang="en-US" sz="2000" dirty="0"/>
-              <a:t>      </a:t>
-            </a:r>
-            <a:r>
-              <a:rPr lang="en-US" sz="2000" dirty="0" smtClean="0"/>
-              <a:t>			&lt;</a:t>
-            </a:r>
-            <a:r>
-              <a:rPr lang="en-US" sz="2000" b="1" dirty="0">
-                <a:solidFill>
-                  <a:srgbClr val="FF0000"/>
-                </a:solidFill>
-              </a:rPr>
-              <a:t>Welcome</a:t>
-            </a:r>
-            <a:r>
-              <a:rPr lang="en-US" sz="2000" dirty="0"/>
-              <a:t> name="Sara" /&gt;</a:t>
-            </a:r>
-          </a:p>
-          <a:p>
-            <a:pPr marL="180975" indent="0">
-              <a:spcBef>
-                <a:spcPts val="1200"/>
-              </a:spcBef>
-              <a:buNone/>
-            </a:pPr>
-            <a:r>
-              <a:rPr lang="en-US" sz="2000" dirty="0"/>
-              <a:t>      </a:t>
-            </a:r>
-            <a:r>
-              <a:rPr lang="en-US" sz="2000" dirty="0" smtClean="0"/>
-              <a:t>			&lt;</a:t>
-            </a:r>
-            <a:r>
-              <a:rPr lang="en-US" sz="2000" b="1" dirty="0">
-                <a:solidFill>
-                  <a:srgbClr val="FF0000"/>
-                </a:solidFill>
-              </a:rPr>
-              <a:t>Welcome</a:t>
-            </a:r>
-            <a:r>
-              <a:rPr lang="en-US" sz="2000" dirty="0"/>
-              <a:t> name="</a:t>
-            </a:r>
-            <a:r>
-              <a:rPr lang="en-US" sz="2000" dirty="0" err="1"/>
-              <a:t>Cahal</a:t>
-            </a:r>
-            <a:r>
-              <a:rPr lang="en-US" sz="2000" dirty="0"/>
-              <a:t>" /&gt;</a:t>
-            </a:r>
-          </a:p>
-          <a:p>
-            <a:pPr marL="180975" indent="0">
-              <a:spcBef>
-                <a:spcPts val="1200"/>
-              </a:spcBef>
-              <a:buNone/>
-            </a:pPr>
-            <a:r>
-              <a:rPr lang="en-US" sz="2000" dirty="0"/>
-              <a:t>      </a:t>
-            </a:r>
-            <a:r>
-              <a:rPr lang="en-US" sz="2000" dirty="0" smtClean="0"/>
-              <a:t>			&lt;</a:t>
-            </a:r>
-            <a:r>
-              <a:rPr lang="en-US" sz="2000" b="1" dirty="0">
-                <a:solidFill>
-                  <a:srgbClr val="FF0000"/>
-                </a:solidFill>
-              </a:rPr>
-              <a:t>Welcome</a:t>
-            </a:r>
-            <a:r>
-              <a:rPr lang="en-US" sz="2000" dirty="0"/>
-              <a:t> name="</a:t>
-            </a:r>
-            <a:r>
-              <a:rPr lang="en-US" sz="2000" dirty="0" err="1"/>
-              <a:t>Edite</a:t>
-            </a:r>
-            <a:r>
-              <a:rPr lang="en-US" sz="2000" dirty="0"/>
-              <a:t>" /&gt;</a:t>
-            </a:r>
-          </a:p>
-          <a:p>
-            <a:pPr marL="180975" indent="0">
-              <a:spcBef>
-                <a:spcPts val="1200"/>
-              </a:spcBef>
-              <a:buNone/>
-            </a:pPr>
-            <a:r>
-              <a:rPr lang="en-US" sz="2000" dirty="0"/>
-              <a:t>    </a:t>
-            </a:r>
-            <a:r>
-              <a:rPr lang="en-US" sz="2000" dirty="0" smtClean="0"/>
-              <a:t>		&lt;/</a:t>
-            </a:r>
-            <a:r>
-              <a:rPr lang="en-US" sz="2000" dirty="0"/>
-              <a:t>div&gt;</a:t>
-            </a:r>
-          </a:p>
-          <a:p>
-            <a:pPr marL="180975" indent="0">
-              <a:spcBef>
-                <a:spcPts val="1200"/>
-              </a:spcBef>
-              <a:buNone/>
-            </a:pPr>
-            <a:r>
-              <a:rPr lang="en-US" sz="2000" dirty="0"/>
-              <a:t> </a:t>
-            </a:r>
-            <a:r>
-              <a:rPr lang="en-US" sz="2000" dirty="0" smtClean="0"/>
-              <a:t>		 );</a:t>
-            </a:r>
-          </a:p>
-          <a:p>
-            <a:pPr marL="180975" indent="0">
-              <a:spcBef>
-                <a:spcPts val="1200"/>
-              </a:spcBef>
-              <a:buNone/>
-            </a:pPr>
-            <a:r>
-              <a:rPr lang="en-US" sz="2000" dirty="0" smtClean="0"/>
-              <a:t>	}</a:t>
-            </a:r>
-            <a:endParaRPr lang="en-US" sz="2000" dirty="0"/>
-          </a:p>
-          <a:p>
-            <a:pPr marL="180975" indent="0">
-              <a:spcBef>
-                <a:spcPts val="1200"/>
-              </a:spcBef>
-              <a:buNone/>
-            </a:pPr>
-            <a:r>
-              <a:rPr lang="en-US" sz="2000" dirty="0" smtClean="0"/>
-              <a:t>}</a:t>
-            </a:r>
-            <a:r>
-              <a:rPr lang="en-US" sz="2000" dirty="0"/>
-              <a:t/>
-            </a:r>
-            <a:br>
-              <a:rPr lang="en-US" sz="2000" dirty="0"/>
-            </a:br>
-            <a:endParaRPr lang="en-US" sz="2000" dirty="0"/>
-          </a:p>
-          <a:p>
-            <a:pPr marL="180975" indent="0">
-              <a:spcBef>
-                <a:spcPts val="1200"/>
-              </a:spcBef>
-              <a:buNone/>
-            </a:pPr>
-            <a:r>
-              <a:rPr lang="en-US" sz="2000" dirty="0" err="1"/>
-              <a:t>ReactDOM.render</a:t>
-            </a:r>
-            <a:r>
-              <a:rPr lang="en-US" sz="2000" dirty="0"/>
-              <a:t>(</a:t>
-            </a:r>
-          </a:p>
-          <a:p>
-            <a:pPr marL="180975" indent="0">
-              <a:spcBef>
-                <a:spcPts val="1200"/>
-              </a:spcBef>
-              <a:buNone/>
-            </a:pPr>
-            <a:r>
-              <a:rPr lang="en-US" sz="2000" dirty="0"/>
-              <a:t>  	</a:t>
-            </a:r>
-            <a:r>
-              <a:rPr lang="en-US" sz="2000" b="1" dirty="0" smtClean="0">
-                <a:solidFill>
-                  <a:srgbClr val="FFC000"/>
-                </a:solidFill>
-              </a:rPr>
-              <a:t>&lt;</a:t>
-            </a:r>
-            <a:r>
-              <a:rPr lang="en-US" sz="2000" b="1" dirty="0">
-                <a:solidFill>
-                  <a:srgbClr val="FFC000"/>
-                </a:solidFill>
-              </a:rPr>
-              <a:t>App </a:t>
-            </a:r>
-            <a:r>
-              <a:rPr lang="en-US" sz="2000" b="1" dirty="0" smtClean="0">
-                <a:solidFill>
-                  <a:srgbClr val="FFC000"/>
-                </a:solidFill>
-              </a:rPr>
-              <a:t>/&gt;, </a:t>
-            </a:r>
-            <a:r>
-              <a:rPr lang="en-US" sz="2000" dirty="0" err="1" smtClean="0"/>
-              <a:t>document.getElementById</a:t>
-            </a:r>
-            <a:r>
-              <a:rPr lang="en-US" sz="2000" dirty="0"/>
-              <a:t>('root')</a:t>
-            </a:r>
-          </a:p>
-          <a:p>
-            <a:pPr marL="180975" indent="0">
-              <a:spcBef>
-                <a:spcPts val="1200"/>
-              </a:spcBef>
-              <a:buNone/>
-            </a:pPr>
-            <a:r>
-              <a:rPr lang="en-US" sz="2000" dirty="0"/>
-              <a:t>);</a:t>
-            </a:r>
-          </a:p>
-          <a:p>
-            <a:pPr marL="0" indent="0">
-              <a:lnSpc>
-                <a:spcPct val="150000"/>
-              </a:lnSpc>
-              <a:spcBef>
-                <a:spcPts val="1200"/>
-              </a:spcBef>
-              <a:buNone/>
-            </a:pPr>
-            <a:endParaRPr lang="en-US" sz="2000" dirty="0">
-              <a:solidFill>
-                <a:srgbClr val="F8F8F8"/>
-              </a:solidFill>
-              <a:latin typeface="Consolas"/>
-              <a:ea typeface="Consolas"/>
-              <a:cs typeface="Consolas"/>
-              <a:sym typeface="Consolas"/>
-            </a:endParaRPr>
-          </a:p>
-        </p:txBody>
-      </p:sp>
-    </p:spTree>
-    <p:extLst>
-      <p:ext uri="{BB962C8B-B14F-4D97-AF65-F5344CB8AC3E}">
-        <p14:creationId xmlns:p14="http://schemas.microsoft.com/office/powerpoint/2010/main" val="2063440575"/>
-      </p:ext>
-    </p:extLst>
-  </p:cSld>
-  <p:clrMapOvr>
-    <a:masterClrMapping/>
-  </p:clrMapOvr>
-  <p:timing>
-    <p:tnLst>
-      <p:par>
-        <p:cTn id="1" dur="indefinite" restart="never" nodeType="tmRoot"/>
-      </p:par>
-    </p:tnLst>
-  </p:timing>
-</p:sld>
-</file>
-
-<file path=ppt/slides/slide13.xml><?xml version="1.0" encoding="utf-8"?>
-<p:sld xmlns:a="http://schemas.openxmlformats.org/drawingml/2006/main" xmlns:r="http://schemas.openxmlformats.org/officeDocument/2006/relationships" xmlns:p="http://schemas.openxmlformats.org/presentationml/2006/main">
-  <p:cSld>
-    <p:spTree>
-      <p:nvGrpSpPr>
-        <p:cNvPr id="1" name="Shape 147"/>
-        <p:cNvGrpSpPr/>
-        <p:nvPr/>
-      </p:nvGrpSpPr>
-      <p:grpSpPr>
-        <a:xfrm>
-          <a:off x="0" y="0"/>
-          <a:ext cx="0" cy="0"/>
-          <a:chOff x="0" y="0"/>
-          <a:chExt cx="0" cy="0"/>
-        </a:xfrm>
-      </p:grpSpPr>
-      <p:sp>
-        <p:nvSpPr>
-          <p:cNvPr id="148" name="Shape 148"/>
-          <p:cNvSpPr txBox="1">
-            <a:spLocks noGrp="1"/>
-          </p:cNvSpPr>
-          <p:nvPr>
-            <p:ph type="title"/>
-          </p:nvPr>
-        </p:nvSpPr>
-        <p:spPr>
-          <a:xfrm>
-            <a:off x="952500" y="254000"/>
-            <a:ext cx="11099700" cy="2159100"/>
-          </a:xfrm>
-          <a:prstGeom prst="rect">
-            <a:avLst/>
-          </a:prstGeom>
-        </p:spPr>
-        <p:txBody>
-          <a:bodyPr lIns="91425" tIns="91425" rIns="91425" bIns="91425" anchor="ctr" anchorCtr="0">
-            <a:noAutofit/>
-          </a:bodyPr>
-          <a:lstStyle/>
-          <a:p>
-            <a:pPr lvl="0">
-              <a:spcBef>
-                <a:spcPts val="0"/>
-              </a:spcBef>
-              <a:buNone/>
-            </a:pPr>
-            <a:r>
-              <a:rPr lang="en-US"/>
-              <a:t>this.props</a:t>
-            </a:r>
-          </a:p>
-        </p:txBody>
-      </p:sp>
-      <p:sp>
-        <p:nvSpPr>
-          <p:cNvPr id="149" name="Shape 149"/>
-          <p:cNvSpPr txBox="1">
-            <a:spLocks noGrp="1"/>
-          </p:cNvSpPr>
-          <p:nvPr>
-            <p:ph type="body" idx="1"/>
-          </p:nvPr>
-        </p:nvSpPr>
-        <p:spPr>
-          <a:xfrm>
-            <a:off x="952500" y="2590800"/>
-            <a:ext cx="11099700" cy="6286500"/>
-          </a:xfrm>
-          <a:prstGeom prst="rect">
-            <a:avLst/>
-          </a:prstGeom>
-        </p:spPr>
-        <p:txBody>
-          <a:bodyPr lIns="91425" tIns="91425" rIns="91425" bIns="91425" anchor="ctr" anchorCtr="0">
-            <a:noAutofit/>
-          </a:bodyPr>
-          <a:lstStyle/>
-          <a:p>
-            <a:pPr lvl="0">
-              <a:spcBef>
-                <a:spcPts val="0"/>
-              </a:spcBef>
-              <a:buNone/>
-            </a:pPr>
-            <a:r>
-              <a:rPr lang="en-US" dirty="0"/>
-              <a:t>Never ever changes props</a:t>
-            </a:r>
-            <a:r>
-              <a:rPr lang="en-US" dirty="0" smtClean="0"/>
-              <a:t>!</a:t>
-            </a:r>
-          </a:p>
-          <a:p>
-            <a:pPr lvl="0">
-              <a:spcBef>
-                <a:spcPts val="0"/>
-              </a:spcBef>
-              <a:buNone/>
-            </a:pPr>
-            <a:endParaRPr lang="en-US" dirty="0"/>
-          </a:p>
-          <a:p>
-            <a:pPr lvl="0">
-              <a:spcBef>
-                <a:spcPts val="0"/>
-              </a:spcBef>
-              <a:buNone/>
-            </a:pPr>
-            <a:r>
-              <a:rPr lang="en-US" dirty="0"/>
-              <a:t>This is the responsibility for the parent </a:t>
-            </a:r>
-            <a:endParaRPr lang="en-US" dirty="0" smtClean="0"/>
-          </a:p>
-          <a:p>
-            <a:pPr lvl="0">
-              <a:spcBef>
-                <a:spcPts val="0"/>
-              </a:spcBef>
-              <a:buNone/>
-            </a:pPr>
-            <a:r>
-              <a:rPr lang="en-US" dirty="0" smtClean="0"/>
-              <a:t>and </a:t>
-            </a:r>
-            <a:r>
-              <a:rPr lang="en-US" dirty="0"/>
-              <a:t>not the child</a:t>
-            </a:r>
-          </a:p>
-        </p:txBody>
-      </p:sp>
-    </p:spTree>
-    <p:extLst>
-      <p:ext uri="{BB962C8B-B14F-4D97-AF65-F5344CB8AC3E}">
-        <p14:creationId xmlns:p14="http://schemas.microsoft.com/office/powerpoint/2010/main" val="1841852730"/>
-      </p:ext>
-    </p:extLst>
-  </p:cSld>
-  <p:clrMapOvr>
-    <a:masterClrMapping/>
-  </p:clrMapOvr>
-  <p:timing>
-    <p:tnLst>
-      <p:par>
-        <p:cTn id="1" dur="indefinite" restart="never" nodeType="tmRoot"/>
-      </p:par>
-    </p:tnLst>
-  </p:timing>
-</p:sld>
-</file>
-
-<file path=ppt/slides/slide14.xml><?xml version="1.0" encoding="utf-8"?>
+<file path=ppt/slides/slide10.xml><?xml version="1.0" encoding="utf-8"?>
 <p:sld xmlns:a="http://schemas.openxmlformats.org/drawingml/2006/main" xmlns:r="http://schemas.openxmlformats.org/officeDocument/2006/relationships" xmlns:p="http://schemas.openxmlformats.org/presentationml/2006/main">
   <p:cSld>
     <p:spTree>
@@ -13515,7 +12003,7 @@
 </p:sld>
 </file>
 
-<file path=ppt/slides/slide15.xml><?xml version="1.0" encoding="utf-8"?>
+<file path=ppt/slides/slide11.xml><?xml version="1.0" encoding="utf-8"?>
 <p:sld xmlns:a="http://schemas.openxmlformats.org/drawingml/2006/main" xmlns:r="http://schemas.openxmlformats.org/officeDocument/2006/relationships" xmlns:p="http://schemas.openxmlformats.org/presentationml/2006/main">
   <p:cSld>
     <p:spTree>
@@ -13816,161 +12304,7 @@
 </p:sld>
 </file>
 
-<file path=ppt/slides/slide16.xml><?xml version="1.0" encoding="utf-8"?>
-<p:sld xmlns:a="http://schemas.openxmlformats.org/drawingml/2006/main" xmlns:r="http://schemas.openxmlformats.org/officeDocument/2006/relationships" xmlns:p="http://schemas.openxmlformats.org/presentationml/2006/main">
-  <p:cSld>
-    <p:spTree>
-      <p:nvGrpSpPr>
-        <p:cNvPr id="1" name=""/>
-        <p:cNvGrpSpPr/>
-        <p:nvPr/>
-      </p:nvGrpSpPr>
-      <p:grpSpPr>
-        <a:xfrm>
-          <a:off x="0" y="0"/>
-          <a:ext cx="0" cy="0"/>
-          <a:chOff x="0" y="0"/>
-          <a:chExt cx="0" cy="0"/>
-        </a:xfrm>
-      </p:grpSpPr>
-      <p:sp>
-        <p:nvSpPr>
-          <p:cNvPr id="2" name="Title 1"/>
-          <p:cNvSpPr>
-            <a:spLocks noGrp="1"/>
-          </p:cNvSpPr>
-          <p:nvPr>
-            <p:ph type="title"/>
-          </p:nvPr>
-        </p:nvSpPr>
-        <p:spPr>
-          <a:xfrm>
-            <a:off x="952499" y="254000"/>
-            <a:ext cx="11421397" cy="2158999"/>
-          </a:xfrm>
-        </p:spPr>
-        <p:txBody>
-          <a:bodyPr/>
-          <a:lstStyle/>
-          <a:p>
-            <a:r>
-              <a:rPr lang="nl-NL" b="1" dirty="0" err="1" smtClean="0">
-                <a:solidFill>
-                  <a:schemeClr val="bg1"/>
-                </a:solidFill>
-              </a:rPr>
-              <a:t>BookSearch</a:t>
-            </a:r>
-            <a:r>
-              <a:rPr lang="nl-NL" b="1" dirty="0" smtClean="0">
-                <a:solidFill>
-                  <a:schemeClr val="bg1"/>
-                </a:solidFill>
-              </a:rPr>
-              <a:t> </a:t>
-            </a:r>
-            <a:r>
-              <a:rPr lang="nl-NL" b="1" dirty="0" err="1" smtClean="0">
-                <a:solidFill>
-                  <a:schemeClr val="bg1"/>
-                </a:solidFill>
-              </a:rPr>
-              <a:t>and</a:t>
-            </a:r>
-            <a:r>
-              <a:rPr lang="nl-NL" b="1" dirty="0" smtClean="0">
-                <a:solidFill>
-                  <a:schemeClr val="bg1"/>
-                </a:solidFill>
-              </a:rPr>
-              <a:t> </a:t>
-            </a:r>
-            <a:r>
-              <a:rPr lang="nl-NL" b="1" dirty="0" err="1" smtClean="0">
-                <a:solidFill>
-                  <a:schemeClr val="bg1"/>
-                </a:solidFill>
-              </a:rPr>
-              <a:t>DashBoard</a:t>
-            </a:r>
-            <a:endParaRPr lang="en-US" dirty="0">
-              <a:solidFill>
-                <a:schemeClr val="bg1"/>
-              </a:solidFill>
-            </a:endParaRPr>
-          </a:p>
-        </p:txBody>
-      </p:sp>
-      <p:sp>
-        <p:nvSpPr>
-          <p:cNvPr id="3" name="Text Placeholder 2"/>
-          <p:cNvSpPr>
-            <a:spLocks noGrp="1"/>
-          </p:cNvSpPr>
-          <p:nvPr>
-            <p:ph type="body" idx="1"/>
-          </p:nvPr>
-        </p:nvSpPr>
-        <p:spPr/>
-        <p:txBody>
-          <a:bodyPr/>
-          <a:lstStyle/>
-          <a:p>
-            <a:endParaRPr lang="en-US" dirty="0"/>
-          </a:p>
-        </p:txBody>
-      </p:sp>
-      <p:pic>
-        <p:nvPicPr>
-          <p:cNvPr id="5" name="Picture 4"/>
-          <p:cNvPicPr>
-            <a:picLocks noChangeAspect="1"/>
-          </p:cNvPicPr>
-          <p:nvPr/>
-        </p:nvPicPr>
-        <p:blipFill>
-          <a:blip r:embed="rId2">
-            <a:extLst>
-              <a:ext uri="{28A0092B-C50C-407E-A947-70E740481C1C}">
-                <a14:useLocalDpi xmlns:a14="http://schemas.microsoft.com/office/drawing/2010/main" val="0"/>
-              </a:ext>
-            </a:extLst>
-          </a:blip>
-          <a:stretch>
-            <a:fillRect/>
-          </a:stretch>
-        </p:blipFill>
-        <p:spPr>
-          <a:xfrm>
-            <a:off x="952499" y="2607129"/>
-            <a:ext cx="11099800" cy="6700684"/>
-          </a:xfrm>
-          <a:prstGeom prst="rect">
-            <a:avLst/>
-          </a:prstGeom>
-        </p:spPr>
-      </p:pic>
-    </p:spTree>
-    <p:extLst>
-      <p:ext uri="{BB962C8B-B14F-4D97-AF65-F5344CB8AC3E}">
-        <p14:creationId xmlns:p14="http://schemas.microsoft.com/office/powerpoint/2010/main" val="743691890"/>
-      </p:ext>
-    </p:extLst>
-  </p:cSld>
-  <p:clrMapOvr>
-    <a:masterClrMapping/>
-  </p:clrMapOvr>
-  <p:timing>
-    <p:tnLst>
-      <p:par>
-        <p:cTn id="1" dur="indefinite" restart="never" nodeType="tmRoot"/>
-      </p:par>
-    </p:tnLst>
-  </p:timing>
-</p:sld>
-</file>
-
-<file path=ppt/slides/slide17.xml><?xml version="1.0" encoding="utf-8"?>
+<file path=ppt/slides/slide12.xml><?xml version="1.0" encoding="utf-8"?>
 <p:sld xmlns:a="http://schemas.openxmlformats.org/drawingml/2006/main" xmlns:r="http://schemas.openxmlformats.org/officeDocument/2006/relationships" xmlns:p="http://schemas.openxmlformats.org/presentationml/2006/main">
   <p:cSld>
     <p:spTree>
@@ -14003,6 +12337,163 @@
           <a:lstStyle/>
           <a:p>
             <a:r>
+              <a:rPr lang="en-US" dirty="0" smtClean="0"/>
+              <a:t>Promise Syntax</a:t>
+            </a:r>
+            <a:endParaRPr lang="en-US" dirty="0"/>
+          </a:p>
+        </p:txBody>
+      </p:sp>
+      <p:sp>
+        <p:nvSpPr>
+          <p:cNvPr id="3" name="Text Placeholder 2"/>
+          <p:cNvSpPr>
+            <a:spLocks noGrp="1"/>
+          </p:cNvSpPr>
+          <p:nvPr>
+            <p:ph type="body" idx="1"/>
+          </p:nvPr>
+        </p:nvSpPr>
+        <p:spPr/>
+        <p:txBody>
+          <a:bodyPr/>
+          <a:lstStyle/>
+          <a:p>
+            <a:pPr marL="180975" indent="0" algn="ctr">
+              <a:buNone/>
+            </a:pPr>
+            <a:r>
+              <a:rPr lang="nl-NL" sz="4000" dirty="0" err="1"/>
+              <a:t>Service</a:t>
+            </a:r>
+            <a:r>
+              <a:rPr lang="nl-NL" sz="4000" b="1" dirty="0" err="1"/>
+              <a:t>.get</a:t>
+            </a:r>
+            <a:r>
+              <a:rPr lang="nl-NL" sz="4000" b="1" dirty="0" smtClean="0"/>
+              <a:t>()</a:t>
+            </a:r>
+            <a:endParaRPr lang="nl-NL" sz="4000" b="1" dirty="0"/>
+          </a:p>
+          <a:p>
+            <a:pPr marL="180975" indent="0" algn="ctr">
+              <a:buNone/>
+            </a:pPr>
+            <a:r>
+              <a:rPr lang="nl-NL" sz="4000" b="1" dirty="0"/>
+              <a:t>.</a:t>
+            </a:r>
+            <a:r>
+              <a:rPr lang="nl-NL" sz="4000" b="1" dirty="0" err="1"/>
+              <a:t>then</a:t>
+            </a:r>
+            <a:r>
+              <a:rPr lang="nl-NL" sz="4000" dirty="0"/>
+              <a:t>(x </a:t>
+            </a:r>
+            <a:r>
+              <a:rPr lang="nl-NL" sz="4000" dirty="0">
+                <a:sym typeface="Wingdings"/>
+              </a:rPr>
+              <a:t>=&gt; </a:t>
+            </a:r>
+            <a:r>
+              <a:rPr lang="nl-NL" sz="4000" dirty="0" err="1">
+                <a:sym typeface="Wingdings"/>
+              </a:rPr>
+              <a:t>console.log</a:t>
+            </a:r>
+            <a:r>
+              <a:rPr lang="nl-NL" sz="4000">
+                <a:sym typeface="Wingdings"/>
+              </a:rPr>
+              <a:t>(x</a:t>
+            </a:r>
+            <a:r>
+              <a:rPr lang="nl-NL" sz="4000" smtClean="0">
+                <a:sym typeface="Wingdings"/>
+              </a:rPr>
+              <a:t>)</a:t>
+            </a:r>
+            <a:r>
+              <a:rPr lang="nl-NL" sz="4000" smtClean="0"/>
+              <a:t>)</a:t>
+            </a:r>
+            <a:endParaRPr lang="nl-NL" sz="4000" dirty="0"/>
+          </a:p>
+          <a:p>
+            <a:pPr marL="180975" indent="0" algn="ctr">
+              <a:buNone/>
+            </a:pPr>
+            <a:r>
+              <a:rPr lang="nl-NL" sz="4000" b="1" dirty="0"/>
+              <a:t>.catch</a:t>
+            </a:r>
+            <a:r>
+              <a:rPr lang="nl-NL" sz="4000" dirty="0"/>
+              <a:t>(error =&gt; </a:t>
+            </a:r>
+            <a:r>
+              <a:rPr lang="nl-NL" sz="4000" dirty="0" err="1"/>
+              <a:t>console.log</a:t>
+            </a:r>
+            <a:r>
+              <a:rPr lang="nl-NL" sz="4000" dirty="0"/>
+              <a:t>(error))</a:t>
+            </a:r>
+          </a:p>
+          <a:p>
+            <a:endParaRPr lang="en-US" dirty="0"/>
+          </a:p>
+        </p:txBody>
+      </p:sp>
+    </p:spTree>
+    <p:extLst>
+      <p:ext uri="{BB962C8B-B14F-4D97-AF65-F5344CB8AC3E}">
+        <p14:creationId xmlns:p14="http://schemas.microsoft.com/office/powerpoint/2010/main" val="1984069036"/>
+      </p:ext>
+    </p:extLst>
+  </p:cSld>
+  <p:clrMapOvr>
+    <a:masterClrMapping/>
+  </p:clrMapOvr>
+</p:sld>
+</file>
+
+<file path=ppt/slides/slide13.xml><?xml version="1.0" encoding="utf-8"?>
+<p:sld xmlns:a="http://schemas.openxmlformats.org/drawingml/2006/main" xmlns:r="http://schemas.openxmlformats.org/officeDocument/2006/relationships" xmlns:p="http://schemas.openxmlformats.org/presentationml/2006/main">
+  <p:cSld>
+    <p:spTree>
+      <p:nvGrpSpPr>
+        <p:cNvPr id="1" name=""/>
+        <p:cNvGrpSpPr/>
+        <p:nvPr/>
+      </p:nvGrpSpPr>
+      <p:grpSpPr>
+        <a:xfrm>
+          <a:off x="0" y="0"/>
+          <a:ext cx="0" cy="0"/>
+          <a:chOff x="0" y="0"/>
+          <a:chExt cx="0" cy="0"/>
+        </a:xfrm>
+      </p:grpSpPr>
+      <p:sp>
+        <p:nvSpPr>
+          <p:cNvPr id="2" name="Title 1"/>
+          <p:cNvSpPr>
+            <a:spLocks noGrp="1"/>
+          </p:cNvSpPr>
+          <p:nvPr>
+            <p:ph type="title"/>
+          </p:nvPr>
+        </p:nvSpPr>
+        <p:spPr/>
+        <p:txBody>
+          <a:bodyPr/>
+          <a:lstStyle/>
+          <a:p>
+            <a:r>
               <a:rPr lang="en-US" sz="7200" dirty="0" err="1" smtClean="0"/>
               <a:t>BookSearchComponent</a:t>
             </a:r>
@@ -14037,31 +12528,31 @@
               <a:buNone/>
             </a:pPr>
             <a:r>
-              <a:rPr lang="en-US" sz="1800" dirty="0" smtClean="0"/>
+              <a:rPr lang="en-US" sz="2000" dirty="0" smtClean="0"/>
               <a:t>export </a:t>
             </a:r>
             <a:r>
-              <a:rPr lang="en-US" sz="1800" dirty="0"/>
+              <a:rPr lang="en-US" sz="2000" dirty="0"/>
               <a:t>class </a:t>
             </a:r>
             <a:r>
-              <a:rPr lang="en-US" sz="1800" b="1" dirty="0" err="1"/>
+              <a:rPr lang="en-US" sz="2000" b="1" dirty="0" err="1"/>
               <a:t>BookSearch</a:t>
             </a:r>
             <a:r>
-              <a:rPr lang="en-US" sz="1800" dirty="0"/>
+              <a:rPr lang="en-US" sz="2000" dirty="0"/>
               <a:t> extends </a:t>
             </a:r>
             <a:r>
-              <a:rPr lang="en-US" sz="1800" dirty="0" err="1" smtClean="0"/>
+              <a:rPr lang="en-US" sz="2000" dirty="0" err="1" smtClean="0"/>
               <a:t>React.Component</a:t>
             </a:r>
             <a:r>
-              <a:rPr lang="en-US" sz="1800" dirty="0" smtClean="0"/>
+              <a:rPr lang="en-US" sz="2000" dirty="0" smtClean="0"/>
               <a:t> </a:t>
             </a:r>
             <a:r>
-              <a:rPr lang="en-US" sz="1800" dirty="0"/>
+              <a:rPr lang="en-US" sz="2000" dirty="0"/>
               <a:t>{</a:t>
             </a:r>
           </a:p>
@@ -14073,14 +12564,14 @@
               <a:buNone/>
             </a:pPr>
             <a:r>
-              <a:rPr lang="en-US" sz="1800" dirty="0"/>
+              <a:rPr lang="en-US" sz="2000" dirty="0"/>
               <a:t/>
             </a:r>
             <a:br>
-              <a:rPr lang="en-US" sz="1800" dirty="0"/>
+              <a:rPr lang="en-US" sz="2000" dirty="0"/>
             </a:br>
             <a:r>
-              <a:rPr lang="en-US" sz="1800" dirty="0"/>
+              <a:rPr lang="en-US" sz="2000" dirty="0"/>
               <a:t>constructor(props){</a:t>
             </a:r>
           </a:p>
@@ -14092,11 +12583,11 @@
               <a:buNone/>
             </a:pPr>
             <a:r>
-              <a:rPr lang="en-US" sz="1800" dirty="0" smtClean="0"/>
+              <a:rPr lang="en-US" sz="2000" dirty="0" smtClean="0"/>
               <a:t>	super(props</a:t>
             </a:r>
             <a:r>
-              <a:rPr lang="en-US" sz="1800" dirty="0"/>
+              <a:rPr lang="en-US" sz="2000" dirty="0"/>
               <a:t>);</a:t>
             </a:r>
           </a:p>
@@ -14108,11 +12599,11 @@
               <a:buNone/>
             </a:pPr>
             <a:r>
-              <a:rPr lang="en-US" sz="1800" dirty="0" smtClean="0"/>
+              <a:rPr lang="en-US" sz="2000" dirty="0" smtClean="0"/>
               <a:t>	</a:t>
             </a:r>
             <a:r>
-              <a:rPr lang="en-US" sz="1800" b="1" dirty="0" err="1" smtClean="0">
+              <a:rPr lang="en-US" sz="2000" b="1" dirty="0" err="1" smtClean="0">
                 <a:solidFill>
                   <a:srgbClr val="FF0000"/>
                 </a:solidFill>
@@ -14120,7 +12611,7 @@
               <a:t>this.state</a:t>
             </a:r>
             <a:r>
-              <a:rPr lang="en-US" sz="1800" b="1" dirty="0" smtClean="0">
+              <a:rPr lang="en-US" sz="2000" b="1" dirty="0" smtClean="0">
                 <a:solidFill>
                   <a:srgbClr val="FF0000"/>
                 </a:solidFill>
@@ -14128,7 +12619,7 @@
               <a:t> </a:t>
             </a:r>
             <a:r>
-              <a:rPr lang="en-US" sz="1800" b="1" dirty="0">
+              <a:rPr lang="en-US" sz="2000" b="1" dirty="0">
                 <a:solidFill>
                   <a:srgbClr val="FF0000"/>
                 </a:solidFill>
@@ -14144,11 +12635,11 @@
               <a:buNone/>
             </a:pPr>
             <a:r>
-              <a:rPr lang="en-US" sz="1800" dirty="0" smtClean="0"/>
+              <a:rPr lang="en-US" sz="2000" dirty="0" smtClean="0"/>
               <a:t>		books</a:t>
             </a:r>
             <a:r>
-              <a:rPr lang="en-US" sz="1800" dirty="0"/>
+              <a:rPr lang="en-US" sz="2000" dirty="0"/>
               <a:t>: [],</a:t>
             </a:r>
           </a:p>
@@ -14160,18 +12651,18 @@
               <a:buNone/>
             </a:pPr>
             <a:r>
-              <a:rPr lang="en-US" sz="1800" dirty="0" smtClean="0"/>
+              <a:rPr lang="en-US" sz="2000" dirty="0" smtClean="0"/>
               <a:t>	</a:t>
             </a:r>
             <a:r>
-              <a:rPr lang="en-US" sz="1800" b="1" dirty="0" smtClean="0">
+              <a:rPr lang="en-US" sz="2000" b="1" dirty="0" smtClean="0">
                 <a:solidFill>
                   <a:srgbClr val="FF0000"/>
                 </a:solidFill>
               </a:rPr>
               <a:t>}</a:t>
             </a:r>
-            <a:endParaRPr lang="en-US" sz="1800" b="1" dirty="0">
+            <a:endParaRPr lang="en-US" sz="2000" b="1" dirty="0">
               <a:solidFill>
                 <a:srgbClr val="FF0000"/>
               </a:solidFill>
@@ -14185,7 +12676,7 @@
               <a:buNone/>
             </a:pPr>
             <a:r>
-              <a:rPr lang="en-US" sz="1800" dirty="0"/>
+              <a:rPr lang="en-US" sz="2000" dirty="0"/>
               <a:t>}</a:t>
             </a:r>
           </a:p>
@@ -14197,18 +12688,18 @@
               <a:buNone/>
             </a:pPr>
             <a:r>
-              <a:rPr lang="en-US" sz="1800" dirty="0"/>
+              <a:rPr lang="en-US" sz="2000" dirty="0"/>
               <a:t/>
             </a:r>
             <a:br>
-              <a:rPr lang="en-US" sz="1800" dirty="0"/>
+              <a:rPr lang="en-US" sz="2000" dirty="0"/>
             </a:br>
             <a:r>
-              <a:rPr lang="en-US" sz="1800" dirty="0"/>
+              <a:rPr lang="en-US" sz="2000" dirty="0"/>
               <a:t>search = (</a:t>
             </a:r>
             <a:r>
-              <a:rPr lang="en-US" sz="1800" b="1" dirty="0">
+              <a:rPr lang="en-US" sz="2000" b="1" dirty="0">
                 <a:solidFill>
                   <a:srgbClr val="FFC000"/>
                 </a:solidFill>
@@ -14216,7 +12707,7 @@
               <a:t>event</a:t>
             </a:r>
             <a:r>
-              <a:rPr lang="en-US" sz="1800" dirty="0"/>
+              <a:rPr lang="en-US" sz="2000" dirty="0"/>
               <a:t>) =&gt; {</a:t>
             </a:r>
           </a:p>
@@ -14228,11 +12719,11 @@
               <a:buNone/>
             </a:pPr>
             <a:r>
-              <a:rPr lang="en-US" sz="1800" dirty="0"/>
+              <a:rPr lang="en-US" sz="2000" dirty="0"/>
               <a:t>	</a:t>
             </a:r>
             <a:r>
-              <a:rPr lang="en-US" sz="1800" b="1" dirty="0" err="1" smtClean="0">
+              <a:rPr lang="en-US" sz="2000" b="1" dirty="0" err="1" smtClean="0">
                 <a:solidFill>
                   <a:srgbClr val="FFFF00"/>
                 </a:solidFill>
@@ -14240,11 +12731,11 @@
               <a:t>axios.get</a:t>
             </a:r>
             <a:r>
-              <a:rPr lang="en-US" sz="1800" dirty="0"/>
+              <a:rPr lang="en-US" sz="2000" dirty="0"/>
               <a:t>("http://localhost:5000/books/?q=" + </a:t>
             </a:r>
             <a:r>
-              <a:rPr lang="en-US" sz="1800" b="1" dirty="0" err="1">
+              <a:rPr lang="en-US" sz="2000" b="1" dirty="0" err="1">
                 <a:solidFill>
                   <a:srgbClr val="FFC000"/>
                 </a:solidFill>
@@ -14252,11 +12743,27 @@
               <a:t>event.target.value</a:t>
             </a:r>
             <a:r>
-              <a:rPr lang="en-US" sz="1800" dirty="0"/>
-              <a:t>).</a:t>
-            </a:r>
-            <a:r>
-              <a:rPr lang="en-US" sz="1800" b="1" dirty="0">
+              <a:rPr lang="en-US" sz="2000" dirty="0" smtClean="0"/>
+              <a:t>)</a:t>
+            </a:r>
+          </a:p>
+          <a:p>
+            <a:pPr marL="180975" indent="0">
+              <a:spcBef>
+                <a:spcPts val="600"/>
+              </a:spcBef>
+              <a:buNone/>
+            </a:pPr>
+            <a:r>
+              <a:rPr lang="en-US" sz="2000" dirty="0"/>
+              <a:t> </a:t>
+            </a:r>
+            <a:r>
+              <a:rPr lang="en-US" sz="2000" dirty="0" smtClean="0"/>
+              <a:t>          .</a:t>
+            </a:r>
+            <a:r>
+              <a:rPr lang="en-US" sz="2000" b="1" dirty="0">
                 <a:solidFill>
                   <a:srgbClr val="FFFF00"/>
                 </a:solidFill>
@@ -14264,7 +12771,7 @@
               <a:t>then</a:t>
             </a:r>
             <a:r>
-              <a:rPr lang="en-US" sz="1800" dirty="0"/>
+              <a:rPr lang="en-US" sz="2000" dirty="0"/>
               <a:t>((response) =&gt; {</a:t>
             </a:r>
           </a:p>
@@ -14276,11 +12783,11 @@
               <a:buNone/>
             </a:pPr>
             <a:r>
-              <a:rPr lang="en-US" sz="1800" dirty="0" smtClean="0"/>
+              <a:rPr lang="en-US" sz="2000" dirty="0" smtClean="0"/>
               <a:t>		</a:t>
             </a:r>
             <a:r>
-              <a:rPr lang="en-US" sz="1800" b="1" dirty="0" err="1" smtClean="0">
+              <a:rPr lang="en-US" sz="2000" b="1" dirty="0" err="1" smtClean="0">
                 <a:solidFill>
                   <a:srgbClr val="FF0000"/>
                 </a:solidFill>
@@ -14288,7 +12795,7 @@
               <a:t>this.setState</a:t>
             </a:r>
             <a:r>
-              <a:rPr lang="en-US" sz="1800" b="1" dirty="0">
+              <a:rPr lang="en-US" sz="2000" b="1" dirty="0">
                 <a:solidFill>
                   <a:srgbClr val="FF0000"/>
                 </a:solidFill>
@@ -14304,18 +12811,18 @@
               <a:buNone/>
             </a:pPr>
             <a:r>
-              <a:rPr lang="en-US" sz="1800" dirty="0" smtClean="0"/>
+              <a:rPr lang="en-US" sz="2000" dirty="0" smtClean="0"/>
               <a:t>		     books</a:t>
             </a:r>
             <a:r>
-              <a:rPr lang="en-US" sz="1800" dirty="0"/>
+              <a:rPr lang="en-US" sz="2000" dirty="0"/>
               <a:t>: </a:t>
             </a:r>
             <a:r>
-              <a:rPr lang="en-US" sz="1800" dirty="0" err="1"/>
+              <a:rPr lang="en-US" sz="2000" dirty="0" err="1"/>
               <a:t>response.data</a:t>
             </a:r>
-            <a:endParaRPr lang="en-US" sz="1800" dirty="0"/>
+            <a:endParaRPr lang="en-US" sz="2000" dirty="0"/>
           </a:p>
           <a:p>
             <a:pPr marL="180975" indent="0">
@@ -14325,18 +12832,18 @@
               <a:buNone/>
             </a:pPr>
             <a:r>
-              <a:rPr lang="en-US" sz="1800" dirty="0" smtClean="0"/>
+              <a:rPr lang="en-US" sz="2000" dirty="0" smtClean="0"/>
               <a:t>		</a:t>
             </a:r>
             <a:r>
-              <a:rPr lang="en-US" sz="1800" b="1" dirty="0" smtClean="0">
+              <a:rPr lang="en-US" sz="2000" b="1" dirty="0" smtClean="0">
                 <a:solidFill>
                   <a:srgbClr val="FF0000"/>
                 </a:solidFill>
               </a:rPr>
               <a:t>})</a:t>
             </a:r>
-            <a:endParaRPr lang="en-US" sz="1800" b="1" dirty="0">
+            <a:endParaRPr lang="en-US" sz="2000" b="1" dirty="0">
               <a:solidFill>
                 <a:srgbClr val="FF0000"/>
               </a:solidFill>
@@ -14350,10 +12857,10 @@
               <a:buNone/>
             </a:pPr>
             <a:r>
-              <a:rPr lang="en-US" sz="1800" dirty="0" smtClean="0"/>
+              <a:rPr lang="en-US" sz="2000" dirty="0" smtClean="0"/>
               <a:t>	}); </a:t>
             </a:r>
-            <a:endParaRPr lang="en-US" sz="1800" dirty="0"/>
+            <a:endParaRPr lang="en-US" sz="2000" dirty="0"/>
           </a:p>
           <a:p>
             <a:pPr marL="180975" indent="0">
@@ -14363,7 +12870,7 @@
               <a:buNone/>
             </a:pPr>
             <a:r>
-              <a:rPr lang="en-US" sz="1800" dirty="0"/>
+              <a:rPr lang="en-US" sz="2000" dirty="0"/>
               <a:t>};</a:t>
             </a:r>
           </a:p>
@@ -14398,7 +12905,229 @@
 </p:sld>
 </file>
 
-<file path=ppt/slides/slide18.xml><?xml version="1.0" encoding="utf-8"?>
+<file path=ppt/slides/slide14.xml><?xml version="1.0" encoding="utf-8"?>
+<p:sld xmlns:a="http://schemas.openxmlformats.org/drawingml/2006/main" xmlns:r="http://schemas.openxmlformats.org/officeDocument/2006/relationships" xmlns:p="http://schemas.openxmlformats.org/presentationml/2006/main">
+  <p:cSld>
+    <p:spTree>
+      <p:nvGrpSpPr>
+        <p:cNvPr id="1" name=""/>
+        <p:cNvGrpSpPr/>
+        <p:nvPr/>
+      </p:nvGrpSpPr>
+      <p:grpSpPr>
+        <a:xfrm>
+          <a:off x="0" y="0"/>
+          <a:ext cx="0" cy="0"/>
+          <a:chOff x="0" y="0"/>
+          <a:chExt cx="0" cy="0"/>
+        </a:xfrm>
+      </p:grpSpPr>
+      <p:sp>
+        <p:nvSpPr>
+          <p:cNvPr id="2" name="Title 1"/>
+          <p:cNvSpPr>
+            <a:spLocks noGrp="1"/>
+          </p:cNvSpPr>
+          <p:nvPr>
+            <p:ph type="title"/>
+          </p:nvPr>
+        </p:nvSpPr>
+        <p:spPr/>
+        <p:txBody>
+          <a:bodyPr/>
+          <a:lstStyle/>
+          <a:p>
+            <a:r>
+              <a:rPr lang="en-US" dirty="0" err="1" smtClean="0"/>
+              <a:t>Axios</a:t>
+            </a:r>
+            <a:r>
+              <a:rPr lang="en-US" dirty="0" smtClean="0"/>
+              <a:t> Syntax</a:t>
+            </a:r>
+            <a:endParaRPr lang="en-US" dirty="0"/>
+          </a:p>
+        </p:txBody>
+      </p:sp>
+      <p:sp>
+        <p:nvSpPr>
+          <p:cNvPr id="3" name="Text Placeholder 2"/>
+          <p:cNvSpPr>
+            <a:spLocks noGrp="1"/>
+          </p:cNvSpPr>
+          <p:nvPr>
+            <p:ph type="body" idx="1"/>
+          </p:nvPr>
+        </p:nvSpPr>
+        <p:spPr>
+          <a:xfrm>
+            <a:off x="952500" y="2590800"/>
+            <a:ext cx="11898086" cy="6286499"/>
+          </a:xfrm>
+        </p:spPr>
+        <p:txBody>
+          <a:bodyPr/>
+          <a:lstStyle/>
+          <a:p>
+            <a:pPr marL="180975" indent="0">
+              <a:spcBef>
+                <a:spcPts val="600"/>
+              </a:spcBef>
+              <a:buNone/>
+            </a:pPr>
+            <a:r>
+              <a:rPr lang="en-US" sz="4000" b="1" dirty="0" err="1">
+                <a:solidFill>
+                  <a:srgbClr val="FFFF00"/>
+                </a:solidFill>
+              </a:rPr>
+              <a:t>axios.get</a:t>
+            </a:r>
+            <a:r>
+              <a:rPr lang="en-US" sz="4000" dirty="0"/>
+              <a:t>("http://localhost:5000/books/?q=" + </a:t>
+            </a:r>
+            <a:r>
+              <a:rPr lang="en-US" sz="4000" b="1" dirty="0" err="1" smtClean="0">
+                <a:solidFill>
+                  <a:srgbClr val="FFC000"/>
+                </a:solidFill>
+              </a:rPr>
+              <a:t>searchTerm</a:t>
+            </a:r>
+            <a:r>
+              <a:rPr lang="en-US" sz="4000" dirty="0" smtClean="0"/>
+              <a:t>)</a:t>
+            </a:r>
+            <a:endParaRPr lang="en-US" sz="4000" dirty="0"/>
+          </a:p>
+          <a:p>
+            <a:pPr marL="180975" indent="0">
+              <a:spcBef>
+                <a:spcPts val="600"/>
+              </a:spcBef>
+              <a:buNone/>
+            </a:pPr>
+            <a:r>
+              <a:rPr lang="en-US" sz="4000" dirty="0"/>
+              <a:t>           .</a:t>
+            </a:r>
+            <a:r>
+              <a:rPr lang="en-US" sz="4000" b="1" dirty="0">
+                <a:solidFill>
+                  <a:srgbClr val="FFFF00"/>
+                </a:solidFill>
+              </a:rPr>
+              <a:t>then</a:t>
+            </a:r>
+            <a:r>
+              <a:rPr lang="en-US" sz="4000" dirty="0"/>
+              <a:t>((response) =&gt; {</a:t>
+            </a:r>
+          </a:p>
+          <a:p>
+            <a:pPr marL="1069975" lvl="2" indent="0">
+              <a:spcBef>
+                <a:spcPts val="600"/>
+              </a:spcBef>
+              <a:buNone/>
+            </a:pPr>
+            <a:r>
+              <a:rPr lang="en-US" sz="4000" dirty="0"/>
+              <a:t>		</a:t>
+            </a:r>
+            <a:r>
+              <a:rPr lang="en-US" sz="4000" b="1" dirty="0" err="1">
+                <a:solidFill>
+                  <a:srgbClr val="FF0000"/>
+                </a:solidFill>
+              </a:rPr>
+              <a:t>this.setState</a:t>
+            </a:r>
+            <a:r>
+              <a:rPr lang="en-US" sz="4000" b="1" dirty="0">
+                <a:solidFill>
+                  <a:srgbClr val="FF0000"/>
+                </a:solidFill>
+              </a:rPr>
+              <a:t>({</a:t>
+            </a:r>
+          </a:p>
+          <a:p>
+            <a:pPr marL="1069975" lvl="2" indent="0">
+              <a:spcBef>
+                <a:spcPts val="600"/>
+              </a:spcBef>
+              <a:buNone/>
+            </a:pPr>
+            <a:r>
+              <a:rPr lang="en-US" sz="4000" dirty="0"/>
+              <a:t>		     books: </a:t>
+            </a:r>
+            <a:r>
+              <a:rPr lang="en-US" sz="4000" dirty="0" err="1"/>
+              <a:t>response.data</a:t>
+            </a:r>
+            <a:endParaRPr lang="en-US" sz="4000" dirty="0"/>
+          </a:p>
+          <a:p>
+            <a:pPr marL="1069975" lvl="2" indent="0">
+              <a:spcBef>
+                <a:spcPts val="600"/>
+              </a:spcBef>
+              <a:buNone/>
+            </a:pPr>
+            <a:r>
+              <a:rPr lang="en-US" sz="4000" dirty="0"/>
+              <a:t>		</a:t>
+            </a:r>
+            <a:r>
+              <a:rPr lang="en-US" sz="4000" b="1" dirty="0">
+                <a:solidFill>
+                  <a:srgbClr val="FF0000"/>
+                </a:solidFill>
+              </a:rPr>
+              <a:t>})</a:t>
+            </a:r>
+          </a:p>
+          <a:p>
+            <a:pPr marL="180975" indent="0">
+              <a:spcBef>
+                <a:spcPts val="600"/>
+              </a:spcBef>
+              <a:buNone/>
+            </a:pPr>
+            <a:r>
+              <a:rPr lang="en-US" sz="4000" dirty="0"/>
+              <a:t>	}); </a:t>
+            </a:r>
+          </a:p>
+          <a:p>
+            <a:endParaRPr lang="en-US" dirty="0"/>
+          </a:p>
+        </p:txBody>
+      </p:sp>
+    </p:spTree>
+    <p:extLst>
+      <p:ext uri="{BB962C8B-B14F-4D97-AF65-F5344CB8AC3E}">
+        <p14:creationId xmlns:p14="http://schemas.microsoft.com/office/powerpoint/2010/main" val="1528162659"/>
+      </p:ext>
+    </p:extLst>
+  </p:cSld>
+  <p:clrMapOvr>
+    <a:masterClrMapping/>
+  </p:clrMapOvr>
+  <p:timing>
+    <p:tnLst>
+      <p:par>
+        <p:cTn id="1" dur="indefinite" restart="never" nodeType="tmRoot"/>
+      </p:par>
+    </p:tnLst>
+  </p:timing>
+</p:sld>
+</file>
+
+<file path=ppt/slides/slide15.xml><?xml version="1.0" encoding="utf-8"?>
 <p:sld xmlns:a="http://schemas.openxmlformats.org/drawingml/2006/main" xmlns:r="http://schemas.openxmlformats.org/officeDocument/2006/relationships" xmlns:p="http://schemas.openxmlformats.org/presentationml/2006/main">
   <p:cSld>
     <p:spTree>
@@ -14616,7 +13345,7 @@
 </p:sld>
 </file>
 
-<file path=ppt/slides/slide19.xml><?xml version="1.0" encoding="utf-8"?>
+<file path=ppt/slides/slide16.xml><?xml version="1.0" encoding="utf-8"?>
 <p:sld xmlns:a="http://schemas.openxmlformats.org/drawingml/2006/main" xmlns:r="http://schemas.openxmlformats.org/officeDocument/2006/relationships" xmlns:p="http://schemas.openxmlformats.org/presentationml/2006/main">
   <p:cSld>
     <p:spTree>
@@ -15556,121 +14285,7 @@
 </p:sld>
 </file>
 
-<file path=ppt/slides/slide2.xml><?xml version="1.0" encoding="utf-8"?>
-<p:sld xmlns:a="http://schemas.openxmlformats.org/drawingml/2006/main" xmlns:r="http://schemas.openxmlformats.org/officeDocument/2006/relationships" xmlns:p="http://schemas.openxmlformats.org/presentationml/2006/main">
-  <p:cSld>
-    <p:spTree>
-      <p:nvGrpSpPr>
-        <p:cNvPr id="1" name=""/>
-        <p:cNvGrpSpPr/>
-        <p:nvPr/>
-      </p:nvGrpSpPr>
-      <p:grpSpPr>
-        <a:xfrm>
-          <a:off x="0" y="0"/>
-          <a:ext cx="0" cy="0"/>
-          <a:chOff x="0" y="0"/>
-          <a:chExt cx="0" cy="0"/>
-        </a:xfrm>
-      </p:grpSpPr>
-      <p:sp>
-        <p:nvSpPr>
-          <p:cNvPr id="2" name="Title 1"/>
-          <p:cNvSpPr>
-            <a:spLocks noGrp="1"/>
-          </p:cNvSpPr>
-          <p:nvPr>
-            <p:ph type="title"/>
-          </p:nvPr>
-        </p:nvSpPr>
-        <p:spPr/>
-        <p:txBody>
-          <a:bodyPr/>
-          <a:lstStyle/>
-          <a:p>
-            <a:r>
-              <a:rPr lang="en-US" dirty="0" err="1" smtClean="0"/>
-              <a:t>Startingpoint</a:t>
-            </a:r>
-            <a:endParaRPr lang="en-US" dirty="0"/>
-          </a:p>
-        </p:txBody>
-      </p:sp>
-      <p:sp>
-        <p:nvSpPr>
-          <p:cNvPr id="3" name="Text Placeholder 2"/>
-          <p:cNvSpPr>
-            <a:spLocks noGrp="1"/>
-          </p:cNvSpPr>
-          <p:nvPr>
-            <p:ph type="body" idx="1"/>
-          </p:nvPr>
-        </p:nvSpPr>
-        <p:spPr>
-          <a:xfrm>
-            <a:off x="952500" y="2590800"/>
-            <a:ext cx="11603773" cy="6286499"/>
-          </a:xfrm>
-        </p:spPr>
-        <p:txBody>
-          <a:bodyPr/>
-          <a:lstStyle/>
-          <a:p>
-            <a:pPr marL="180975" indent="0" algn="ctr">
-              <a:buNone/>
-            </a:pPr>
-            <a:r>
-              <a:rPr lang="en-US" u="sng" dirty="0" smtClean="0"/>
-              <a:t>Clone:</a:t>
-            </a:r>
-          </a:p>
-          <a:p>
-            <a:pPr marL="180975" indent="0">
-              <a:buNone/>
-            </a:pPr>
-            <a:endParaRPr lang="en-US" dirty="0"/>
-          </a:p>
-          <a:p>
-            <a:pPr marL="180975" indent="0" algn="ctr">
-              <a:buNone/>
-            </a:pPr>
-            <a:r>
-              <a:rPr lang="en-US" sz="2400" b="1" dirty="0"/>
-              <a:t>https://</a:t>
-            </a:r>
-            <a:r>
-              <a:rPr lang="en-US" sz="2400" b="1" dirty="0" err="1"/>
-              <a:t>github.com</a:t>
-            </a:r>
-            <a:r>
-              <a:rPr lang="en-US" sz="2400" b="1" dirty="0"/>
-              <a:t>/petereijgermans11/workshop-</a:t>
-            </a:r>
-            <a:r>
-              <a:rPr lang="en-US" sz="2400" b="1" dirty="0" err="1"/>
-              <a:t>reactjs</a:t>
-            </a:r>
-            <a:r>
-              <a:rPr lang="en-US" sz="2400" b="1" dirty="0"/>
-              <a:t>-angular</a:t>
-            </a:r>
-          </a:p>
-        </p:txBody>
-      </p:sp>
-    </p:spTree>
-    <p:extLst>
-      <p:ext uri="{BB962C8B-B14F-4D97-AF65-F5344CB8AC3E}">
-        <p14:creationId xmlns:p14="http://schemas.microsoft.com/office/powerpoint/2010/main" val="16596794"/>
-      </p:ext>
-    </p:extLst>
-  </p:cSld>
-  <p:clrMapOvr>
-    <a:masterClrMapping/>
-  </p:clrMapOvr>
-</p:sld>
-</file>
-
-<file path=ppt/slides/slide20.xml><?xml version="1.0" encoding="utf-8"?>
+<file path=ppt/slides/slide17.xml><?xml version="1.0" encoding="utf-8"?>
 <p:sld xmlns:a="http://schemas.openxmlformats.org/drawingml/2006/main" xmlns:r="http://schemas.openxmlformats.org/officeDocument/2006/relationships" xmlns:p="http://schemas.openxmlformats.org/presentationml/2006/main">
   <p:cSld>
     <p:spTree>
@@ -16573,7 +15188,7 @@
 </p:sld>
 </file>
 
-<file path=ppt/slides/slide21.xml><?xml version="1.0" encoding="utf-8"?>
+<file path=ppt/slides/slide18.xml><?xml version="1.0" encoding="utf-8"?>
 <p:sld xmlns:a="http://schemas.openxmlformats.org/drawingml/2006/main" xmlns:r="http://schemas.openxmlformats.org/officeDocument/2006/relationships" xmlns:p="http://schemas.openxmlformats.org/presentationml/2006/main">
   <p:cSld>
     <p:spTree>
@@ -16717,7 +15332,7 @@
 </p:sld>
 </file>
 
-<file path=ppt/slides/slide22.xml><?xml version="1.0" encoding="utf-8"?>
+<file path=ppt/slides/slide19.xml><?xml version="1.0" encoding="utf-8"?>
 <p:sld xmlns:a="http://schemas.openxmlformats.org/drawingml/2006/main" xmlns:r="http://schemas.openxmlformats.org/officeDocument/2006/relationships" xmlns:p="http://schemas.openxmlformats.org/presentationml/2006/main">
   <p:cSld>
     <p:spTree>
@@ -16834,7 +15449,308 @@
 </p:sld>
 </file>
 
-<file path=ppt/slides/slide23.xml><?xml version="1.0" encoding="utf-8"?>
+<file path=ppt/slides/slide2.xml><?xml version="1.0" encoding="utf-8"?>
+<p:sld xmlns:a="http://schemas.openxmlformats.org/drawingml/2006/main" xmlns:r="http://schemas.openxmlformats.org/officeDocument/2006/relationships" xmlns:p="http://schemas.openxmlformats.org/presentationml/2006/main">
+  <p:cSld>
+    <p:spTree>
+      <p:nvGrpSpPr>
+        <p:cNvPr id="1" name="Shape 63"/>
+        <p:cNvGrpSpPr/>
+        <p:nvPr/>
+      </p:nvGrpSpPr>
+      <p:grpSpPr>
+        <a:xfrm>
+          <a:off x="0" y="0"/>
+          <a:ext cx="0" cy="0"/>
+          <a:chOff x="0" y="0"/>
+          <a:chExt cx="0" cy="0"/>
+        </a:xfrm>
+      </p:grpSpPr>
+      <p:sp>
+        <p:nvSpPr>
+          <p:cNvPr id="64" name="Shape 64"/>
+          <p:cNvSpPr txBox="1">
+            <a:spLocks noGrp="1"/>
+          </p:cNvSpPr>
+          <p:nvPr>
+            <p:ph type="title"/>
+          </p:nvPr>
+        </p:nvSpPr>
+        <p:spPr>
+          <a:xfrm>
+            <a:off x="952500" y="254000"/>
+            <a:ext cx="11099700" cy="2159100"/>
+          </a:xfrm>
+          <a:prstGeom prst="rect">
+            <a:avLst/>
+          </a:prstGeom>
+        </p:spPr>
+        <p:txBody>
+          <a:bodyPr lIns="91425" tIns="91425" rIns="91425" bIns="91425" anchor="ctr" anchorCtr="0">
+            <a:noAutofit/>
+          </a:bodyPr>
+          <a:lstStyle/>
+          <a:p>
+            <a:pPr lvl="0">
+              <a:spcBef>
+                <a:spcPts val="0"/>
+              </a:spcBef>
+              <a:buNone/>
+            </a:pPr>
+            <a:r>
+              <a:rPr lang="en-US" dirty="0" smtClean="0"/>
+              <a:t>Agenda workshop</a:t>
+            </a:r>
+            <a:endParaRPr lang="en-US" dirty="0"/>
+          </a:p>
+        </p:txBody>
+      </p:sp>
+      <p:sp>
+        <p:nvSpPr>
+          <p:cNvPr id="65" name="Shape 65"/>
+          <p:cNvSpPr txBox="1">
+            <a:spLocks noGrp="1"/>
+          </p:cNvSpPr>
+          <p:nvPr>
+            <p:ph type="body" idx="1"/>
+          </p:nvPr>
+        </p:nvSpPr>
+        <p:spPr>
+          <a:xfrm>
+            <a:off x="2017250" y="2413100"/>
+            <a:ext cx="8970300" cy="6286500"/>
+          </a:xfrm>
+          <a:prstGeom prst="rect">
+            <a:avLst/>
+          </a:prstGeom>
+        </p:spPr>
+        <p:txBody>
+          <a:bodyPr lIns="91425" tIns="91425" rIns="91425" bIns="91425" anchor="ctr" anchorCtr="0">
+            <a:noAutofit/>
+          </a:bodyPr>
+          <a:lstStyle/>
+          <a:p>
+            <a:pPr lvl="0">
+              <a:spcBef>
+                <a:spcPts val="0"/>
+              </a:spcBef>
+              <a:buFontTx/>
+              <a:buChar char="-"/>
+            </a:pPr>
+            <a:r>
+              <a:rPr lang="en-US" dirty="0" err="1" smtClean="0">
+                <a:solidFill>
+                  <a:schemeClr val="bg1"/>
+                </a:solidFill>
+              </a:rPr>
+              <a:t>Keuze</a:t>
+            </a:r>
+            <a:r>
+              <a:rPr lang="en-US" dirty="0" smtClean="0">
+                <a:solidFill>
+                  <a:schemeClr val="bg1"/>
+                </a:solidFill>
+              </a:rPr>
+              <a:t> </a:t>
+            </a:r>
+            <a:r>
+              <a:rPr lang="en-US" dirty="0" err="1" smtClean="0">
+                <a:solidFill>
+                  <a:schemeClr val="accent2">
+                    <a:lumMod val="40000"/>
+                    <a:lumOff val="60000"/>
+                  </a:schemeClr>
+                </a:solidFill>
+              </a:rPr>
+              <a:t>ReactJS</a:t>
+            </a:r>
+            <a:r>
+              <a:rPr lang="en-US" dirty="0">
+                <a:solidFill>
+                  <a:schemeClr val="accent2">
+                    <a:lumMod val="40000"/>
+                    <a:lumOff val="60000"/>
+                  </a:schemeClr>
+                </a:solidFill>
+              </a:rPr>
+              <a:t> </a:t>
+            </a:r>
+            <a:r>
+              <a:rPr lang="en-US" dirty="0" smtClean="0">
+                <a:solidFill>
+                  <a:schemeClr val="bg1"/>
+                </a:solidFill>
+              </a:rPr>
+              <a:t>of </a:t>
+            </a:r>
+            <a:r>
+              <a:rPr lang="en-US" dirty="0" smtClean="0">
+                <a:solidFill>
+                  <a:srgbClr val="FF0000"/>
+                </a:solidFill>
+              </a:rPr>
+              <a:t>Angular</a:t>
+            </a:r>
+          </a:p>
+          <a:p>
+            <a:pPr lvl="0">
+              <a:spcBef>
+                <a:spcPts val="0"/>
+              </a:spcBef>
+              <a:buFontTx/>
+              <a:buChar char="-"/>
+            </a:pPr>
+            <a:endParaRPr lang="en-US" dirty="0" smtClean="0">
+              <a:solidFill>
+                <a:schemeClr val="bg1"/>
+              </a:solidFill>
+            </a:endParaRPr>
+          </a:p>
+          <a:p>
+            <a:pPr lvl="0">
+              <a:spcBef>
+                <a:spcPts val="0"/>
+              </a:spcBef>
+              <a:buFontTx/>
+              <a:buChar char="-"/>
+            </a:pPr>
+            <a:r>
+              <a:rPr lang="en-US" dirty="0" err="1" smtClean="0">
+                <a:solidFill>
+                  <a:schemeClr val="bg1"/>
+                </a:solidFill>
+              </a:rPr>
+              <a:t>Voordracht</a:t>
+            </a:r>
+            <a:r>
+              <a:rPr lang="en-US" dirty="0" smtClean="0">
+                <a:solidFill>
+                  <a:schemeClr val="bg1"/>
+                </a:solidFill>
+              </a:rPr>
+              <a:t> </a:t>
+            </a:r>
+            <a:r>
+              <a:rPr lang="en-US" dirty="0" err="1" smtClean="0">
+                <a:solidFill>
+                  <a:schemeClr val="accent2">
+                    <a:lumMod val="40000"/>
+                    <a:lumOff val="60000"/>
+                  </a:schemeClr>
+                </a:solidFill>
+              </a:rPr>
+              <a:t>ReactJS</a:t>
+            </a:r>
+            <a:endParaRPr lang="en-US" dirty="0" smtClean="0">
+              <a:solidFill>
+                <a:schemeClr val="accent2">
+                  <a:lumMod val="40000"/>
+                  <a:lumOff val="60000"/>
+                </a:schemeClr>
+              </a:solidFill>
+            </a:endParaRPr>
+          </a:p>
+          <a:p>
+            <a:pPr lvl="0">
+              <a:spcBef>
+                <a:spcPts val="0"/>
+              </a:spcBef>
+              <a:buFontTx/>
+              <a:buChar char="-"/>
+            </a:pPr>
+            <a:endParaRPr lang="en-US" dirty="0" smtClean="0">
+              <a:solidFill>
+                <a:schemeClr val="bg1"/>
+              </a:solidFill>
+            </a:endParaRPr>
+          </a:p>
+          <a:p>
+            <a:pPr lvl="0">
+              <a:spcBef>
+                <a:spcPts val="0"/>
+              </a:spcBef>
+              <a:buFontTx/>
+              <a:buChar char="-"/>
+            </a:pPr>
+            <a:r>
+              <a:rPr lang="en-US" dirty="0" err="1" smtClean="0">
+                <a:solidFill>
+                  <a:schemeClr val="bg1"/>
+                </a:solidFill>
+              </a:rPr>
+              <a:t>Voordracht</a:t>
+            </a:r>
+            <a:r>
+              <a:rPr lang="en-US" dirty="0" smtClean="0">
+                <a:solidFill>
+                  <a:schemeClr val="bg1"/>
+                </a:solidFill>
+              </a:rPr>
+              <a:t> </a:t>
+            </a:r>
+            <a:r>
+              <a:rPr lang="en-US" dirty="0" smtClean="0">
+                <a:solidFill>
+                  <a:srgbClr val="FF0000"/>
+                </a:solidFill>
+              </a:rPr>
+              <a:t>Angular</a:t>
+            </a:r>
+          </a:p>
+          <a:p>
+            <a:pPr lvl="0">
+              <a:spcBef>
+                <a:spcPts val="0"/>
+              </a:spcBef>
+              <a:buFontTx/>
+              <a:buChar char="-"/>
+            </a:pPr>
+            <a:endParaRPr lang="en-US" dirty="0" smtClean="0">
+              <a:solidFill>
+                <a:schemeClr val="bg1"/>
+              </a:solidFill>
+            </a:endParaRPr>
+          </a:p>
+          <a:p>
+            <a:pPr lvl="0">
+              <a:spcBef>
+                <a:spcPts val="0"/>
+              </a:spcBef>
+              <a:buFontTx/>
+              <a:buChar char="-"/>
+            </a:pPr>
+            <a:r>
+              <a:rPr lang="en-US" dirty="0" smtClean="0">
+                <a:solidFill>
+                  <a:schemeClr val="bg1"/>
+                </a:solidFill>
+              </a:rPr>
+              <a:t>Start workshop</a:t>
+            </a:r>
+            <a:endParaRPr lang="en-US" dirty="0">
+              <a:solidFill>
+                <a:schemeClr val="bg1"/>
+              </a:solidFill>
+            </a:endParaRPr>
+          </a:p>
+        </p:txBody>
+      </p:sp>
+    </p:spTree>
+  </p:cSld>
+  <p:clrMapOvr>
+    <a:masterClrMapping/>
+  </p:clrMapOvr>
+  <p:timing>
+    <p:tnLst>
+      <p:par>
+        <p:cTn id="1" dur="indefinite" restart="never" nodeType="tmRoot"/>
+      </p:par>
+    </p:tnLst>
+  </p:timing>
+</p:sld>
+</file>
+
+<file path=ppt/slides/slide20.xml><?xml version="1.0" encoding="utf-8"?>
 <p:sld xmlns:a="http://schemas.openxmlformats.org/drawingml/2006/main" xmlns:r="http://schemas.openxmlformats.org/officeDocument/2006/relationships" xmlns:p="http://schemas.openxmlformats.org/presentationml/2006/main">
   <p:cSld>
     <p:spTree>
@@ -16956,7 +15872,7 @@
 </p:sld>
 </file>
 
-<file path=ppt/slides/slide24.xml><?xml version="1.0" encoding="utf-8"?>
+<file path=ppt/slides/slide21.xml><?xml version="1.0" encoding="utf-8"?>
 <p:sld xmlns:a="http://schemas.openxmlformats.org/drawingml/2006/main" xmlns:r="http://schemas.openxmlformats.org/officeDocument/2006/relationships" xmlns:p="http://schemas.openxmlformats.org/presentationml/2006/main">
   <p:cSld>
     <p:spTree>
@@ -17290,7 +16206,7 @@
 </p:sld>
 </file>
 
-<file path=ppt/slides/slide25.xml><?xml version="1.0" encoding="utf-8"?>
+<file path=ppt/slides/slide22.xml><?xml version="1.0" encoding="utf-8"?>
 <p:sld xmlns:a="http://schemas.openxmlformats.org/drawingml/2006/main" xmlns:r="http://schemas.openxmlformats.org/officeDocument/2006/relationships" xmlns:p="http://schemas.openxmlformats.org/presentationml/2006/main">
   <p:cSld>
     <p:spTree>
@@ -17419,7 +16335,7 @@
 </p:sld>
 </file>
 
-<file path=ppt/slides/slide26.xml><?xml version="1.0" encoding="utf-8"?>
+<file path=ppt/slides/slide23.xml><?xml version="1.0" encoding="utf-8"?>
 <p:sld xmlns:a="http://schemas.openxmlformats.org/drawingml/2006/main" xmlns:r="http://schemas.openxmlformats.org/officeDocument/2006/relationships" xmlns:p="http://schemas.openxmlformats.org/presentationml/2006/main">
   <p:cSld>
     <p:spTree>
@@ -17571,7 +16487,7 @@
 </p:sld>
 </file>
 
-<file path=ppt/slides/slide27.xml><?xml version="1.0" encoding="utf-8"?>
+<file path=ppt/slides/slide24.xml><?xml version="1.0" encoding="utf-8"?>
 <p:sld xmlns:a="http://schemas.openxmlformats.org/drawingml/2006/main" xmlns:r="http://schemas.openxmlformats.org/officeDocument/2006/relationships" xmlns:p="http://schemas.openxmlformats.org/presentationml/2006/main">
   <p:cSld>
     <p:spTree>
@@ -17734,7 +16650,7 @@
 </p:sld>
 </file>
 
-<file path=ppt/slides/slide28.xml><?xml version="1.0" encoding="utf-8"?>
+<file path=ppt/slides/slide25.xml><?xml version="1.0" encoding="utf-8"?>
 <p:sld xmlns:a="http://schemas.openxmlformats.org/drawingml/2006/main" xmlns:r="http://schemas.openxmlformats.org/officeDocument/2006/relationships" xmlns:p="http://schemas.openxmlformats.org/presentationml/2006/main">
   <p:cSld>
     <p:spTree>
@@ -17853,702 +16769,7 @@
 </p:sld>
 </file>
 
-<file path=ppt/slides/slide29.xml><?xml version="1.0" encoding="utf-8"?>
-<p:sld xmlns:a="http://schemas.openxmlformats.org/drawingml/2006/main" xmlns:r="http://schemas.openxmlformats.org/officeDocument/2006/relationships" xmlns:p="http://schemas.openxmlformats.org/presentationml/2006/main">
-  <p:cSld>
-    <p:spTree>
-      <p:nvGrpSpPr>
-        <p:cNvPr id="1" name="Shape 189"/>
-        <p:cNvGrpSpPr/>
-        <p:nvPr/>
-      </p:nvGrpSpPr>
-      <p:grpSpPr>
-        <a:xfrm>
-          <a:off x="0" y="0"/>
-          <a:ext cx="0" cy="0"/>
-          <a:chOff x="0" y="0"/>
-          <a:chExt cx="0" cy="0"/>
-        </a:xfrm>
-      </p:grpSpPr>
-      <p:sp>
-        <p:nvSpPr>
-          <p:cNvPr id="190" name="Shape 190"/>
-          <p:cNvSpPr txBox="1">
-            <a:spLocks noGrp="1"/>
-          </p:cNvSpPr>
-          <p:nvPr>
-            <p:ph type="title"/>
-          </p:nvPr>
-        </p:nvSpPr>
-        <p:spPr>
-          <a:xfrm>
-            <a:off x="952500" y="254000"/>
-            <a:ext cx="11099700" cy="2159100"/>
-          </a:xfrm>
-          <a:prstGeom prst="rect">
-            <a:avLst/>
-          </a:prstGeom>
-        </p:spPr>
-        <p:txBody>
-          <a:bodyPr lIns="91425" tIns="91425" rIns="91425" bIns="91425" anchor="ctr" anchorCtr="0">
-            <a:noAutofit/>
-          </a:bodyPr>
-          <a:lstStyle/>
-          <a:p>
-            <a:pPr lvl="0">
-              <a:spcBef>
-                <a:spcPts val="0"/>
-              </a:spcBef>
-              <a:buNone/>
-            </a:pPr>
-            <a:r>
-              <a:rPr lang="en-US"/>
-              <a:t>Example</a:t>
-            </a:r>
-          </a:p>
-        </p:txBody>
-      </p:sp>
-      <p:sp>
-        <p:nvSpPr>
-          <p:cNvPr id="191" name="Shape 191"/>
-          <p:cNvSpPr txBox="1">
-            <a:spLocks noGrp="1"/>
-          </p:cNvSpPr>
-          <p:nvPr>
-            <p:ph type="body" idx="1"/>
-          </p:nvPr>
-        </p:nvSpPr>
-        <p:spPr>
-          <a:xfrm>
-            <a:off x="952500" y="2590800"/>
-            <a:ext cx="11099700" cy="6286500"/>
-          </a:xfrm>
-          <a:prstGeom prst="rect">
-            <a:avLst/>
-          </a:prstGeom>
-        </p:spPr>
-        <p:txBody>
-          <a:bodyPr lIns="91425" tIns="91425" rIns="91425" bIns="91425" anchor="ctr" anchorCtr="0">
-            <a:noAutofit/>
-          </a:bodyPr>
-          <a:lstStyle/>
-          <a:p>
-            <a:pPr marL="0" lvl="0" indent="0" rtl="0">
-              <a:lnSpc>
-                <a:spcPct val="150000"/>
-              </a:lnSpc>
-              <a:spcBef>
-                <a:spcPts val="0"/>
-              </a:spcBef>
-              <a:buNone/>
-            </a:pPr>
-            <a:r>
-              <a:rPr lang="en-US" sz="2000">
-                <a:solidFill>
-                  <a:srgbClr val="99CF50"/>
-                </a:solidFill>
-                <a:latin typeface="Consolas"/>
-                <a:ea typeface="Consolas"/>
-                <a:cs typeface="Consolas"/>
-                <a:sym typeface="Consolas"/>
-              </a:rPr>
-              <a:t>class</a:t>
-            </a:r>
-            <a:r>
-              <a:rPr lang="en-US" sz="2000">
-                <a:solidFill>
-                  <a:srgbClr val="F8F8F8"/>
-                </a:solidFill>
-                <a:latin typeface="Consolas"/>
-                <a:ea typeface="Consolas"/>
-                <a:cs typeface="Consolas"/>
-                <a:sym typeface="Consolas"/>
-              </a:rPr>
-              <a:t> Title </a:t>
-            </a:r>
-            <a:r>
-              <a:rPr lang="en-US" sz="2000">
-                <a:solidFill>
-                  <a:srgbClr val="99CF50"/>
-                </a:solidFill>
-                <a:latin typeface="Consolas"/>
-                <a:ea typeface="Consolas"/>
-                <a:cs typeface="Consolas"/>
-                <a:sym typeface="Consolas"/>
-              </a:rPr>
-              <a:t>extends</a:t>
-            </a:r>
-            <a:r>
-              <a:rPr lang="en-US" sz="2000">
-                <a:solidFill>
-                  <a:srgbClr val="F8F8F8"/>
-                </a:solidFill>
-                <a:latin typeface="Consolas"/>
-                <a:ea typeface="Consolas"/>
-                <a:cs typeface="Consolas"/>
-                <a:sym typeface="Consolas"/>
-              </a:rPr>
-              <a:t> Component {</a:t>
-            </a:r>
-            <a:br>
-              <a:rPr lang="en-US" sz="2000">
-                <a:solidFill>
-                  <a:srgbClr val="F8F8F8"/>
-                </a:solidFill>
-                <a:latin typeface="Consolas"/>
-                <a:ea typeface="Consolas"/>
-                <a:cs typeface="Consolas"/>
-                <a:sym typeface="Consolas"/>
-              </a:rPr>
-            </a:br>
-            <a:r>
-              <a:rPr lang="en-US" sz="2000">
-                <a:solidFill>
-                  <a:srgbClr val="F8F8F8"/>
-                </a:solidFill>
-                <a:latin typeface="Consolas"/>
-                <a:ea typeface="Consolas"/>
-                <a:cs typeface="Consolas"/>
-                <a:sym typeface="Consolas"/>
-              </a:rPr>
-              <a:t>    componentWillMount() {</a:t>
-            </a:r>
-            <a:br>
-              <a:rPr lang="en-US" sz="2000">
-                <a:solidFill>
-                  <a:srgbClr val="F8F8F8"/>
-                </a:solidFill>
-                <a:latin typeface="Consolas"/>
-                <a:ea typeface="Consolas"/>
-                <a:cs typeface="Consolas"/>
-                <a:sym typeface="Consolas"/>
-              </a:rPr>
-            </a:br>
-            <a:r>
-              <a:rPr lang="en-US" sz="2000">
-                <a:solidFill>
-                  <a:srgbClr val="F8F8F8"/>
-                </a:solidFill>
-                <a:latin typeface="Consolas"/>
-                <a:ea typeface="Consolas"/>
-                <a:cs typeface="Consolas"/>
-                <a:sym typeface="Consolas"/>
-              </a:rPr>
-              <a:t>        </a:t>
-            </a:r>
-            <a:r>
-              <a:rPr lang="en-US" sz="2000" u="sng">
-                <a:solidFill>
-                  <a:srgbClr val="F8F8F8"/>
-                </a:solidFill>
-                <a:latin typeface="Consolas"/>
-                <a:ea typeface="Consolas"/>
-                <a:cs typeface="Consolas"/>
-                <a:sym typeface="Consolas"/>
-              </a:rPr>
-              <a:t>console</a:t>
-            </a:r>
-            <a:r>
-              <a:rPr lang="en-US" sz="2000">
-                <a:solidFill>
-                  <a:srgbClr val="DAD085"/>
-                </a:solidFill>
-                <a:latin typeface="Consolas"/>
-                <a:ea typeface="Consolas"/>
-                <a:cs typeface="Consolas"/>
-                <a:sym typeface="Consolas"/>
-              </a:rPr>
-              <a:t>.log</a:t>
-            </a:r>
-            <a:r>
-              <a:rPr lang="en-US" sz="2000">
-                <a:solidFill>
-                  <a:srgbClr val="F8F8F8"/>
-                </a:solidFill>
-                <a:latin typeface="Consolas"/>
-                <a:ea typeface="Consolas"/>
-                <a:cs typeface="Consolas"/>
-                <a:sym typeface="Consolas"/>
-              </a:rPr>
-              <a:t>(</a:t>
-            </a:r>
-            <a:r>
-              <a:rPr lang="en-US" sz="2000">
-                <a:solidFill>
-                  <a:srgbClr val="65B042"/>
-                </a:solidFill>
-                <a:latin typeface="Consolas"/>
-                <a:ea typeface="Consolas"/>
-                <a:cs typeface="Consolas"/>
-                <a:sym typeface="Consolas"/>
-              </a:rPr>
-              <a:t>"I'm mounting now!"</a:t>
-            </a:r>
-            <a:r>
-              <a:rPr lang="en-US" sz="2000">
-                <a:solidFill>
-                  <a:srgbClr val="F8F8F8"/>
-                </a:solidFill>
-                <a:latin typeface="Consolas"/>
-                <a:ea typeface="Consolas"/>
-                <a:cs typeface="Consolas"/>
-                <a:sym typeface="Consolas"/>
-              </a:rPr>
-              <a:t>)</a:t>
-            </a:r>
-            <a:br>
-              <a:rPr lang="en-US" sz="2000">
-                <a:solidFill>
-                  <a:srgbClr val="F8F8F8"/>
-                </a:solidFill>
-                <a:latin typeface="Consolas"/>
-                <a:ea typeface="Consolas"/>
-                <a:cs typeface="Consolas"/>
-                <a:sym typeface="Consolas"/>
-              </a:rPr>
-            </a:br>
-            <a:r>
-              <a:rPr lang="en-US" sz="2000">
-                <a:solidFill>
-                  <a:srgbClr val="F8F8F8"/>
-                </a:solidFill>
-                <a:latin typeface="Consolas"/>
-                <a:ea typeface="Consolas"/>
-                <a:cs typeface="Consolas"/>
-                <a:sym typeface="Consolas"/>
-              </a:rPr>
-              <a:t>    }</a:t>
-            </a:r>
-            <a:br>
-              <a:rPr lang="en-US" sz="2000">
-                <a:solidFill>
-                  <a:srgbClr val="F8F8F8"/>
-                </a:solidFill>
-                <a:latin typeface="Consolas"/>
-                <a:ea typeface="Consolas"/>
-                <a:cs typeface="Consolas"/>
-                <a:sym typeface="Consolas"/>
-              </a:rPr>
-            </a:br>
-            <a:r>
-              <a:rPr lang="en-US" sz="2000">
-                <a:solidFill>
-                  <a:srgbClr val="F8F8F8"/>
-                </a:solidFill>
-                <a:latin typeface="Consolas"/>
-                <a:ea typeface="Consolas"/>
-                <a:cs typeface="Consolas"/>
-                <a:sym typeface="Consolas"/>
-              </a:rPr>
-              <a:t/>
-            </a:r>
-            <a:br>
-              <a:rPr lang="en-US" sz="2000">
-                <a:solidFill>
-                  <a:srgbClr val="F8F8F8"/>
-                </a:solidFill>
-                <a:latin typeface="Consolas"/>
-                <a:ea typeface="Consolas"/>
-                <a:cs typeface="Consolas"/>
-                <a:sym typeface="Consolas"/>
-              </a:rPr>
-            </a:br>
-            <a:r>
-              <a:rPr lang="en-US" sz="2000">
-                <a:solidFill>
-                  <a:srgbClr val="F8F8F8"/>
-                </a:solidFill>
-                <a:latin typeface="Consolas"/>
-                <a:ea typeface="Consolas"/>
-                <a:cs typeface="Consolas"/>
-                <a:sym typeface="Consolas"/>
-              </a:rPr>
-              <a:t>    render() {</a:t>
-            </a:r>
-            <a:br>
-              <a:rPr lang="en-US" sz="2000">
-                <a:solidFill>
-                  <a:srgbClr val="F8F8F8"/>
-                </a:solidFill>
-                <a:latin typeface="Consolas"/>
-                <a:ea typeface="Consolas"/>
-                <a:cs typeface="Consolas"/>
-                <a:sym typeface="Consolas"/>
-              </a:rPr>
-            </a:br>
-            <a:r>
-              <a:rPr lang="en-US" sz="2000">
-                <a:solidFill>
-                  <a:srgbClr val="F8F8F8"/>
-                </a:solidFill>
-                <a:latin typeface="Consolas"/>
-                <a:ea typeface="Consolas"/>
-                <a:cs typeface="Consolas"/>
-                <a:sym typeface="Consolas"/>
-              </a:rPr>
-              <a:t>        </a:t>
-            </a:r>
-            <a:r>
-              <a:rPr lang="en-US" sz="2000">
-                <a:solidFill>
-                  <a:srgbClr val="E28964"/>
-                </a:solidFill>
-                <a:latin typeface="Consolas"/>
-                <a:ea typeface="Consolas"/>
-                <a:cs typeface="Consolas"/>
-                <a:sym typeface="Consolas"/>
-              </a:rPr>
-              <a:t>return</a:t>
-            </a:r>
-            <a:r>
-              <a:rPr lang="en-US" sz="2000">
-                <a:solidFill>
-                  <a:srgbClr val="F8F8F8"/>
-                </a:solidFill>
-                <a:latin typeface="Consolas"/>
-                <a:ea typeface="Consolas"/>
-                <a:cs typeface="Consolas"/>
-                <a:sym typeface="Consolas"/>
-              </a:rPr>
-              <a:t> </a:t>
-            </a:r>
-            <a:r>
-              <a:rPr lang="en-US" sz="2000">
-                <a:solidFill>
-                  <a:srgbClr val="E28964"/>
-                </a:solidFill>
-                <a:latin typeface="Consolas"/>
-                <a:ea typeface="Consolas"/>
-                <a:cs typeface="Consolas"/>
-                <a:sym typeface="Consolas"/>
-              </a:rPr>
-              <a:t>&lt;</a:t>
-            </a:r>
-            <a:r>
-              <a:rPr lang="en-US" sz="2000">
-                <a:solidFill>
-                  <a:srgbClr val="F8F8F8"/>
-                </a:solidFill>
-                <a:latin typeface="Consolas"/>
-                <a:ea typeface="Consolas"/>
-                <a:cs typeface="Consolas"/>
-                <a:sym typeface="Consolas"/>
-              </a:rPr>
-              <a:t>h1</a:t>
-            </a:r>
-            <a:r>
-              <a:rPr lang="en-US" sz="2000">
-                <a:solidFill>
-                  <a:srgbClr val="E28964"/>
-                </a:solidFill>
-                <a:latin typeface="Consolas"/>
-                <a:ea typeface="Consolas"/>
-                <a:cs typeface="Consolas"/>
-                <a:sym typeface="Consolas"/>
-              </a:rPr>
-              <a:t>&gt;</a:t>
-            </a:r>
-            <a:r>
-              <a:rPr lang="en-US" sz="2000">
-                <a:solidFill>
-                  <a:srgbClr val="F8F8F8"/>
-                </a:solidFill>
-                <a:latin typeface="Consolas"/>
-                <a:ea typeface="Consolas"/>
-                <a:cs typeface="Consolas"/>
-                <a:sym typeface="Consolas"/>
-              </a:rPr>
-              <a:t>{</a:t>
-            </a:r>
-            <a:r>
-              <a:rPr lang="en-US" sz="2000">
-                <a:solidFill>
-                  <a:srgbClr val="3E87E3"/>
-                </a:solidFill>
-                <a:latin typeface="Consolas"/>
-                <a:ea typeface="Consolas"/>
-                <a:cs typeface="Consolas"/>
-                <a:sym typeface="Consolas"/>
-              </a:rPr>
-              <a:t>this</a:t>
-            </a:r>
-            <a:r>
-              <a:rPr lang="en-US" sz="2000">
-                <a:solidFill>
-                  <a:srgbClr val="F8F8F8"/>
-                </a:solidFill>
-                <a:latin typeface="Consolas"/>
-                <a:ea typeface="Consolas"/>
-                <a:cs typeface="Consolas"/>
-                <a:sym typeface="Consolas"/>
-              </a:rPr>
-              <a:t>.props.testing}{</a:t>
-            </a:r>
-            <a:r>
-              <a:rPr lang="en-US" sz="2000">
-                <a:solidFill>
-                  <a:srgbClr val="3E87E3"/>
-                </a:solidFill>
-                <a:latin typeface="Consolas"/>
-                <a:ea typeface="Consolas"/>
-                <a:cs typeface="Consolas"/>
-                <a:sym typeface="Consolas"/>
-              </a:rPr>
-              <a:t>this</a:t>
-            </a:r>
-            <a:r>
-              <a:rPr lang="en-US" sz="2000">
-                <a:solidFill>
-                  <a:srgbClr val="F8F8F8"/>
-                </a:solidFill>
-                <a:latin typeface="Consolas"/>
-                <a:ea typeface="Consolas"/>
-                <a:cs typeface="Consolas"/>
-                <a:sym typeface="Consolas"/>
-              </a:rPr>
-              <a:t>.props.children}</a:t>
-            </a:r>
-            <a:r>
-              <a:rPr lang="en-US" sz="2000">
-                <a:solidFill>
-                  <a:srgbClr val="E28964"/>
-                </a:solidFill>
-                <a:latin typeface="Consolas"/>
-                <a:ea typeface="Consolas"/>
-                <a:cs typeface="Consolas"/>
-                <a:sym typeface="Consolas"/>
-              </a:rPr>
-              <a:t>&lt;</a:t>
-            </a:r>
-            <a:r>
-              <a:rPr lang="en-US" sz="2000">
-                <a:solidFill>
-                  <a:srgbClr val="F8F8F8"/>
-                </a:solidFill>
-                <a:latin typeface="Consolas"/>
-                <a:ea typeface="Consolas"/>
-                <a:cs typeface="Consolas"/>
-                <a:sym typeface="Consolas"/>
-              </a:rPr>
-              <a:t>/h1</a:t>
-            </a:r>
-            <a:r>
-              <a:rPr lang="en-US" sz="2000">
-                <a:solidFill>
-                  <a:srgbClr val="E28964"/>
-                </a:solidFill>
-                <a:latin typeface="Consolas"/>
-                <a:ea typeface="Consolas"/>
-                <a:cs typeface="Consolas"/>
-                <a:sym typeface="Consolas"/>
-              </a:rPr>
-              <a:t>&gt;</a:t>
-            </a:r>
-            <a:r>
-              <a:rPr lang="en-US" sz="2000">
-                <a:solidFill>
-                  <a:srgbClr val="F8F8F8"/>
-                </a:solidFill>
-                <a:latin typeface="Consolas"/>
-                <a:ea typeface="Consolas"/>
-                <a:cs typeface="Consolas"/>
-                <a:sym typeface="Consolas"/>
-              </a:rPr>
-              <a:t/>
-            </a:r>
-            <a:br>
-              <a:rPr lang="en-US" sz="2000">
-                <a:solidFill>
-                  <a:srgbClr val="F8F8F8"/>
-                </a:solidFill>
-                <a:latin typeface="Consolas"/>
-                <a:ea typeface="Consolas"/>
-                <a:cs typeface="Consolas"/>
-                <a:sym typeface="Consolas"/>
-              </a:rPr>
-            </a:br>
-            <a:r>
-              <a:rPr lang="en-US" sz="2000">
-                <a:solidFill>
-                  <a:srgbClr val="F8F8F8"/>
-                </a:solidFill>
-                <a:latin typeface="Consolas"/>
-                <a:ea typeface="Consolas"/>
-                <a:cs typeface="Consolas"/>
-                <a:sym typeface="Consolas"/>
-              </a:rPr>
-              <a:t>    }</a:t>
-            </a:r>
-            <a:br>
-              <a:rPr lang="en-US" sz="2000">
-                <a:solidFill>
-                  <a:srgbClr val="F8F8F8"/>
-                </a:solidFill>
-                <a:latin typeface="Consolas"/>
-                <a:ea typeface="Consolas"/>
-                <a:cs typeface="Consolas"/>
-                <a:sym typeface="Consolas"/>
-              </a:rPr>
-            </a:br>
-            <a:r>
-              <a:rPr lang="en-US" sz="2000">
-                <a:solidFill>
-                  <a:srgbClr val="F8F8F8"/>
-                </a:solidFill>
-                <a:latin typeface="Consolas"/>
-                <a:ea typeface="Consolas"/>
-                <a:cs typeface="Consolas"/>
-                <a:sym typeface="Consolas"/>
-              </a:rPr>
-              <a:t>}</a:t>
-            </a:r>
-          </a:p>
-        </p:txBody>
-      </p:sp>
-    </p:spTree>
-  </p:cSld>
-  <p:clrMapOvr>
-    <a:masterClrMapping/>
-  </p:clrMapOvr>
-  <p:timing>
-    <p:tnLst>
-      <p:par>
-        <p:cTn id="1" dur="indefinite" restart="never" nodeType="tmRoot"/>
-      </p:par>
-    </p:tnLst>
-  </p:timing>
-</p:sld>
-</file>
-
-<file path=ppt/slides/slide3.xml><?xml version="1.0" encoding="utf-8"?>
-<p:sld xmlns:a="http://schemas.openxmlformats.org/drawingml/2006/main" xmlns:r="http://schemas.openxmlformats.org/officeDocument/2006/relationships" xmlns:p="http://schemas.openxmlformats.org/presentationml/2006/main">
-  <p:cSld>
-    <p:spTree>
-      <p:nvGrpSpPr>
-        <p:cNvPr id="1" name="Shape 63"/>
-        <p:cNvGrpSpPr/>
-        <p:nvPr/>
-      </p:nvGrpSpPr>
-      <p:grpSpPr>
-        <a:xfrm>
-          <a:off x="0" y="0"/>
-          <a:ext cx="0" cy="0"/>
-          <a:chOff x="0" y="0"/>
-          <a:chExt cx="0" cy="0"/>
-        </a:xfrm>
-      </p:grpSpPr>
-      <p:sp>
-        <p:nvSpPr>
-          <p:cNvPr id="64" name="Shape 64"/>
-          <p:cNvSpPr txBox="1">
-            <a:spLocks noGrp="1"/>
-          </p:cNvSpPr>
-          <p:nvPr>
-            <p:ph type="title"/>
-          </p:nvPr>
-        </p:nvSpPr>
-        <p:spPr>
-          <a:xfrm>
-            <a:off x="952500" y="254000"/>
-            <a:ext cx="11099700" cy="2159100"/>
-          </a:xfrm>
-          <a:prstGeom prst="rect">
-            <a:avLst/>
-          </a:prstGeom>
-        </p:spPr>
-        <p:txBody>
-          <a:bodyPr lIns="91425" tIns="91425" rIns="91425" bIns="91425" anchor="ctr" anchorCtr="0">
-            <a:noAutofit/>
-          </a:bodyPr>
-          <a:lstStyle/>
-          <a:p>
-            <a:pPr lvl="0">
-              <a:spcBef>
-                <a:spcPts val="0"/>
-              </a:spcBef>
-              <a:buNone/>
-            </a:pPr>
-            <a:r>
-              <a:rPr lang="en-US"/>
-              <a:t>What?</a:t>
-            </a:r>
-          </a:p>
-        </p:txBody>
-      </p:sp>
-      <p:sp>
-        <p:nvSpPr>
-          <p:cNvPr id="65" name="Shape 65"/>
-          <p:cNvSpPr txBox="1">
-            <a:spLocks noGrp="1"/>
-          </p:cNvSpPr>
-          <p:nvPr>
-            <p:ph type="body" idx="1"/>
-          </p:nvPr>
-        </p:nvSpPr>
-        <p:spPr>
-          <a:xfrm>
-            <a:off x="2017250" y="2413100"/>
-            <a:ext cx="8970300" cy="6286500"/>
-          </a:xfrm>
-          <a:prstGeom prst="rect">
-            <a:avLst/>
-          </a:prstGeom>
-        </p:spPr>
-        <p:txBody>
-          <a:bodyPr lIns="91425" tIns="91425" rIns="91425" bIns="91425" anchor="ctr" anchorCtr="0">
-            <a:noAutofit/>
-          </a:bodyPr>
-          <a:lstStyle/>
-          <a:p>
-            <a:pPr lvl="0" algn="ctr">
-              <a:spcBef>
-                <a:spcPts val="0"/>
-              </a:spcBef>
-              <a:buNone/>
-            </a:pPr>
-            <a:r>
-              <a:rPr lang="en-US" dirty="0"/>
-              <a:t>React is a </a:t>
-            </a:r>
-            <a:r>
-              <a:rPr lang="en-US" sz="4400" dirty="0">
-                <a:solidFill>
-                  <a:srgbClr val="FFFF00"/>
-                </a:solidFill>
-              </a:rPr>
-              <a:t>library</a:t>
-            </a:r>
-            <a:r>
-              <a:rPr lang="en-US" dirty="0"/>
-              <a:t> for building </a:t>
-            </a:r>
-            <a:r>
-              <a:rPr lang="en-US" dirty="0" err="1"/>
-              <a:t>composable</a:t>
-            </a:r>
-            <a:r>
-              <a:rPr lang="en-US" dirty="0"/>
-              <a:t> user interfaces</a:t>
-            </a:r>
-          </a:p>
-        </p:txBody>
-      </p:sp>
-    </p:spTree>
-  </p:cSld>
-  <p:clrMapOvr>
-    <a:masterClrMapping/>
-  </p:clrMapOvr>
-  <p:timing>
-    <p:tnLst>
-      <p:par>
-        <p:cTn id="1" dur="indefinite" restart="never" nodeType="tmRoot"/>
-      </p:par>
-    </p:tnLst>
-  </p:timing>
-</p:sld>
-</file>
-
-<file path=ppt/slides/slide30.xml><?xml version="1.0" encoding="utf-8"?>
+<file path=ppt/slides/slide26.xml><?xml version="1.0" encoding="utf-8"?>
 <p:sld xmlns:a="http://schemas.openxmlformats.org/drawingml/2006/main" xmlns:r="http://schemas.openxmlformats.org/officeDocument/2006/relationships" xmlns:p="http://schemas.openxmlformats.org/presentationml/2006/main">
   <p:cSld>
     <p:spTree>
@@ -18687,7 +16908,189 @@
 </p:sld>
 </file>
 
+<file path=ppt/slides/slide3.xml><?xml version="1.0" encoding="utf-8"?>
+<p:sld xmlns:a="http://schemas.openxmlformats.org/drawingml/2006/main" xmlns:r="http://schemas.openxmlformats.org/officeDocument/2006/relationships" xmlns:p="http://schemas.openxmlformats.org/presentationml/2006/main">
+  <p:cSld>
+    <p:spTree>
+      <p:nvGrpSpPr>
+        <p:cNvPr id="1" name=""/>
+        <p:cNvGrpSpPr/>
+        <p:nvPr/>
+      </p:nvGrpSpPr>
+      <p:grpSpPr>
+        <a:xfrm>
+          <a:off x="0" y="0"/>
+          <a:ext cx="0" cy="0"/>
+          <a:chOff x="0" y="0"/>
+          <a:chExt cx="0" cy="0"/>
+        </a:xfrm>
+      </p:grpSpPr>
+      <p:sp>
+        <p:nvSpPr>
+          <p:cNvPr id="2" name="Title 1"/>
+          <p:cNvSpPr>
+            <a:spLocks noGrp="1"/>
+          </p:cNvSpPr>
+          <p:nvPr>
+            <p:ph type="title"/>
+          </p:nvPr>
+        </p:nvSpPr>
+        <p:spPr/>
+        <p:txBody>
+          <a:bodyPr/>
+          <a:lstStyle/>
+          <a:p>
+            <a:r>
+              <a:rPr lang="en-US" dirty="0" err="1" smtClean="0"/>
+              <a:t>Combinaties</a:t>
+            </a:r>
+            <a:endParaRPr lang="en-US" dirty="0"/>
+          </a:p>
+        </p:txBody>
+      </p:sp>
+      <p:sp>
+        <p:nvSpPr>
+          <p:cNvPr id="3" name="Text Placeholder 2"/>
+          <p:cNvSpPr>
+            <a:spLocks noGrp="1"/>
+          </p:cNvSpPr>
+          <p:nvPr>
+            <p:ph type="body" idx="1"/>
+          </p:nvPr>
+        </p:nvSpPr>
+        <p:spPr/>
+        <p:txBody>
+          <a:bodyPr/>
+          <a:lstStyle/>
+          <a:p>
+            <a:r>
+              <a:rPr lang="en-US" dirty="0" err="1" smtClean="0">
+                <a:solidFill>
+                  <a:schemeClr val="accent2">
+                    <a:lumMod val="40000"/>
+                    <a:lumOff val="60000"/>
+                  </a:schemeClr>
+                </a:solidFill>
+              </a:rPr>
+              <a:t>ReactJS</a:t>
+            </a:r>
+            <a:r>
+              <a:rPr lang="en-US" dirty="0" smtClean="0">
+                <a:solidFill>
+                  <a:schemeClr val="accent2">
+                    <a:lumMod val="40000"/>
+                    <a:lumOff val="60000"/>
+                  </a:schemeClr>
+                </a:solidFill>
+              </a:rPr>
+              <a:t> </a:t>
+            </a:r>
+            <a:r>
+              <a:rPr lang="en-US" dirty="0" smtClean="0">
+                <a:solidFill>
+                  <a:schemeClr val="bg1"/>
+                </a:solidFill>
+              </a:rPr>
+              <a:t>+ AXIOS</a:t>
+            </a:r>
+          </a:p>
+          <a:p>
+            <a:r>
+              <a:rPr lang="en-US" dirty="0" smtClean="0">
+                <a:solidFill>
+                  <a:srgbClr val="FF0000"/>
+                </a:solidFill>
+              </a:rPr>
+              <a:t>Angular</a:t>
+            </a:r>
+            <a:r>
+              <a:rPr lang="en-US" dirty="0" smtClean="0"/>
+              <a:t> + Promises of Observables</a:t>
+            </a:r>
+            <a:endParaRPr lang="en-US" dirty="0"/>
+          </a:p>
+        </p:txBody>
+      </p:sp>
+    </p:spTree>
+    <p:extLst>
+      <p:ext uri="{BB962C8B-B14F-4D97-AF65-F5344CB8AC3E}">
+        <p14:creationId xmlns:p14="http://schemas.microsoft.com/office/powerpoint/2010/main" val="1388052567"/>
+      </p:ext>
+    </p:extLst>
+  </p:cSld>
+  <p:clrMapOvr>
+    <a:masterClrMapping/>
+  </p:clrMapOvr>
+  <p:timing>
+    <p:tnLst>
+      <p:par>
+        <p:cTn id="1" dur="indefinite" restart="never" nodeType="tmRoot"/>
+      </p:par>
+    </p:tnLst>
+  </p:timing>
+</p:sld>
+</file>
+
 <file path=ppt/slides/slide4.xml><?xml version="1.0" encoding="utf-8"?>
+<p:sld xmlns:a="http://schemas.openxmlformats.org/drawingml/2006/main" xmlns:r="http://schemas.openxmlformats.org/officeDocument/2006/relationships" xmlns:p="http://schemas.openxmlformats.org/presentationml/2006/main">
+  <p:cSld>
+    <p:spTree>
+      <p:nvGrpSpPr>
+        <p:cNvPr id="1" name="Shape 58"/>
+        <p:cNvGrpSpPr/>
+        <p:nvPr/>
+      </p:nvGrpSpPr>
+      <p:grpSpPr>
+        <a:xfrm>
+          <a:off x="0" y="0"/>
+          <a:ext cx="0" cy="0"/>
+          <a:chOff x="0" y="0"/>
+          <a:chExt cx="0" cy="0"/>
+        </a:xfrm>
+      </p:grpSpPr>
+      <p:pic>
+        <p:nvPicPr>
+          <p:cNvPr id="59" name="Shape 59"/>
+          <p:cNvPicPr preferRelativeResize="0"/>
+          <p:nvPr/>
+        </p:nvPicPr>
+        <p:blipFill rotWithShape="1">
+          <a:blip r:embed="rId3">
+            <a:alphaModFix/>
+          </a:blip>
+          <a:srcRect/>
+          <a:stretch/>
+        </p:blipFill>
+        <p:spPr>
+          <a:xfrm>
+            <a:off x="0" y="2763519"/>
+            <a:ext cx="13004799" cy="4226559"/>
+          </a:xfrm>
+          <a:prstGeom prst="rect">
+            <a:avLst/>
+          </a:prstGeom>
+          <a:noFill/>
+          <a:ln>
+            <a:noFill/>
+          </a:ln>
+        </p:spPr>
+      </p:pic>
+    </p:spTree>
+  </p:cSld>
+  <p:clrMapOvr>
+    <a:masterClrMapping/>
+  </p:clrMapOvr>
+  <p:timing>
+    <p:tnLst>
+      <p:par>
+        <p:cTn id="1" dur="indefinite" restart="never" nodeType="tmRoot"/>
+      </p:par>
+    </p:tnLst>
+  </p:timing>
+</p:sld>
+</file>
+
+<file path=ppt/slides/slide5.xml><?xml version="1.0" encoding="utf-8"?>
 <p:sld xmlns:a="http://schemas.openxmlformats.org/drawingml/2006/main" xmlns:r="http://schemas.openxmlformats.org/officeDocument/2006/relationships" xmlns:p="http://schemas.openxmlformats.org/presentationml/2006/main">
   <p:cSld>
     <p:spTree>
@@ -18729,620 +17132,6 @@
           </a:bodyPr>
           <a:lstStyle/>
           <a:p>
-            <a:pPr lvl="0" rtl="0">
-              <a:spcBef>
-                <a:spcPts val="0"/>
-              </a:spcBef>
-              <a:buNone/>
-            </a:pPr>
-            <a:r>
-              <a:rPr lang="en-US"/>
-              <a:t>Why?</a:t>
-            </a:r>
-          </a:p>
-        </p:txBody>
-      </p:sp>
-      <p:sp>
-        <p:nvSpPr>
-          <p:cNvPr id="71" name="Shape 71"/>
-          <p:cNvSpPr txBox="1">
-            <a:spLocks noGrp="1"/>
-          </p:cNvSpPr>
-          <p:nvPr>
-            <p:ph type="body" idx="1"/>
-          </p:nvPr>
-        </p:nvSpPr>
-        <p:spPr>
-          <a:xfrm>
-            <a:off x="2017250" y="2413100"/>
-            <a:ext cx="8970300" cy="6286500"/>
-          </a:xfrm>
-          <a:prstGeom prst="rect">
-            <a:avLst/>
-          </a:prstGeom>
-        </p:spPr>
-        <p:txBody>
-          <a:bodyPr lIns="91425" tIns="91425" rIns="91425" bIns="91425" anchor="ctr" anchorCtr="0">
-            <a:noAutofit/>
-          </a:bodyPr>
-          <a:lstStyle/>
-          <a:p>
-            <a:pPr lvl="0" algn="ctr" rtl="0">
-              <a:spcBef>
-                <a:spcPts val="0"/>
-              </a:spcBef>
-              <a:buNone/>
-            </a:pPr>
-            <a:r>
-              <a:rPr lang="en-US"/>
-              <a:t>Have the ability to split UI in components</a:t>
-            </a:r>
-          </a:p>
-          <a:p>
-            <a:pPr lvl="0" algn="ctr" rtl="0">
-              <a:spcBef>
-                <a:spcPts val="0"/>
-              </a:spcBef>
-              <a:buNone/>
-            </a:pPr>
-            <a:r>
-              <a:rPr lang="en-US"/>
-              <a:t>DOM is slow, React makes this faster</a:t>
-            </a:r>
-          </a:p>
-        </p:txBody>
-      </p:sp>
-    </p:spTree>
-  </p:cSld>
-  <p:clrMapOvr>
-    <a:masterClrMapping/>
-  </p:clrMapOvr>
-  <p:timing>
-    <p:tnLst>
-      <p:par>
-        <p:cTn id="1" dur="indefinite" restart="never" nodeType="tmRoot"/>
-      </p:par>
-    </p:tnLst>
-  </p:timing>
-</p:sld>
-</file>
-
-<file path=ppt/slides/slide5.xml><?xml version="1.0" encoding="utf-8"?>
-<p:sld xmlns:a="http://schemas.openxmlformats.org/drawingml/2006/main" xmlns:r="http://schemas.openxmlformats.org/officeDocument/2006/relationships" xmlns:p="http://schemas.openxmlformats.org/presentationml/2006/main">
-  <p:cSld>
-    <p:spTree>
-      <p:nvGrpSpPr>
-        <p:cNvPr id="1" name="Shape 75"/>
-        <p:cNvGrpSpPr/>
-        <p:nvPr/>
-      </p:nvGrpSpPr>
-      <p:grpSpPr>
-        <a:xfrm>
-          <a:off x="0" y="0"/>
-          <a:ext cx="0" cy="0"/>
-          <a:chOff x="0" y="0"/>
-          <a:chExt cx="0" cy="0"/>
-        </a:xfrm>
-      </p:grpSpPr>
-      <p:sp>
-        <p:nvSpPr>
-          <p:cNvPr id="76" name="Shape 76"/>
-          <p:cNvSpPr txBox="1">
-            <a:spLocks noGrp="1"/>
-          </p:cNvSpPr>
-          <p:nvPr>
-            <p:ph type="title"/>
-          </p:nvPr>
-        </p:nvSpPr>
-        <p:spPr>
-          <a:xfrm>
-            <a:off x="952500" y="254000"/>
-            <a:ext cx="11099799" cy="2158999"/>
-          </a:xfrm>
-          <a:prstGeom prst="rect">
-            <a:avLst/>
-          </a:prstGeom>
-          <a:noFill/>
-          <a:ln>
-            <a:noFill/>
-          </a:ln>
-        </p:spPr>
-        <p:txBody>
-          <a:bodyPr lIns="50800" tIns="50800" rIns="50800" bIns="50800" anchor="ctr" anchorCtr="0">
-            <a:noAutofit/>
-          </a:bodyPr>
-          <a:lstStyle/>
-          <a:p>
-            <a:pPr marL="0" marR="0" lvl="0" indent="0" algn="ctr" rtl="0">
-              <a:lnSpc>
-                <a:spcPct val="100000"/>
-              </a:lnSpc>
-              <a:spcBef>
-                <a:spcPts val="0"/>
-              </a:spcBef>
-              <a:spcAft>
-                <a:spcPts val="0"/>
-              </a:spcAft>
-              <a:buClr>
-                <a:srgbClr val="FFFFFF"/>
-              </a:buClr>
-              <a:buSzPct val="25000"/>
-              <a:buFont typeface="Helvetica Neue"/>
-              <a:buNone/>
-            </a:pPr>
-            <a:r>
-              <a:rPr lang="en-US" sz="8000" b="0" i="0" u="none" strike="noStrike" cap="none">
-                <a:solidFill>
-                  <a:srgbClr val="FFFFFF"/>
-                </a:solidFill>
-                <a:latin typeface="Helvetica Neue"/>
-                <a:ea typeface="Helvetica Neue"/>
-                <a:cs typeface="Helvetica Neue"/>
-                <a:sym typeface="Helvetica Neue"/>
-              </a:rPr>
-              <a:t>Features</a:t>
-            </a:r>
-          </a:p>
-        </p:txBody>
-      </p:sp>
-      <p:sp>
-        <p:nvSpPr>
-          <p:cNvPr id="77" name="Shape 77"/>
-          <p:cNvSpPr txBox="1">
-            <a:spLocks noGrp="1"/>
-          </p:cNvSpPr>
-          <p:nvPr>
-            <p:ph type="body" idx="1"/>
-          </p:nvPr>
-        </p:nvSpPr>
-        <p:spPr>
-          <a:xfrm>
-            <a:off x="952500" y="2590800"/>
-            <a:ext cx="11099799" cy="6286499"/>
-          </a:xfrm>
-          <a:prstGeom prst="rect">
-            <a:avLst/>
-          </a:prstGeom>
-          <a:noFill/>
-          <a:ln>
-            <a:noFill/>
-          </a:ln>
-        </p:spPr>
-        <p:txBody>
-          <a:bodyPr lIns="50800" tIns="50800" rIns="50800" bIns="50800" anchor="ctr" anchorCtr="0">
-            <a:noAutofit/>
-          </a:bodyPr>
-          <a:lstStyle/>
-          <a:p>
-            <a:pPr marL="444500" marR="0" lvl="0" indent="-444500" algn="l" rtl="0">
-              <a:lnSpc>
-                <a:spcPct val="100000"/>
-              </a:lnSpc>
-              <a:spcBef>
-                <a:spcPts val="0"/>
-              </a:spcBef>
-              <a:spcAft>
-                <a:spcPts val="0"/>
-              </a:spcAft>
-              <a:buClr>
-                <a:srgbClr val="FFFFFF"/>
-              </a:buClr>
-              <a:buSzPct val="75000"/>
-              <a:buFont typeface="Helvetica Neue"/>
-              <a:buChar char="•"/>
-            </a:pPr>
-            <a:r>
-              <a:rPr lang="en-US" sz="3800" b="0" i="0" u="none" strike="noStrike" cap="none">
-                <a:solidFill>
-                  <a:srgbClr val="FFFFFF"/>
-                </a:solidFill>
-                <a:latin typeface="Helvetica Neue"/>
-                <a:ea typeface="Helvetica Neue"/>
-                <a:cs typeface="Helvetica Neue"/>
-                <a:sym typeface="Helvetica Neue"/>
-              </a:rPr>
-              <a:t>Virtual DOM</a:t>
-            </a:r>
-          </a:p>
-          <a:p>
-            <a:pPr marL="444500" marR="0" lvl="0" indent="-444500" algn="l" rtl="0">
-              <a:lnSpc>
-                <a:spcPct val="100000"/>
-              </a:lnSpc>
-              <a:spcBef>
-                <a:spcPts val="4200"/>
-              </a:spcBef>
-              <a:spcAft>
-                <a:spcPts val="0"/>
-              </a:spcAft>
-              <a:buClr>
-                <a:srgbClr val="FFFFFF"/>
-              </a:buClr>
-              <a:buSzPct val="75000"/>
-              <a:buFont typeface="Helvetica Neue"/>
-              <a:buChar char="•"/>
-            </a:pPr>
-            <a:r>
-              <a:rPr lang="en-US" sz="3800" b="0" i="0" u="none" strike="noStrike" cap="none">
-                <a:solidFill>
-                  <a:srgbClr val="FFFFFF"/>
-                </a:solidFill>
-                <a:latin typeface="Helvetica Neue"/>
-                <a:ea typeface="Helvetica Neue"/>
-                <a:cs typeface="Helvetica Neue"/>
-                <a:sym typeface="Helvetica Neue"/>
-              </a:rPr>
-              <a:t>One-way data flow</a:t>
-            </a:r>
-          </a:p>
-          <a:p>
-            <a:pPr marL="444500" marR="0" lvl="0" indent="-444500" algn="l" rtl="0">
-              <a:lnSpc>
-                <a:spcPct val="100000"/>
-              </a:lnSpc>
-              <a:spcBef>
-                <a:spcPts val="4200"/>
-              </a:spcBef>
-              <a:spcAft>
-                <a:spcPts val="0"/>
-              </a:spcAft>
-              <a:buClr>
-                <a:srgbClr val="FFFFFF"/>
-              </a:buClr>
-              <a:buSzPct val="75000"/>
-              <a:buFont typeface="Helvetica Neue"/>
-              <a:buChar char="•"/>
-            </a:pPr>
-            <a:r>
-              <a:rPr lang="en-US" sz="3800" b="0" i="0" u="none" strike="noStrike" cap="none">
-                <a:solidFill>
-                  <a:srgbClr val="FFFFFF"/>
-                </a:solidFill>
-                <a:latin typeface="Helvetica Neue"/>
-                <a:ea typeface="Helvetica Neue"/>
-                <a:cs typeface="Helvetica Neue"/>
-                <a:sym typeface="Helvetica Neue"/>
-              </a:rPr>
-              <a:t>JSX</a:t>
-            </a:r>
-          </a:p>
-          <a:p>
-            <a:pPr marL="444500" marR="0" lvl="0" indent="-444500" algn="l" rtl="0">
-              <a:lnSpc>
-                <a:spcPct val="100000"/>
-              </a:lnSpc>
-              <a:spcBef>
-                <a:spcPts val="4200"/>
-              </a:spcBef>
-              <a:spcAft>
-                <a:spcPts val="0"/>
-              </a:spcAft>
-              <a:buClr>
-                <a:srgbClr val="FFFFFF"/>
-              </a:buClr>
-              <a:buSzPct val="75000"/>
-              <a:buFont typeface="Helvetica Neue"/>
-              <a:buChar char="•"/>
-            </a:pPr>
-            <a:r>
-              <a:rPr lang="en-US" sz="3800" b="0" i="0" u="none" strike="noStrike" cap="none">
-                <a:solidFill>
-                  <a:srgbClr val="FFFFFF"/>
-                </a:solidFill>
-                <a:latin typeface="Helvetica Neue"/>
-                <a:ea typeface="Helvetica Neue"/>
-                <a:cs typeface="Helvetica Neue"/>
-                <a:sym typeface="Helvetica Neue"/>
-              </a:rPr>
-              <a:t>React-native</a:t>
-            </a:r>
-          </a:p>
-        </p:txBody>
-      </p:sp>
-    </p:spTree>
-  </p:cSld>
-  <p:clrMapOvr>
-    <a:masterClrMapping/>
-  </p:clrMapOvr>
-  <p:timing>
-    <p:tnLst>
-      <p:par>
-        <p:cTn id="1" dur="indefinite" restart="never" nodeType="tmRoot"/>
-      </p:par>
-    </p:tnLst>
-  </p:timing>
-</p:sld>
-</file>
-
-<file path=ppt/slides/slide6.xml><?xml version="1.0" encoding="utf-8"?>
-<p:sld xmlns:a="http://schemas.openxmlformats.org/drawingml/2006/main" xmlns:r="http://schemas.openxmlformats.org/officeDocument/2006/relationships" xmlns:p="http://schemas.openxmlformats.org/presentationml/2006/main">
-  <p:cSld>
-    <p:spTree>
-      <p:nvGrpSpPr>
-        <p:cNvPr id="1" name="Shape 81"/>
-        <p:cNvGrpSpPr/>
-        <p:nvPr/>
-      </p:nvGrpSpPr>
-      <p:grpSpPr>
-        <a:xfrm>
-          <a:off x="0" y="0"/>
-          <a:ext cx="0" cy="0"/>
-          <a:chOff x="0" y="0"/>
-          <a:chExt cx="0" cy="0"/>
-        </a:xfrm>
-      </p:grpSpPr>
-      <p:sp>
-        <p:nvSpPr>
-          <p:cNvPr id="82" name="Shape 82"/>
-          <p:cNvSpPr txBox="1">
-            <a:spLocks noGrp="1"/>
-          </p:cNvSpPr>
-          <p:nvPr>
-            <p:ph type="title"/>
-          </p:nvPr>
-        </p:nvSpPr>
-        <p:spPr>
-          <a:xfrm>
-            <a:off x="952500" y="254000"/>
-            <a:ext cx="11099799" cy="2158999"/>
-          </a:xfrm>
-          <a:prstGeom prst="rect">
-            <a:avLst/>
-          </a:prstGeom>
-          <a:noFill/>
-          <a:ln>
-            <a:noFill/>
-          </a:ln>
-        </p:spPr>
-        <p:txBody>
-          <a:bodyPr lIns="50800" tIns="50800" rIns="50800" bIns="50800" anchor="ctr" anchorCtr="0">
-            <a:noAutofit/>
-          </a:bodyPr>
-          <a:lstStyle/>
-          <a:p>
-            <a:pPr marL="0" marR="0" lvl="0" indent="0" algn="ctr" rtl="0">
-              <a:lnSpc>
-                <a:spcPct val="100000"/>
-              </a:lnSpc>
-              <a:spcBef>
-                <a:spcPts val="0"/>
-              </a:spcBef>
-              <a:spcAft>
-                <a:spcPts val="0"/>
-              </a:spcAft>
-              <a:buClr>
-                <a:srgbClr val="FFFFFF"/>
-              </a:buClr>
-              <a:buSzPct val="25000"/>
-              <a:buFont typeface="Helvetica Neue"/>
-              <a:buNone/>
-            </a:pPr>
-            <a:r>
-              <a:rPr lang="en-US" sz="8000" b="0" i="0" u="none" strike="noStrike" cap="none">
-                <a:solidFill>
-                  <a:srgbClr val="FFFFFF"/>
-                </a:solidFill>
-                <a:latin typeface="Helvetica Neue"/>
-                <a:ea typeface="Helvetica Neue"/>
-                <a:cs typeface="Helvetica Neue"/>
-                <a:sym typeface="Helvetica Neue"/>
-              </a:rPr>
-              <a:t>History</a:t>
-            </a:r>
-          </a:p>
-        </p:txBody>
-      </p:sp>
-      <p:sp>
-        <p:nvSpPr>
-          <p:cNvPr id="83" name="Shape 83"/>
-          <p:cNvSpPr txBox="1">
-            <a:spLocks noGrp="1"/>
-          </p:cNvSpPr>
-          <p:nvPr>
-            <p:ph type="body" idx="1"/>
-          </p:nvPr>
-        </p:nvSpPr>
-        <p:spPr>
-          <a:xfrm>
-            <a:off x="952500" y="2590800"/>
-            <a:ext cx="11099799" cy="6286499"/>
-          </a:xfrm>
-          <a:prstGeom prst="rect">
-            <a:avLst/>
-          </a:prstGeom>
-          <a:noFill/>
-          <a:ln>
-            <a:noFill/>
-          </a:ln>
-        </p:spPr>
-        <p:txBody>
-          <a:bodyPr lIns="50800" tIns="50800" rIns="50800" bIns="50800" anchor="ctr" anchorCtr="0">
-            <a:noAutofit/>
-          </a:bodyPr>
-          <a:lstStyle/>
-          <a:p>
-            <a:pPr marL="444500" marR="0" lvl="0" indent="-444500" algn="l" rtl="0">
-              <a:lnSpc>
-                <a:spcPct val="100000"/>
-              </a:lnSpc>
-              <a:spcBef>
-                <a:spcPts val="0"/>
-              </a:spcBef>
-              <a:spcAft>
-                <a:spcPts val="0"/>
-              </a:spcAft>
-              <a:buClr>
-                <a:srgbClr val="FFFFFF"/>
-              </a:buClr>
-              <a:buSzPct val="75000"/>
-              <a:buFont typeface="Helvetica Neue"/>
-              <a:buChar char="•"/>
-            </a:pPr>
-            <a:r>
-              <a:rPr lang="en-US" sz="3800" b="0" i="0" u="none" strike="noStrike" cap="none">
-                <a:solidFill>
-                  <a:srgbClr val="FFFFFF"/>
-                </a:solidFill>
-                <a:latin typeface="Helvetica Neue"/>
-                <a:ea typeface="Helvetica Neue"/>
-                <a:cs typeface="Helvetica Neue"/>
-                <a:sym typeface="Helvetica Neue"/>
-              </a:rPr>
-              <a:t>Created in 2011 by Jordon Walke</a:t>
-            </a:r>
-          </a:p>
-          <a:p>
-            <a:pPr marL="889000" marR="0" lvl="1" indent="-444500" algn="l" rtl="0">
-              <a:lnSpc>
-                <a:spcPct val="100000"/>
-              </a:lnSpc>
-              <a:spcBef>
-                <a:spcPts val="4200"/>
-              </a:spcBef>
-              <a:spcAft>
-                <a:spcPts val="0"/>
-              </a:spcAft>
-              <a:buClr>
-                <a:srgbClr val="FFFFFF"/>
-              </a:buClr>
-              <a:buSzPct val="75000"/>
-              <a:buFont typeface="Helvetica Neue"/>
-              <a:buChar char="•"/>
-            </a:pPr>
-            <a:r>
-              <a:rPr lang="en-US" sz="3800" b="0" i="0" u="none" strike="noStrike" cap="none">
-                <a:solidFill>
-                  <a:srgbClr val="FFFFFF"/>
-                </a:solidFill>
-                <a:latin typeface="Helvetica Neue"/>
-                <a:ea typeface="Helvetica Neue"/>
-                <a:cs typeface="Helvetica Neue"/>
-                <a:sym typeface="Helvetica Neue"/>
-              </a:rPr>
-              <a:t>At Facebook</a:t>
-            </a:r>
-          </a:p>
-          <a:p>
-            <a:pPr marL="444500" marR="0" lvl="0" indent="-444500" algn="l" rtl="0">
-              <a:lnSpc>
-                <a:spcPct val="100000"/>
-              </a:lnSpc>
-              <a:spcBef>
-                <a:spcPts val="4200"/>
-              </a:spcBef>
-              <a:spcAft>
-                <a:spcPts val="0"/>
-              </a:spcAft>
-              <a:buClr>
-                <a:srgbClr val="FFFFFF"/>
-              </a:buClr>
-              <a:buSzPct val="75000"/>
-              <a:buFont typeface="Helvetica Neue"/>
-              <a:buChar char="•"/>
-            </a:pPr>
-            <a:r>
-              <a:rPr lang="en-US" sz="3800" b="0" i="0" u="none" strike="noStrike" cap="none">
-                <a:solidFill>
-                  <a:srgbClr val="FFFFFF"/>
-                </a:solidFill>
-                <a:latin typeface="Helvetica Neue"/>
-                <a:ea typeface="Helvetica Neue"/>
-                <a:cs typeface="Helvetica Neue"/>
-                <a:sym typeface="Helvetica Neue"/>
-              </a:rPr>
-              <a:t>Opensource in 2013</a:t>
-            </a:r>
-          </a:p>
-          <a:p>
-            <a:pPr marL="444500" marR="0" lvl="0" indent="-444500" algn="l" rtl="0">
-              <a:lnSpc>
-                <a:spcPct val="100000"/>
-              </a:lnSpc>
-              <a:spcBef>
-                <a:spcPts val="4200"/>
-              </a:spcBef>
-              <a:spcAft>
-                <a:spcPts val="0"/>
-              </a:spcAft>
-              <a:buClr>
-                <a:srgbClr val="FFFFFF"/>
-              </a:buClr>
-              <a:buSzPct val="75000"/>
-              <a:buFont typeface="Helvetica Neue"/>
-              <a:buChar char="•"/>
-            </a:pPr>
-            <a:r>
-              <a:rPr lang="en-US" sz="3800" b="0" i="0" u="none" strike="noStrike" cap="none">
-                <a:solidFill>
-                  <a:srgbClr val="FFFFFF"/>
-                </a:solidFill>
-                <a:latin typeface="Helvetica Neue"/>
-                <a:ea typeface="Helvetica Neue"/>
-                <a:cs typeface="Helvetica Neue"/>
-                <a:sym typeface="Helvetica Neue"/>
-              </a:rPr>
-              <a:t>2015 React-native created</a:t>
-            </a:r>
-          </a:p>
-        </p:txBody>
-      </p:sp>
-    </p:spTree>
-  </p:cSld>
-  <p:clrMapOvr>
-    <a:masterClrMapping/>
-  </p:clrMapOvr>
-  <p:timing>
-    <p:tnLst>
-      <p:par>
-        <p:cTn id="1" dur="indefinite" restart="never" nodeType="tmRoot"/>
-      </p:par>
-    </p:tnLst>
-  </p:timing>
-</p:sld>
-</file>
-
-<file path=ppt/slides/slide7.xml><?xml version="1.0" encoding="utf-8"?>
-<p:sld xmlns:a="http://schemas.openxmlformats.org/drawingml/2006/main" xmlns:r="http://schemas.openxmlformats.org/officeDocument/2006/relationships" xmlns:p="http://schemas.openxmlformats.org/presentationml/2006/main">
-  <p:cSld>
-    <p:spTree>
-      <p:nvGrpSpPr>
-        <p:cNvPr id="1" name="Shape 69"/>
-        <p:cNvGrpSpPr/>
-        <p:nvPr/>
-      </p:nvGrpSpPr>
-      <p:grpSpPr>
-        <a:xfrm>
-          <a:off x="0" y="0"/>
-          <a:ext cx="0" cy="0"/>
-          <a:chOff x="0" y="0"/>
-          <a:chExt cx="0" cy="0"/>
-        </a:xfrm>
-      </p:grpSpPr>
-      <p:sp>
-        <p:nvSpPr>
-          <p:cNvPr id="70" name="Shape 70"/>
-          <p:cNvSpPr txBox="1">
-            <a:spLocks noGrp="1"/>
-          </p:cNvSpPr>
-          <p:nvPr>
-            <p:ph type="title"/>
-          </p:nvPr>
-        </p:nvSpPr>
-        <p:spPr>
-          <a:xfrm>
-            <a:off x="952500" y="254000"/>
-            <a:ext cx="11099700" cy="2159100"/>
-          </a:xfrm>
-          <a:prstGeom prst="rect">
-            <a:avLst/>
-          </a:prstGeom>
-        </p:spPr>
-        <p:txBody>
-          <a:bodyPr lIns="91425" tIns="91425" rIns="91425" bIns="91425" anchor="ctr" anchorCtr="0">
-            <a:noAutofit/>
-          </a:bodyPr>
-          <a:lstStyle/>
-          <a:p>
             <a:pPr lvl="0"/>
             <a:r>
               <a:rPr lang="en-US" dirty="0"/>
@@ -19476,7 +17265,7 @@
               <a:t>&gt;; </a:t>
             </a:r>
             <a:r>
-              <a:rPr lang="en-US" sz="2800" b="1" i="1" dirty="0" smtClean="0">
+              <a:rPr lang="en-US" sz="3600" b="1" i="1" dirty="0" smtClean="0">
                 <a:solidFill>
                   <a:srgbClr val="FF0000"/>
                 </a:solidFill>
@@ -19487,7 +17276,7 @@
               </a:rPr>
               <a:t> JSX</a:t>
             </a:r>
-            <a:endParaRPr lang="en-US" sz="2800" b="1" i="1" dirty="0" smtClean="0">
+            <a:endParaRPr lang="en-US" sz="3600" b="1" i="1" dirty="0" smtClean="0">
               <a:solidFill>
                 <a:srgbClr val="FF0000"/>
               </a:solidFill>
@@ -19585,7 +17374,918 @@
 </p:sld>
 </file>
 
+<file path=ppt/slides/slide6.xml><?xml version="1.0" encoding="utf-8"?>
+<p:sld xmlns:a="http://schemas.openxmlformats.org/drawingml/2006/main" xmlns:r="http://schemas.openxmlformats.org/officeDocument/2006/relationships" xmlns:p="http://schemas.openxmlformats.org/presentationml/2006/main">
+  <p:cSld>
+    <p:spTree>
+      <p:nvGrpSpPr>
+        <p:cNvPr id="1" name="Shape 135"/>
+        <p:cNvGrpSpPr/>
+        <p:nvPr/>
+      </p:nvGrpSpPr>
+      <p:grpSpPr>
+        <a:xfrm>
+          <a:off x="0" y="0"/>
+          <a:ext cx="0" cy="0"/>
+          <a:chOff x="0" y="0"/>
+          <a:chExt cx="0" cy="0"/>
+        </a:xfrm>
+      </p:grpSpPr>
+      <p:sp>
+        <p:nvSpPr>
+          <p:cNvPr id="136" name="Shape 136"/>
+          <p:cNvSpPr txBox="1">
+            <a:spLocks noGrp="1"/>
+          </p:cNvSpPr>
+          <p:nvPr>
+            <p:ph type="title"/>
+          </p:nvPr>
+        </p:nvSpPr>
+        <p:spPr>
+          <a:xfrm>
+            <a:off x="952500" y="254000"/>
+            <a:ext cx="11099700" cy="2159100"/>
+          </a:xfrm>
+          <a:prstGeom prst="rect">
+            <a:avLst/>
+          </a:prstGeom>
+        </p:spPr>
+        <p:txBody>
+          <a:bodyPr lIns="91425" tIns="91425" rIns="91425" bIns="91425" anchor="ctr" anchorCtr="0">
+            <a:noAutofit/>
+          </a:bodyPr>
+          <a:lstStyle/>
+          <a:p>
+            <a:pPr lvl="0">
+              <a:spcBef>
+                <a:spcPts val="0"/>
+              </a:spcBef>
+              <a:buNone/>
+            </a:pPr>
+            <a:r>
+              <a:rPr lang="en-US"/>
+              <a:t>Component: class</a:t>
+            </a:r>
+          </a:p>
+        </p:txBody>
+      </p:sp>
+      <p:sp>
+        <p:nvSpPr>
+          <p:cNvPr id="137" name="Shape 137"/>
+          <p:cNvSpPr txBox="1">
+            <a:spLocks noGrp="1"/>
+          </p:cNvSpPr>
+          <p:nvPr>
+            <p:ph type="body" idx="1"/>
+          </p:nvPr>
+        </p:nvSpPr>
+        <p:spPr>
+          <a:xfrm>
+            <a:off x="952500" y="2590800"/>
+            <a:ext cx="11099700" cy="6286500"/>
+          </a:xfrm>
+          <a:prstGeom prst="rect">
+            <a:avLst/>
+          </a:prstGeom>
+        </p:spPr>
+        <p:txBody>
+          <a:bodyPr lIns="91425" tIns="91425" rIns="91425" bIns="91425" anchor="t" anchorCtr="0">
+            <a:noAutofit/>
+          </a:bodyPr>
+          <a:lstStyle/>
+          <a:p>
+            <a:pPr marL="0" lvl="0" indent="0">
+              <a:spcBef>
+                <a:spcPts val="0"/>
+              </a:spcBef>
+              <a:buNone/>
+            </a:pPr>
+            <a:r>
+              <a:rPr lang="en-US" dirty="0"/>
+              <a:t>2 types of state</a:t>
+            </a:r>
+            <a:r>
+              <a:rPr lang="en-US" dirty="0" smtClean="0"/>
+              <a:t>:</a:t>
+            </a:r>
+          </a:p>
+          <a:p>
+            <a:pPr marL="0" lvl="0" indent="0">
+              <a:spcBef>
+                <a:spcPts val="0"/>
+              </a:spcBef>
+              <a:buNone/>
+            </a:pPr>
+            <a:endParaRPr lang="en-US" dirty="0"/>
+          </a:p>
+          <a:p>
+            <a:pPr marL="457200" lvl="0" indent="-228600" rtl="0">
+              <a:spcBef>
+                <a:spcPts val="0"/>
+              </a:spcBef>
+            </a:pPr>
+            <a:r>
+              <a:rPr lang="en-US" dirty="0" err="1">
+                <a:solidFill>
+                  <a:srgbClr val="FFFF00"/>
+                </a:solidFill>
+              </a:rPr>
+              <a:t>this.props</a:t>
+            </a:r>
+            <a:endParaRPr lang="en-US" dirty="0">
+              <a:solidFill>
+                <a:srgbClr val="FFFF00"/>
+              </a:solidFill>
+            </a:endParaRPr>
+          </a:p>
+          <a:p>
+            <a:pPr marL="914400" lvl="1" indent="-228600" rtl="0">
+              <a:spcBef>
+                <a:spcPts val="0"/>
+              </a:spcBef>
+            </a:pPr>
+            <a:r>
+              <a:rPr lang="en-US" dirty="0"/>
+              <a:t>Get properties from </a:t>
+            </a:r>
+            <a:r>
+              <a:rPr lang="en-US" dirty="0" smtClean="0"/>
+              <a:t>parent</a:t>
+            </a:r>
+          </a:p>
+          <a:p>
+            <a:pPr marL="914400" lvl="1" indent="-228600" rtl="0">
+              <a:spcBef>
+                <a:spcPts val="0"/>
+              </a:spcBef>
+            </a:pPr>
+            <a:endParaRPr lang="en-US" dirty="0"/>
+          </a:p>
+          <a:p>
+            <a:pPr marL="457200" lvl="0" indent="-228600" rtl="0">
+              <a:spcBef>
+                <a:spcPts val="0"/>
+              </a:spcBef>
+            </a:pPr>
+            <a:r>
+              <a:rPr lang="en-US" dirty="0" err="1">
+                <a:solidFill>
+                  <a:srgbClr val="FFC000"/>
+                </a:solidFill>
+              </a:rPr>
+              <a:t>this.state</a:t>
+            </a:r>
+            <a:endParaRPr lang="en-US" dirty="0">
+              <a:solidFill>
+                <a:srgbClr val="FFC000"/>
+              </a:solidFill>
+            </a:endParaRPr>
+          </a:p>
+          <a:p>
+            <a:pPr marL="914400" lvl="1" indent="-228600">
+              <a:spcBef>
+                <a:spcPts val="0"/>
+              </a:spcBef>
+            </a:pPr>
+            <a:r>
+              <a:rPr lang="en-US" dirty="0" smtClean="0"/>
+              <a:t>Local state within components</a:t>
+            </a:r>
+            <a:endParaRPr lang="en-US" dirty="0"/>
+          </a:p>
+        </p:txBody>
+      </p:sp>
+    </p:spTree>
+    <p:extLst>
+      <p:ext uri="{BB962C8B-B14F-4D97-AF65-F5344CB8AC3E}">
+        <p14:creationId xmlns:p14="http://schemas.microsoft.com/office/powerpoint/2010/main" val="1032976206"/>
+      </p:ext>
+    </p:extLst>
+  </p:cSld>
+  <p:clrMapOvr>
+    <a:masterClrMapping/>
+  </p:clrMapOvr>
+  <p:timing>
+    <p:tnLst>
+      <p:par>
+        <p:cTn id="1" dur="indefinite" restart="never" nodeType="tmRoot"/>
+      </p:par>
+    </p:tnLst>
+  </p:timing>
+</p:sld>
+</file>
+
+<file path=ppt/slides/slide7.xml><?xml version="1.0" encoding="utf-8"?>
+<p:sld xmlns:a="http://schemas.openxmlformats.org/drawingml/2006/main" xmlns:r="http://schemas.openxmlformats.org/officeDocument/2006/relationships" xmlns:p="http://schemas.openxmlformats.org/presentationml/2006/main">
+  <p:cSld>
+    <p:spTree>
+      <p:nvGrpSpPr>
+        <p:cNvPr id="1" name="Shape 141"/>
+        <p:cNvGrpSpPr/>
+        <p:nvPr/>
+      </p:nvGrpSpPr>
+      <p:grpSpPr>
+        <a:xfrm>
+          <a:off x="0" y="0"/>
+          <a:ext cx="0" cy="0"/>
+          <a:chOff x="0" y="0"/>
+          <a:chExt cx="0" cy="0"/>
+        </a:xfrm>
+      </p:grpSpPr>
+      <p:sp>
+        <p:nvSpPr>
+          <p:cNvPr id="143" name="Shape 143"/>
+          <p:cNvSpPr txBox="1">
+            <a:spLocks noGrp="1"/>
+          </p:cNvSpPr>
+          <p:nvPr>
+            <p:ph type="body" idx="1"/>
+          </p:nvPr>
+        </p:nvSpPr>
+        <p:spPr>
+          <a:xfrm>
+            <a:off x="2079221" y="2282471"/>
+            <a:ext cx="11099700" cy="6286500"/>
+          </a:xfrm>
+          <a:prstGeom prst="rect">
+            <a:avLst/>
+          </a:prstGeom>
+        </p:spPr>
+        <p:txBody>
+          <a:bodyPr lIns="91425" tIns="91425" rIns="91425" bIns="91425" anchor="ctr" anchorCtr="0">
+            <a:noAutofit/>
+          </a:bodyPr>
+          <a:lstStyle/>
+          <a:p>
+            <a:pPr marL="180975" indent="0">
+              <a:spcBef>
+                <a:spcPts val="600"/>
+              </a:spcBef>
+              <a:buNone/>
+            </a:pPr>
+            <a:r>
+              <a:rPr lang="en-US" sz="2000" dirty="0" smtClean="0"/>
+              <a:t>export class </a:t>
+            </a:r>
+            <a:r>
+              <a:rPr lang="en-US" sz="2000" b="1" dirty="0">
+                <a:solidFill>
+                  <a:srgbClr val="FFC000"/>
+                </a:solidFill>
+              </a:rPr>
+              <a:t>Welcome</a:t>
+            </a:r>
+            <a:r>
+              <a:rPr lang="en-US" sz="2000" dirty="0"/>
+              <a:t> extends </a:t>
+            </a:r>
+            <a:r>
+              <a:rPr lang="en-US" sz="2000" dirty="0" err="1" smtClean="0"/>
+              <a:t>React.Component</a:t>
+            </a:r>
+            <a:r>
+              <a:rPr lang="en-US" sz="2000" dirty="0" smtClean="0"/>
+              <a:t> </a:t>
+            </a:r>
+            <a:r>
+              <a:rPr lang="en-US" sz="2000" dirty="0"/>
+              <a:t>{</a:t>
+            </a:r>
+          </a:p>
+          <a:p>
+            <a:pPr marL="180975" indent="0">
+              <a:spcBef>
+                <a:spcPts val="600"/>
+              </a:spcBef>
+              <a:buNone/>
+            </a:pPr>
+            <a:r>
+              <a:rPr lang="en-US" sz="2000" dirty="0"/>
+              <a:t>	</a:t>
+            </a:r>
+            <a:r>
+              <a:rPr lang="en-US" sz="2000" dirty="0" smtClean="0"/>
+              <a:t>render( ) </a:t>
+            </a:r>
+            <a:r>
+              <a:rPr lang="en-US" sz="2000" dirty="0"/>
+              <a:t>{</a:t>
+            </a:r>
+          </a:p>
+          <a:p>
+            <a:pPr marL="180975" indent="0">
+              <a:spcBef>
+                <a:spcPts val="600"/>
+              </a:spcBef>
+              <a:buNone/>
+            </a:pPr>
+            <a:r>
+              <a:rPr lang="en-US" sz="2000" dirty="0"/>
+              <a:t> 	</a:t>
+            </a:r>
+            <a:r>
+              <a:rPr lang="en-US" sz="2000" dirty="0" smtClean="0"/>
+              <a:t>	return </a:t>
+            </a:r>
+            <a:r>
+              <a:rPr lang="en-US" sz="2000" dirty="0"/>
+              <a:t>&lt;h1&gt;Hello, </a:t>
+            </a:r>
+            <a:r>
+              <a:rPr lang="en-US" sz="2000" b="1" dirty="0">
+                <a:solidFill>
+                  <a:srgbClr val="FF0000"/>
+                </a:solidFill>
+              </a:rPr>
+              <a:t>{</a:t>
+            </a:r>
+            <a:r>
+              <a:rPr lang="en-US" sz="2000" b="1" dirty="0" err="1">
+                <a:solidFill>
+                  <a:srgbClr val="FF0000"/>
+                </a:solidFill>
+              </a:rPr>
+              <a:t>this.props.name</a:t>
+            </a:r>
+            <a:r>
+              <a:rPr lang="en-US" sz="2000" b="1" dirty="0">
+                <a:solidFill>
+                  <a:srgbClr val="FF0000"/>
+                </a:solidFill>
+              </a:rPr>
+              <a:t>}</a:t>
+            </a:r>
+            <a:r>
+              <a:rPr lang="en-US" sz="2000" dirty="0"/>
+              <a:t>&lt;/h1&gt;;</a:t>
+            </a:r>
+          </a:p>
+          <a:p>
+            <a:pPr marL="180975" indent="0">
+              <a:spcBef>
+                <a:spcPts val="600"/>
+              </a:spcBef>
+              <a:buNone/>
+            </a:pPr>
+            <a:r>
+              <a:rPr lang="en-US" sz="2000" dirty="0"/>
+              <a:t>	</a:t>
+            </a:r>
+            <a:r>
+              <a:rPr lang="en-US" sz="2000" dirty="0" smtClean="0"/>
+              <a:t>}</a:t>
+            </a:r>
+            <a:endParaRPr lang="en-US" sz="2000" dirty="0"/>
+          </a:p>
+          <a:p>
+            <a:pPr marL="180975" indent="0">
+              <a:spcBef>
+                <a:spcPts val="600"/>
+              </a:spcBef>
+              <a:buNone/>
+            </a:pPr>
+            <a:r>
+              <a:rPr lang="en-US" sz="2000" dirty="0"/>
+              <a:t>}</a:t>
+            </a:r>
+          </a:p>
+          <a:p>
+            <a:pPr marL="180975" indent="0">
+              <a:spcBef>
+                <a:spcPts val="1200"/>
+              </a:spcBef>
+              <a:buNone/>
+            </a:pPr>
+            <a:endParaRPr lang="en-US" sz="2000" dirty="0" smtClean="0"/>
+          </a:p>
+          <a:p>
+            <a:pPr marL="180975" indent="0">
+              <a:spcBef>
+                <a:spcPts val="1200"/>
+              </a:spcBef>
+              <a:buNone/>
+            </a:pPr>
+            <a:r>
+              <a:rPr lang="en-US" sz="2000" dirty="0" smtClean="0"/>
+              <a:t>class </a:t>
+            </a:r>
+            <a:r>
+              <a:rPr lang="en-US" sz="2000" b="1" dirty="0" smtClean="0">
+                <a:solidFill>
+                  <a:srgbClr val="FFC000"/>
+                </a:solidFill>
+              </a:rPr>
+              <a:t>App </a:t>
+            </a:r>
+            <a:r>
+              <a:rPr lang="en-US" sz="2000" dirty="0"/>
+              <a:t>extends </a:t>
+            </a:r>
+            <a:r>
+              <a:rPr lang="en-US" sz="2000" dirty="0" err="1" smtClean="0"/>
+              <a:t>React.Component</a:t>
+            </a:r>
+            <a:r>
+              <a:rPr lang="en-US" sz="2000" dirty="0" smtClean="0"/>
+              <a:t> </a:t>
+            </a:r>
+            <a:r>
+              <a:rPr lang="en-US" sz="2000" dirty="0"/>
+              <a:t>{</a:t>
+            </a:r>
+          </a:p>
+          <a:p>
+            <a:pPr marL="180975" indent="0">
+              <a:spcBef>
+                <a:spcPts val="1200"/>
+              </a:spcBef>
+              <a:buNone/>
+            </a:pPr>
+            <a:r>
+              <a:rPr lang="en-US" sz="2000" dirty="0" smtClean="0"/>
+              <a:t>	render( ) {</a:t>
+            </a:r>
+            <a:r>
+              <a:rPr lang="en-US" sz="2000" dirty="0"/>
+              <a:t>  </a:t>
+            </a:r>
+            <a:endParaRPr lang="en-US" sz="2000" dirty="0" smtClean="0"/>
+          </a:p>
+          <a:p>
+            <a:pPr marL="180975" indent="0">
+              <a:spcBef>
+                <a:spcPts val="1200"/>
+              </a:spcBef>
+              <a:buNone/>
+            </a:pPr>
+            <a:r>
+              <a:rPr lang="en-US" sz="2000" dirty="0" smtClean="0"/>
+              <a:t>		return </a:t>
+            </a:r>
+            <a:r>
+              <a:rPr lang="en-US" sz="2000" dirty="0"/>
+              <a:t>(</a:t>
+            </a:r>
+          </a:p>
+          <a:p>
+            <a:pPr marL="180975" indent="0">
+              <a:spcBef>
+                <a:spcPts val="1200"/>
+              </a:spcBef>
+              <a:buNone/>
+            </a:pPr>
+            <a:r>
+              <a:rPr lang="en-US" sz="2000" dirty="0"/>
+              <a:t>   </a:t>
+            </a:r>
+            <a:r>
+              <a:rPr lang="en-US" sz="2000" dirty="0" smtClean="0"/>
+              <a:t>		 </a:t>
+            </a:r>
+            <a:r>
+              <a:rPr lang="en-US" sz="2000" dirty="0"/>
+              <a:t>&lt;div&gt;</a:t>
+            </a:r>
+          </a:p>
+          <a:p>
+            <a:pPr marL="180975" indent="0">
+              <a:spcBef>
+                <a:spcPts val="1200"/>
+              </a:spcBef>
+              <a:buNone/>
+            </a:pPr>
+            <a:r>
+              <a:rPr lang="en-US" sz="2000" dirty="0"/>
+              <a:t>      </a:t>
+            </a:r>
+            <a:r>
+              <a:rPr lang="en-US" sz="2000" dirty="0" smtClean="0"/>
+              <a:t>			&lt;</a:t>
+            </a:r>
+            <a:r>
+              <a:rPr lang="en-US" sz="2000" b="1" dirty="0">
+                <a:solidFill>
+                  <a:srgbClr val="FF0000"/>
+                </a:solidFill>
+              </a:rPr>
+              <a:t>Welcome</a:t>
+            </a:r>
+            <a:r>
+              <a:rPr lang="en-US" sz="2000" dirty="0"/>
+              <a:t> name="Sara" /&gt;</a:t>
+            </a:r>
+          </a:p>
+          <a:p>
+            <a:pPr marL="180975" indent="0">
+              <a:spcBef>
+                <a:spcPts val="1200"/>
+              </a:spcBef>
+              <a:buNone/>
+            </a:pPr>
+            <a:r>
+              <a:rPr lang="en-US" sz="2000" dirty="0"/>
+              <a:t>      </a:t>
+            </a:r>
+            <a:r>
+              <a:rPr lang="en-US" sz="2000" dirty="0" smtClean="0"/>
+              <a:t>			&lt;</a:t>
+            </a:r>
+            <a:r>
+              <a:rPr lang="en-US" sz="2000" b="1" dirty="0">
+                <a:solidFill>
+                  <a:srgbClr val="FF0000"/>
+                </a:solidFill>
+              </a:rPr>
+              <a:t>Welcome</a:t>
+            </a:r>
+            <a:r>
+              <a:rPr lang="en-US" sz="2000" dirty="0"/>
+              <a:t> name="</a:t>
+            </a:r>
+            <a:r>
+              <a:rPr lang="en-US" sz="2000" dirty="0" err="1"/>
+              <a:t>Cahal</a:t>
+            </a:r>
+            <a:r>
+              <a:rPr lang="en-US" sz="2000" dirty="0"/>
+              <a:t>" /&gt;</a:t>
+            </a:r>
+          </a:p>
+          <a:p>
+            <a:pPr marL="180975" indent="0">
+              <a:spcBef>
+                <a:spcPts val="1200"/>
+              </a:spcBef>
+              <a:buNone/>
+            </a:pPr>
+            <a:r>
+              <a:rPr lang="en-US" sz="2000" dirty="0"/>
+              <a:t>      </a:t>
+            </a:r>
+            <a:r>
+              <a:rPr lang="en-US" sz="2000" dirty="0" smtClean="0"/>
+              <a:t>			&lt;</a:t>
+            </a:r>
+            <a:r>
+              <a:rPr lang="en-US" sz="2000" b="1" dirty="0">
+                <a:solidFill>
+                  <a:srgbClr val="FF0000"/>
+                </a:solidFill>
+              </a:rPr>
+              <a:t>Welcome</a:t>
+            </a:r>
+            <a:r>
+              <a:rPr lang="en-US" sz="2000" dirty="0"/>
+              <a:t> name="</a:t>
+            </a:r>
+            <a:r>
+              <a:rPr lang="en-US" sz="2000" dirty="0" err="1"/>
+              <a:t>Edite</a:t>
+            </a:r>
+            <a:r>
+              <a:rPr lang="en-US" sz="2000" dirty="0"/>
+              <a:t>" /&gt;</a:t>
+            </a:r>
+          </a:p>
+          <a:p>
+            <a:pPr marL="180975" indent="0">
+              <a:spcBef>
+                <a:spcPts val="1200"/>
+              </a:spcBef>
+              <a:buNone/>
+            </a:pPr>
+            <a:r>
+              <a:rPr lang="en-US" sz="2000" dirty="0"/>
+              <a:t>    </a:t>
+            </a:r>
+            <a:r>
+              <a:rPr lang="en-US" sz="2000" dirty="0" smtClean="0"/>
+              <a:t>		&lt;/</a:t>
+            </a:r>
+            <a:r>
+              <a:rPr lang="en-US" sz="2000" dirty="0"/>
+              <a:t>div&gt;</a:t>
+            </a:r>
+          </a:p>
+          <a:p>
+            <a:pPr marL="180975" indent="0">
+              <a:spcBef>
+                <a:spcPts val="1200"/>
+              </a:spcBef>
+              <a:buNone/>
+            </a:pPr>
+            <a:r>
+              <a:rPr lang="en-US" sz="2000" dirty="0"/>
+              <a:t> </a:t>
+            </a:r>
+            <a:r>
+              <a:rPr lang="en-US" sz="2000" dirty="0" smtClean="0"/>
+              <a:t>		 );</a:t>
+            </a:r>
+          </a:p>
+          <a:p>
+            <a:pPr marL="180975" indent="0">
+              <a:spcBef>
+                <a:spcPts val="1200"/>
+              </a:spcBef>
+              <a:buNone/>
+            </a:pPr>
+            <a:r>
+              <a:rPr lang="en-US" sz="2000" dirty="0" smtClean="0"/>
+              <a:t>	}</a:t>
+            </a:r>
+            <a:endParaRPr lang="en-US" sz="2000" dirty="0"/>
+          </a:p>
+          <a:p>
+            <a:pPr marL="180975" indent="0">
+              <a:spcBef>
+                <a:spcPts val="1200"/>
+              </a:spcBef>
+              <a:buNone/>
+            </a:pPr>
+            <a:r>
+              <a:rPr lang="en-US" sz="2000" dirty="0" smtClean="0"/>
+              <a:t>}</a:t>
+            </a:r>
+            <a:r>
+              <a:rPr lang="en-US" sz="2000" dirty="0"/>
+              <a:t/>
+            </a:r>
+            <a:br>
+              <a:rPr lang="en-US" sz="2000" dirty="0"/>
+            </a:br>
+            <a:endParaRPr lang="en-US" sz="2000" dirty="0"/>
+          </a:p>
+          <a:p>
+            <a:pPr marL="180975" indent="0">
+              <a:spcBef>
+                <a:spcPts val="1200"/>
+              </a:spcBef>
+              <a:buNone/>
+            </a:pPr>
+            <a:r>
+              <a:rPr lang="en-US" sz="2000" dirty="0" err="1"/>
+              <a:t>ReactDOM.render</a:t>
+            </a:r>
+            <a:r>
+              <a:rPr lang="en-US" sz="2000" dirty="0"/>
+              <a:t>(</a:t>
+            </a:r>
+          </a:p>
+          <a:p>
+            <a:pPr marL="180975" indent="0">
+              <a:spcBef>
+                <a:spcPts val="1200"/>
+              </a:spcBef>
+              <a:buNone/>
+            </a:pPr>
+            <a:r>
+              <a:rPr lang="en-US" sz="2000" dirty="0"/>
+              <a:t>  	</a:t>
+            </a:r>
+            <a:r>
+              <a:rPr lang="en-US" sz="2000" b="1" dirty="0" smtClean="0">
+                <a:solidFill>
+                  <a:srgbClr val="FFC000"/>
+                </a:solidFill>
+              </a:rPr>
+              <a:t>&lt;</a:t>
+            </a:r>
+            <a:r>
+              <a:rPr lang="en-US" sz="2000" b="1" dirty="0">
+                <a:solidFill>
+                  <a:srgbClr val="FFC000"/>
+                </a:solidFill>
+              </a:rPr>
+              <a:t>App </a:t>
+            </a:r>
+            <a:r>
+              <a:rPr lang="en-US" sz="2000" b="1" dirty="0" smtClean="0">
+                <a:solidFill>
+                  <a:srgbClr val="FFC000"/>
+                </a:solidFill>
+              </a:rPr>
+              <a:t>/&gt;, </a:t>
+            </a:r>
+            <a:r>
+              <a:rPr lang="en-US" sz="2000" dirty="0" err="1" smtClean="0"/>
+              <a:t>document.getElementById</a:t>
+            </a:r>
+            <a:r>
+              <a:rPr lang="en-US" sz="2000" dirty="0"/>
+              <a:t>('root')</a:t>
+            </a:r>
+          </a:p>
+          <a:p>
+            <a:pPr marL="180975" indent="0">
+              <a:spcBef>
+                <a:spcPts val="1200"/>
+              </a:spcBef>
+              <a:buNone/>
+            </a:pPr>
+            <a:r>
+              <a:rPr lang="en-US" sz="2000" dirty="0"/>
+              <a:t>);</a:t>
+            </a:r>
+          </a:p>
+          <a:p>
+            <a:pPr marL="0" indent="0">
+              <a:lnSpc>
+                <a:spcPct val="150000"/>
+              </a:lnSpc>
+              <a:spcBef>
+                <a:spcPts val="1200"/>
+              </a:spcBef>
+              <a:buNone/>
+            </a:pPr>
+            <a:endParaRPr lang="en-US" sz="2000" dirty="0">
+              <a:solidFill>
+                <a:srgbClr val="F8F8F8"/>
+              </a:solidFill>
+              <a:latin typeface="Consolas"/>
+              <a:ea typeface="Consolas"/>
+              <a:cs typeface="Consolas"/>
+              <a:sym typeface="Consolas"/>
+            </a:endParaRPr>
+          </a:p>
+        </p:txBody>
+      </p:sp>
+    </p:spTree>
+    <p:extLst>
+      <p:ext uri="{BB962C8B-B14F-4D97-AF65-F5344CB8AC3E}">
+        <p14:creationId xmlns:p14="http://schemas.microsoft.com/office/powerpoint/2010/main" val="2063440575"/>
+      </p:ext>
+    </p:extLst>
+  </p:cSld>
+  <p:clrMapOvr>
+    <a:masterClrMapping/>
+  </p:clrMapOvr>
+  <p:timing>
+    <p:tnLst>
+      <p:par>
+        <p:cTn id="1" dur="indefinite" restart="never" nodeType="tmRoot"/>
+      </p:par>
+    </p:tnLst>
+  </p:timing>
+</p:sld>
+</file>
+
 <file path=ppt/slides/slide8.xml><?xml version="1.0" encoding="utf-8"?>
+<p:sld xmlns:a="http://schemas.openxmlformats.org/drawingml/2006/main" xmlns:r="http://schemas.openxmlformats.org/officeDocument/2006/relationships" xmlns:p="http://schemas.openxmlformats.org/presentationml/2006/main">
+  <p:cSld>
+    <p:spTree>
+      <p:nvGrpSpPr>
+        <p:cNvPr id="1" name="Shape 147"/>
+        <p:cNvGrpSpPr/>
+        <p:nvPr/>
+      </p:nvGrpSpPr>
+      <p:grpSpPr>
+        <a:xfrm>
+          <a:off x="0" y="0"/>
+          <a:ext cx="0" cy="0"/>
+          <a:chOff x="0" y="0"/>
+          <a:chExt cx="0" cy="0"/>
+        </a:xfrm>
+      </p:grpSpPr>
+      <p:sp>
+        <p:nvSpPr>
+          <p:cNvPr id="148" name="Shape 148"/>
+          <p:cNvSpPr txBox="1">
+            <a:spLocks noGrp="1"/>
+          </p:cNvSpPr>
+          <p:nvPr>
+            <p:ph type="title"/>
+          </p:nvPr>
+        </p:nvSpPr>
+        <p:spPr>
+          <a:xfrm>
+            <a:off x="952500" y="254000"/>
+            <a:ext cx="11099700" cy="2159100"/>
+          </a:xfrm>
+          <a:prstGeom prst="rect">
+            <a:avLst/>
+          </a:prstGeom>
+        </p:spPr>
+        <p:txBody>
+          <a:bodyPr lIns="91425" tIns="91425" rIns="91425" bIns="91425" anchor="ctr" anchorCtr="0">
+            <a:noAutofit/>
+          </a:bodyPr>
+          <a:lstStyle/>
+          <a:p>
+            <a:pPr lvl="0">
+              <a:spcBef>
+                <a:spcPts val="0"/>
+              </a:spcBef>
+              <a:buNone/>
+            </a:pPr>
+            <a:r>
+              <a:rPr lang="en-US"/>
+              <a:t>this.props</a:t>
+            </a:r>
+          </a:p>
+        </p:txBody>
+      </p:sp>
+      <p:sp>
+        <p:nvSpPr>
+          <p:cNvPr id="149" name="Shape 149"/>
+          <p:cNvSpPr txBox="1">
+            <a:spLocks noGrp="1"/>
+          </p:cNvSpPr>
+          <p:nvPr>
+            <p:ph type="body" idx="1"/>
+          </p:nvPr>
+        </p:nvSpPr>
+        <p:spPr>
+          <a:xfrm>
+            <a:off x="952500" y="2590800"/>
+            <a:ext cx="11099700" cy="6286500"/>
+          </a:xfrm>
+          <a:prstGeom prst="rect">
+            <a:avLst/>
+          </a:prstGeom>
+        </p:spPr>
+        <p:txBody>
+          <a:bodyPr lIns="91425" tIns="91425" rIns="91425" bIns="91425" anchor="ctr" anchorCtr="0">
+            <a:noAutofit/>
+          </a:bodyPr>
+          <a:lstStyle/>
+          <a:p>
+            <a:pPr lvl="0">
+              <a:spcBef>
+                <a:spcPts val="0"/>
+              </a:spcBef>
+              <a:buNone/>
+            </a:pPr>
+            <a:r>
+              <a:rPr lang="en-US" dirty="0"/>
+              <a:t>Never ever changes props</a:t>
+            </a:r>
+            <a:r>
+              <a:rPr lang="en-US" dirty="0" smtClean="0"/>
+              <a:t>!</a:t>
+            </a:r>
+          </a:p>
+          <a:p>
+            <a:pPr lvl="0">
+              <a:spcBef>
+                <a:spcPts val="0"/>
+              </a:spcBef>
+              <a:buNone/>
+            </a:pPr>
+            <a:endParaRPr lang="en-US" dirty="0"/>
+          </a:p>
+          <a:p>
+            <a:pPr lvl="0">
+              <a:spcBef>
+                <a:spcPts val="0"/>
+              </a:spcBef>
+              <a:buNone/>
+            </a:pPr>
+            <a:r>
+              <a:rPr lang="en-US" dirty="0"/>
+              <a:t>This is the responsibility for the parent </a:t>
+            </a:r>
+            <a:endParaRPr lang="en-US" dirty="0" smtClean="0"/>
+          </a:p>
+          <a:p>
+            <a:pPr lvl="0">
+              <a:spcBef>
+                <a:spcPts val="0"/>
+              </a:spcBef>
+              <a:buNone/>
+            </a:pPr>
+            <a:r>
+              <a:rPr lang="en-US" dirty="0" smtClean="0"/>
+              <a:t>and </a:t>
+            </a:r>
+            <a:r>
+              <a:rPr lang="en-US" dirty="0"/>
+              <a:t>not the child</a:t>
+            </a:r>
+          </a:p>
+        </p:txBody>
+      </p:sp>
+    </p:spTree>
+    <p:extLst>
+      <p:ext uri="{BB962C8B-B14F-4D97-AF65-F5344CB8AC3E}">
+        <p14:creationId xmlns:p14="http://schemas.microsoft.com/office/powerpoint/2010/main" val="1841852730"/>
+      </p:ext>
+    </p:extLst>
+  </p:cSld>
+  <p:clrMapOvr>
+    <a:masterClrMapping/>
+  </p:clrMapOvr>
+  <p:timing>
+    <p:tnLst>
+      <p:par>
+        <p:cTn id="1" dur="indefinite" restart="never" nodeType="tmRoot"/>
+      </p:par>
+    </p:tnLst>
+  </p:timing>
+</p:sld>
+</file>
+
+<file path=ppt/slides/slide9.xml><?xml version="1.0" encoding="utf-8"?>
 <p:sld xmlns:a="http://schemas.openxmlformats.org/drawingml/2006/main" xmlns:r="http://schemas.openxmlformats.org/officeDocument/2006/relationships" xmlns:p="http://schemas.openxmlformats.org/presentationml/2006/main">
   <p:cSld>
     <p:spTree>
@@ -19612,19 +18312,61 @@
             <p:ph type="title"/>
           </p:nvPr>
         </p:nvSpPr>
-        <p:spPr/>
+        <p:spPr>
+          <a:xfrm>
+            <a:off x="952499" y="254000"/>
+            <a:ext cx="11421397" cy="2158999"/>
+          </a:xfrm>
+        </p:spPr>
         <p:txBody>
           <a:bodyPr/>
           <a:lstStyle/>
           <a:p>
             <a:r>
-              <a:rPr lang="en-US" dirty="0" err="1"/>
-              <a:t>React.createElement</a:t>
-            </a:r>
-            <a:r>
-              <a:rPr lang="en-US" dirty="0"/>
-              <a:t>()</a:t>
-            </a:r>
+              <a:rPr lang="nl-NL" b="1" dirty="0" err="1" smtClean="0">
+                <a:solidFill>
+                  <a:schemeClr val="bg1"/>
+                </a:solidFill>
+              </a:rPr>
+              <a:t>BookSearch</a:t>
+            </a:r>
+            <a:r>
+              <a:rPr lang="nl-NL" b="1" dirty="0" smtClean="0">
+                <a:solidFill>
+                  <a:schemeClr val="bg1"/>
+                </a:solidFill>
+              </a:rPr>
+              <a:t> </a:t>
+            </a:r>
+            <a:r>
+              <a:rPr lang="nl-NL" b="1" dirty="0" err="1" smtClean="0">
+                <a:solidFill>
+                  <a:schemeClr val="bg1"/>
+                </a:solidFill>
+              </a:rPr>
+              <a:t>and</a:t>
+            </a:r>
+            <a:r>
+              <a:rPr lang="nl-NL" b="1" dirty="0" smtClean="0">
+                <a:solidFill>
+                  <a:schemeClr val="bg1"/>
+                </a:solidFill>
+              </a:rPr>
+              <a:t> </a:t>
+            </a:r>
+            <a:r>
+              <a:rPr lang="nl-NL" b="1" dirty="0" err="1" smtClean="0">
+                <a:solidFill>
+                  <a:schemeClr val="bg1"/>
+                </a:solidFill>
+              </a:rPr>
+              <a:t>DashBoard</a:t>
+            </a:r>
+            <a:endParaRPr lang="en-US" dirty="0">
+              <a:solidFill>
+                <a:schemeClr val="bg1"/>
+              </a:solidFill>
+            </a:endParaRPr>
           </a:p>
         </p:txBody>
       </p:sp>
@@ -19638,225 +18380,49 @@
             <p:ph type="body" idx="1"/>
           </p:nvPr>
         </p:nvSpPr>
-        <p:spPr>
-          <a:xfrm>
-            <a:off x="952500" y="2590800"/>
-            <a:ext cx="12052300" cy="6286499"/>
-          </a:xfrm>
-        </p:spPr>
+        <p:spPr/>
         <p:txBody>
           <a:bodyPr/>
           <a:lstStyle/>
           <a:p>
-            <a:pPr marL="180975" indent="0">
-              <a:buNone/>
-            </a:pPr>
-            <a:r>
-              <a:rPr lang="en-US" dirty="0"/>
-              <a:t>Babel compiles JSX down </a:t>
-            </a:r>
-            <a:r>
-              <a:rPr lang="en-US" dirty="0" smtClean="0"/>
-              <a:t>to</a:t>
-            </a:r>
-            <a:r>
-              <a:rPr lang="en-US" dirty="0"/>
-              <a:t> </a:t>
-            </a:r>
-            <a:r>
-              <a:rPr lang="en-US" dirty="0" err="1"/>
-              <a:t>React.createElement</a:t>
-            </a:r>
-            <a:r>
-              <a:rPr lang="en-US" dirty="0"/>
-              <a:t>() </a:t>
-            </a:r>
-            <a:r>
-              <a:rPr lang="en-US" dirty="0" smtClean="0"/>
-              <a:t>calls:</a:t>
-            </a:r>
-          </a:p>
-          <a:p>
-            <a:pPr marL="180975" indent="0">
-              <a:buNone/>
-            </a:pPr>
-            <a:r>
-              <a:rPr lang="en-US" sz="2800" i="1" dirty="0" smtClean="0"/>
-              <a:t>return </a:t>
-            </a:r>
-            <a:r>
-              <a:rPr lang="en-US" sz="2800" i="1" dirty="0" err="1"/>
-              <a:t>React.createElement</a:t>
-            </a:r>
-            <a:r>
-              <a:rPr lang="en-US" sz="2800" i="1" dirty="0"/>
-              <a:t>('div</a:t>
-            </a:r>
-            <a:r>
-              <a:rPr lang="en-US" sz="2800" i="1" dirty="0" smtClean="0"/>
-              <a:t>', Hello {</a:t>
-            </a:r>
-            <a:r>
-              <a:rPr lang="en-US" sz="2800" i="1" dirty="0" err="1">
-                <a:solidFill>
-                  <a:srgbClr val="FFFF00"/>
-                </a:solidFill>
-              </a:rPr>
-              <a:t>this.props.name</a:t>
-            </a:r>
-            <a:r>
-              <a:rPr lang="en-US" sz="2800" i="1" dirty="0">
-                <a:solidFill>
-                  <a:srgbClr val="FFFF00"/>
-                </a:solidFill>
-              </a:rPr>
-              <a:t> </a:t>
-            </a:r>
-            <a:r>
-              <a:rPr lang="en-US" sz="2800" i="1" dirty="0" smtClean="0"/>
-              <a:t>});</a:t>
-            </a:r>
-            <a:endParaRPr lang="en-US" sz="2800" i="1" dirty="0"/>
-          </a:p>
-          <a:p>
-            <a:endParaRPr lang="en-US" sz="2800" dirty="0"/>
+            <a:endParaRPr lang="en-US" dirty="0"/>
           </a:p>
         </p:txBody>
       </p:sp>
-    </p:spTree>
-    <p:extLst>
-      <p:ext uri="{BB962C8B-B14F-4D97-AF65-F5344CB8AC3E}">
-        <p14:creationId xmlns:p14="http://schemas.microsoft.com/office/powerpoint/2010/main" val="1449139530"/>
-      </p:ext>
-    </p:extLst>
-  </p:cSld>
-  <p:clrMapOvr>
-    <a:masterClrMapping/>
-  </p:clrMapOvr>
-  <p:timing>
-    <p:tnLst>
-      <p:par>
-        <p:cTn id="1" dur="indefinite" restart="never" nodeType="tmRoot"/>
-      </p:par>
-    </p:tnLst>
-  </p:timing>
-</p:sld>
-</file>
-
-<file path=ppt/slides/slide9.xml><?xml version="1.0" encoding="utf-8"?>
-<p:sld xmlns:a="http://schemas.openxmlformats.org/drawingml/2006/main" xmlns:r="http://schemas.openxmlformats.org/officeDocument/2006/relationships" xmlns:p="http://schemas.openxmlformats.org/presentationml/2006/main">
-  <p:cSld>
-    <p:spTree>
-      <p:nvGrpSpPr>
-        <p:cNvPr id="1" name="Shape 105"/>
-        <p:cNvGrpSpPr/>
-        <p:nvPr/>
-      </p:nvGrpSpPr>
-      <p:grpSpPr>
-        <a:xfrm>
-          <a:off x="0" y="0"/>
-          <a:ext cx="0" cy="0"/>
-          <a:chOff x="0" y="0"/>
-          <a:chExt cx="0" cy="0"/>
-        </a:xfrm>
-      </p:grpSpPr>
-      <p:sp>
-        <p:nvSpPr>
-          <p:cNvPr id="106" name="Shape 106"/>
-          <p:cNvSpPr txBox="1">
-            <a:spLocks noGrp="1"/>
-          </p:cNvSpPr>
-          <p:nvPr>
-            <p:ph type="title"/>
-          </p:nvPr>
-        </p:nvSpPr>
+      <p:pic>
+        <p:nvPicPr>
+          <p:cNvPr id="5" name="Picture 4"/>
+          <p:cNvPicPr>
+            <a:picLocks noChangeAspect="1"/>
+          </p:cNvPicPr>
+          <p:nvPr/>
+        </p:nvPicPr>
+        <p:blipFill>
+          <a:blip r:embed="rId2">
+            <a:extLst>
+              <a:ext uri="{28A0092B-C50C-407E-A947-70E740481C1C}">
+                <a14:useLocalDpi xmlns:a14="http://schemas.microsoft.com/office/drawing/2010/main" val="0"/>
+              </a:ext>
+            </a:extLst>
+          </a:blip>
+          <a:stretch>
+            <a:fillRect/>
+          </a:stretch>
+        </p:blipFill>
         <p:spPr>
           <a:xfrm>
-            <a:off x="952500" y="254000"/>
-            <a:ext cx="11099700" cy="2159100"/>
+            <a:off x="952499" y="2607129"/>
+            <a:ext cx="11099800" cy="6700684"/>
           </a:xfrm>
           <a:prstGeom prst="rect">
             <a:avLst/>
           </a:prstGeom>
         </p:spPr>
-        <p:txBody>
-          <a:bodyPr lIns="91425" tIns="91425" rIns="91425" bIns="91425" anchor="ctr" anchorCtr="0">
-            <a:noAutofit/>
-          </a:bodyPr>
-          <a:lstStyle/>
-          <a:p>
-            <a:pPr lvl="0">
-              <a:spcBef>
-                <a:spcPts val="0"/>
-              </a:spcBef>
-              <a:buNone/>
-            </a:pPr>
-            <a:r>
-              <a:rPr lang="en-US" dirty="0"/>
-              <a:t>How can this be?</a:t>
-            </a:r>
-          </a:p>
-        </p:txBody>
-      </p:sp>
-      <p:sp>
-        <p:nvSpPr>
-          <p:cNvPr id="107" name="Shape 107"/>
-          <p:cNvSpPr txBox="1">
-            <a:spLocks noGrp="1"/>
-          </p:cNvSpPr>
-          <p:nvPr>
-            <p:ph type="body" idx="1"/>
-          </p:nvPr>
-        </p:nvSpPr>
-        <p:spPr>
-          <a:xfrm>
-            <a:off x="952500" y="2590800"/>
-            <a:ext cx="11099700" cy="6286500"/>
-          </a:xfrm>
-          <a:prstGeom prst="rect">
-            <a:avLst/>
-          </a:prstGeom>
-        </p:spPr>
-        <p:txBody>
-          <a:bodyPr lIns="91425" tIns="91425" rIns="91425" bIns="91425" anchor="ctr" anchorCtr="0">
-            <a:noAutofit/>
-          </a:bodyPr>
-          <a:lstStyle/>
-          <a:p>
-            <a:pPr marL="0" lvl="0" indent="0">
-              <a:spcBef>
-                <a:spcPts val="0"/>
-              </a:spcBef>
-              <a:buNone/>
-            </a:pPr>
-            <a:r>
-              <a:rPr lang="en-US" dirty="0"/>
-              <a:t>You are able to use JSX when using a </a:t>
-            </a:r>
-            <a:r>
-              <a:rPr lang="en-US" dirty="0" err="1"/>
-              <a:t>transpiler</a:t>
-            </a:r>
-            <a:r>
-              <a:rPr lang="en-US" dirty="0"/>
-              <a:t> like </a:t>
-            </a:r>
-            <a:r>
-              <a:rPr lang="en-US" b="1" dirty="0"/>
-              <a:t>Babel</a:t>
-            </a:r>
-            <a:r>
-              <a:rPr lang="en-US" dirty="0" smtClean="0"/>
-              <a:t>.</a:t>
-            </a:r>
-            <a:endParaRPr lang="en-US" dirty="0"/>
-          </a:p>
-        </p:txBody>
-      </p:sp>
+      </p:pic>
     </p:spTree>
     <p:extLst>
       <p:ext uri="{BB962C8B-B14F-4D97-AF65-F5344CB8AC3E}">
-        <p14:creationId xmlns:p14="http://schemas.microsoft.com/office/powerpoint/2010/main" val="2141654779"/>
+        <p14:creationId xmlns:p14="http://schemas.microsoft.com/office/powerpoint/2010/main" val="743691890"/>
       </p:ext>
     </p:extLst>
   </p:cSld>

--- a/frontend-cursus/ 10 - React.pptx
+++ b/frontend-cursus/ 10 - React.pptx
@@ -1410,7 +1410,33 @@
                 <a:cs typeface="Helvetica Neue"/>
                 <a:sym typeface="Helvetica Neue"/>
               </a:rPr>
-              <a:t>The :number part of the path /roster/:number means that the part of the pathname that comes after /roster/ will be captured and stored as </a:t>
+              <a:t>The :number part of the path /roster/:number means that the part of the pathname that comes after </a:t>
+            </a:r>
+            <a:r>
+              <a:rPr lang="en-US" sz="2200" b="0" i="0" u="none" strike="noStrike" kern="1200" cap="none" dirty="0" smtClean="0">
+                <a:solidFill>
+                  <a:schemeClr val="tx1"/>
+                </a:solidFill>
+                <a:effectLst/>
+                <a:latin typeface="Helvetica Neue"/>
+                <a:ea typeface="Helvetica Neue"/>
+                <a:cs typeface="Helvetica Neue"/>
+                <a:sym typeface="Helvetica Neue"/>
+              </a:rPr>
+              <a:t>/book/</a:t>
+            </a:r>
+            <a:r>
+              <a:rPr lang="en-US" sz="2200" b="0" i="0" u="none" strike="noStrike" kern="1200" cap="none" dirty="0" smtClean="0">
+                <a:solidFill>
+                  <a:schemeClr val="tx1"/>
+                </a:solidFill>
+                <a:effectLst/>
+                <a:latin typeface="Helvetica Neue"/>
+                <a:ea typeface="Helvetica Neue"/>
+                <a:cs typeface="Helvetica Neue"/>
+                <a:sym typeface="Helvetica Neue"/>
+              </a:rPr>
+              <a:t> will be captured and stored as </a:t>
             </a:r>
             <a:r>
               <a:rPr lang="en-US" sz="2200" b="0" i="0" u="none" strike="noStrike" kern="1200" cap="none" dirty="0" err="1" smtClean="0">
@@ -1436,7 +1462,46 @@
                 <a:cs typeface="Helvetica Neue"/>
                 <a:sym typeface="Helvetica Neue"/>
               </a:rPr>
-              <a:t>. For example, the pathname /roster/6 will generate a </a:t>
+              <a:t>. For example, the pathname</a:t>
+            </a:r>
+            <a:r>
+              <a:rPr lang="en-US" sz="2200" b="0" i="0" u="none" strike="noStrike" kern="1200" cap="none" smtClean="0">
+                <a:solidFill>
+                  <a:schemeClr val="tx1"/>
+                </a:solidFill>
+                <a:effectLst/>
+                <a:latin typeface="Helvetica Neue"/>
+                <a:ea typeface="Helvetica Neue"/>
+                <a:cs typeface="Helvetica Neue"/>
+                <a:sym typeface="Helvetica Neue"/>
+              </a:rPr>
+              <a:t> </a:t>
+            </a:r>
+            <a:r>
+              <a:rPr lang="en-US" sz="2200" b="0" i="0" u="none" strike="noStrike" kern="1200" cap="none" smtClean="0">
+                <a:solidFill>
+                  <a:schemeClr val="tx1"/>
+                </a:solidFill>
+                <a:effectLst/>
+                <a:latin typeface="Helvetica Neue"/>
+                <a:ea typeface="Helvetica Neue"/>
+                <a:cs typeface="Helvetica Neue"/>
+                <a:sym typeface="Helvetica Neue"/>
+              </a:rPr>
+              <a:t>/book/6</a:t>
+            </a:r>
+            <a:r>
+              <a:rPr lang="en-US" sz="2200" b="0" i="0" u="none" strike="noStrike" kern="1200" cap="none" dirty="0" smtClean="0">
+                <a:solidFill>
+                  <a:schemeClr val="tx1"/>
+                </a:solidFill>
+                <a:effectLst/>
+                <a:latin typeface="Helvetica Neue"/>
+                <a:ea typeface="Helvetica Neue"/>
+                <a:cs typeface="Helvetica Neue"/>
+                <a:sym typeface="Helvetica Neue"/>
+              </a:rPr>
+              <a:t> will generate a </a:t>
             </a:r>
             <a:r>
               <a:rPr lang="en-US" sz="2200" b="0" i="0" u="none" strike="noStrike" kern="1200" cap="none" dirty="0" err="1" smtClean="0">
@@ -12532,7 +12597,11 @@
               <a:t>export </a:t>
             </a:r>
             <a:r>
-              <a:rPr lang="en-US" sz="2000" dirty="0"/>
+              <a:rPr lang="en-US" sz="2000" dirty="0">
+                <a:solidFill>
+                  <a:srgbClr val="FFC000"/>
+                </a:solidFill>
+              </a:rPr>
               <a:t>class </a:t>
             </a:r>
             <a:r>
@@ -12557,7 +12626,7 @@
             </a:r>
           </a:p>
           <a:p>
-            <a:pPr marL="180975" indent="0">
+            <a:pPr marL="625475" lvl="1" indent="0">
               <a:spcBef>
                 <a:spcPts val="600"/>
               </a:spcBef>
@@ -12571,12 +12640,13 @@
               <a:rPr lang="en-US" sz="2000" dirty="0"/>
             </a:br>
             <a:r>
-              <a:rPr lang="en-US" sz="2000" dirty="0"/>
-              <a:t>constructor(props){</a:t>
-            </a:r>
-          </a:p>
-          <a:p>
-            <a:pPr marL="180975" indent="0">
+              <a:rPr lang="en-US" sz="2000" dirty="0" smtClean="0"/>
+              <a:t>constructor(props) {</a:t>
+            </a:r>
+            <a:endParaRPr lang="en-US" sz="2000" dirty="0"/>
+          </a:p>
+          <a:p>
+            <a:pPr marL="625475" lvl="1" indent="0">
               <a:spcBef>
                 <a:spcPts val="600"/>
               </a:spcBef>
@@ -12584,7 +12654,11 @@
             </a:pPr>
             <a:r>
               <a:rPr lang="en-US" sz="2000" dirty="0" smtClean="0"/>
-              <a:t>	super(props</a:t>
+              <a:t>	</a:t>
+            </a:r>
+            <a:r>
+              <a:rPr lang="en-US" sz="2000" dirty="0" smtClean="0"/>
+              <a:t>super(props</a:t>
             </a:r>
             <a:r>
               <a:rPr lang="en-US" sz="2000" dirty="0"/>
@@ -12592,7 +12666,7 @@
             </a:r>
           </a:p>
           <a:p>
-            <a:pPr marL="180975" indent="0">
+            <a:pPr marL="625475" lvl="1" indent="0">
               <a:spcBef>
                 <a:spcPts val="600"/>
               </a:spcBef>
@@ -12628,7 +12702,7 @@
             </a:r>
           </a:p>
           <a:p>
-            <a:pPr marL="180975" indent="0">
+            <a:pPr marL="625475" lvl="1" indent="0">
               <a:spcBef>
                 <a:spcPts val="600"/>
               </a:spcBef>
@@ -12644,7 +12718,7 @@
             </a:r>
           </a:p>
           <a:p>
-            <a:pPr marL="180975" indent="0">
+            <a:pPr marL="625475" lvl="1" indent="0">
               <a:spcBef>
                 <a:spcPts val="600"/>
               </a:spcBef>
@@ -12669,7 +12743,7 @@
             </a:endParaRPr>
           </a:p>
           <a:p>
-            <a:pPr marL="180975" indent="0">
+            <a:pPr marL="625475" lvl="1" indent="0">
               <a:spcBef>
                 <a:spcPts val="600"/>
               </a:spcBef>
@@ -12681,7 +12755,7 @@
             </a:r>
           </a:p>
           <a:p>
-            <a:pPr marL="180975" indent="0">
+            <a:pPr marL="625475" lvl="1" indent="0">
               <a:spcBef>
                 <a:spcPts val="600"/>
               </a:spcBef>
@@ -12712,7 +12786,7 @@
             </a:r>
           </a:p>
           <a:p>
-            <a:pPr marL="180975" indent="0">
+            <a:pPr marL="625475" lvl="1" indent="0">
               <a:spcBef>
                 <a:spcPts val="600"/>
               </a:spcBef>
@@ -12748,7 +12822,7 @@
             </a:r>
           </a:p>
           <a:p>
-            <a:pPr marL="180975" indent="0">
+            <a:pPr marL="625475" lvl="1" indent="0">
               <a:spcBef>
                 <a:spcPts val="600"/>
               </a:spcBef>
@@ -12776,7 +12850,7 @@
             </a:r>
           </a:p>
           <a:p>
-            <a:pPr marL="180975" indent="0">
+            <a:pPr marL="625475" lvl="1" indent="0">
               <a:spcBef>
                 <a:spcPts val="600"/>
               </a:spcBef>
@@ -12804,7 +12878,7 @@
             </a:r>
           </a:p>
           <a:p>
-            <a:pPr marL="180975" indent="0">
+            <a:pPr marL="625475" lvl="1" indent="0">
               <a:spcBef>
                 <a:spcPts val="600"/>
               </a:spcBef>
@@ -12825,7 +12899,7 @@
             <a:endParaRPr lang="en-US" sz="2000" dirty="0"/>
           </a:p>
           <a:p>
-            <a:pPr marL="180975" indent="0">
+            <a:pPr marL="625475" lvl="1" indent="0">
               <a:spcBef>
                 <a:spcPts val="600"/>
               </a:spcBef>
@@ -12850,7 +12924,7 @@
             </a:endParaRPr>
           </a:p>
           <a:p>
-            <a:pPr marL="180975" indent="0">
+            <a:pPr marL="625475" lvl="1" indent="0">
               <a:spcBef>
                 <a:spcPts val="600"/>
               </a:spcBef>
@@ -12863,7 +12937,7 @@
             <a:endParaRPr lang="en-US" sz="2000" dirty="0"/>
           </a:p>
           <a:p>
-            <a:pPr marL="180975" indent="0">
+            <a:pPr marL="625475" lvl="1" indent="0">
               <a:spcBef>
                 <a:spcPts val="600"/>
               </a:spcBef>
@@ -17336,7 +17410,11 @@
             </a:pPr>
             <a:r>
               <a:rPr lang="en-US" sz="2400" i="1" dirty="0" smtClean="0"/>
-              <a:t>// Welcome </a:t>
+              <a:t>// </a:t>
+            </a:r>
+            <a:r>
+              <a:rPr lang="en-US" sz="2400" i="1" dirty="0" smtClean="0"/>
+              <a:t> &lt;Welcome </a:t>
             </a:r>
             <a:r>
               <a:rPr lang="en-US" sz="2400" i="1" dirty="0"/>
